--- a/graph/gif/Simplification.pptx
+++ b/graph/gif/Simplification.pptx
@@ -23,6 +23,15 @@
     <p:sldId id="280" r:id="rId17"/>
     <p:sldId id="281" r:id="rId18"/>
     <p:sldId id="282" r:id="rId19"/>
+    <p:sldId id="283" r:id="rId20"/>
+    <p:sldId id="284" r:id="rId21"/>
+    <p:sldId id="285" r:id="rId22"/>
+    <p:sldId id="286" r:id="rId23"/>
+    <p:sldId id="287" r:id="rId24"/>
+    <p:sldId id="288" r:id="rId25"/>
+    <p:sldId id="290" r:id="rId26"/>
+    <p:sldId id="291" r:id="rId27"/>
+    <p:sldId id="292" r:id="rId28"/>
   </p:sldIdLst>
   <p:sldSz cx="12192000" cy="6858000"/>
   <p:notesSz cx="6858000" cy="9144000"/>
@@ -276,7 +285,7 @@
           <a:p>
             <a:fld id="{FCFD1492-5DC3-43D9-82A2-562279B5AC58}" type="datetimeFigureOut">
               <a:rPr lang="zh-TW" altLang="en-US" smtClean="0"/>
-              <a:t>2021/2/8</a:t>
+              <a:t>2022/1/22</a:t>
             </a:fld>
             <a:endParaRPr lang="zh-TW" altLang="en-US"/>
           </a:p>
@@ -474,7 +483,7 @@
           <a:p>
             <a:fld id="{FCFD1492-5DC3-43D9-82A2-562279B5AC58}" type="datetimeFigureOut">
               <a:rPr lang="zh-TW" altLang="en-US" smtClean="0"/>
-              <a:t>2021/2/8</a:t>
+              <a:t>2022/1/22</a:t>
             </a:fld>
             <a:endParaRPr lang="zh-TW" altLang="en-US"/>
           </a:p>
@@ -682,7 +691,7 @@
           <a:p>
             <a:fld id="{FCFD1492-5DC3-43D9-82A2-562279B5AC58}" type="datetimeFigureOut">
               <a:rPr lang="zh-TW" altLang="en-US" smtClean="0"/>
-              <a:t>2021/2/8</a:t>
+              <a:t>2022/1/22</a:t>
             </a:fld>
             <a:endParaRPr lang="zh-TW" altLang="en-US"/>
           </a:p>
@@ -880,7 +889,7 @@
           <a:p>
             <a:fld id="{FCFD1492-5DC3-43D9-82A2-562279B5AC58}" type="datetimeFigureOut">
               <a:rPr lang="zh-TW" altLang="en-US" smtClean="0"/>
-              <a:t>2021/2/8</a:t>
+              <a:t>2022/1/22</a:t>
             </a:fld>
             <a:endParaRPr lang="zh-TW" altLang="en-US"/>
           </a:p>
@@ -1155,7 +1164,7 @@
           <a:p>
             <a:fld id="{FCFD1492-5DC3-43D9-82A2-562279B5AC58}" type="datetimeFigureOut">
               <a:rPr lang="zh-TW" altLang="en-US" smtClean="0"/>
-              <a:t>2021/2/8</a:t>
+              <a:t>2022/1/22</a:t>
             </a:fld>
             <a:endParaRPr lang="zh-TW" altLang="en-US"/>
           </a:p>
@@ -1420,7 +1429,7 @@
           <a:p>
             <a:fld id="{FCFD1492-5DC3-43D9-82A2-562279B5AC58}" type="datetimeFigureOut">
               <a:rPr lang="zh-TW" altLang="en-US" smtClean="0"/>
-              <a:t>2021/2/8</a:t>
+              <a:t>2022/1/22</a:t>
             </a:fld>
             <a:endParaRPr lang="zh-TW" altLang="en-US"/>
           </a:p>
@@ -1832,7 +1841,7 @@
           <a:p>
             <a:fld id="{FCFD1492-5DC3-43D9-82A2-562279B5AC58}" type="datetimeFigureOut">
               <a:rPr lang="zh-TW" altLang="en-US" smtClean="0"/>
-              <a:t>2021/2/8</a:t>
+              <a:t>2022/1/22</a:t>
             </a:fld>
             <a:endParaRPr lang="zh-TW" altLang="en-US"/>
           </a:p>
@@ -1973,7 +1982,7 @@
           <a:p>
             <a:fld id="{FCFD1492-5DC3-43D9-82A2-562279B5AC58}" type="datetimeFigureOut">
               <a:rPr lang="zh-TW" altLang="en-US" smtClean="0"/>
-              <a:t>2021/2/8</a:t>
+              <a:t>2022/1/22</a:t>
             </a:fld>
             <a:endParaRPr lang="zh-TW" altLang="en-US"/>
           </a:p>
@@ -2086,7 +2095,7 @@
           <a:p>
             <a:fld id="{FCFD1492-5DC3-43D9-82A2-562279B5AC58}" type="datetimeFigureOut">
               <a:rPr lang="zh-TW" altLang="en-US" smtClean="0"/>
-              <a:t>2021/2/8</a:t>
+              <a:t>2022/1/22</a:t>
             </a:fld>
             <a:endParaRPr lang="zh-TW" altLang="en-US"/>
           </a:p>
@@ -2397,7 +2406,7 @@
           <a:p>
             <a:fld id="{FCFD1492-5DC3-43D9-82A2-562279B5AC58}" type="datetimeFigureOut">
               <a:rPr lang="zh-TW" altLang="en-US" smtClean="0"/>
-              <a:t>2021/2/8</a:t>
+              <a:t>2022/1/22</a:t>
             </a:fld>
             <a:endParaRPr lang="zh-TW" altLang="en-US"/>
           </a:p>
@@ -2685,7 +2694,7 @@
           <a:p>
             <a:fld id="{FCFD1492-5DC3-43D9-82A2-562279B5AC58}" type="datetimeFigureOut">
               <a:rPr lang="zh-TW" altLang="en-US" smtClean="0"/>
-              <a:t>2021/2/8</a:t>
+              <a:t>2022/1/22</a:t>
             </a:fld>
             <a:endParaRPr lang="zh-TW" altLang="en-US"/>
           </a:p>
@@ -2926,7 +2935,7 @@
           <a:p>
             <a:fld id="{FCFD1492-5DC3-43D9-82A2-562279B5AC58}" type="datetimeFigureOut">
               <a:rPr lang="zh-TW" altLang="en-US" smtClean="0"/>
-              <a:t>2021/2/8</a:t>
+              <a:t>2022/1/22</a:t>
             </a:fld>
             <a:endParaRPr lang="zh-TW" altLang="en-US"/>
           </a:p>
@@ -7756,6 +7765,955 @@
 </p:sld>
 </file>
 
+<file path=ppt/slides/slide19.xml><?xml version="1.0" encoding="utf-8"?>
+<p:sld xmlns:a="http://schemas.openxmlformats.org/drawingml/2006/main" xmlns:r="http://schemas.openxmlformats.org/officeDocument/2006/relationships" xmlns:p="http://schemas.openxmlformats.org/presentationml/2006/main">
+  <p:cSld>
+    <p:spTree>
+      <p:nvGrpSpPr>
+        <p:cNvPr id="1" name=""/>
+        <p:cNvGrpSpPr/>
+        <p:nvPr/>
+      </p:nvGrpSpPr>
+      <p:grpSpPr>
+        <a:xfrm>
+          <a:off x="0" y="0"/>
+          <a:ext cx="0" cy="0"/>
+          <a:chOff x="0" y="0"/>
+          <a:chExt cx="0" cy="0"/>
+        </a:xfrm>
+      </p:grpSpPr>
+      <p:sp>
+        <p:nvSpPr>
+          <p:cNvPr id="4" name="橢圓 3">
+            <a:extLst>
+              <a:ext uri="{FF2B5EF4-FFF2-40B4-BE49-F238E27FC236}">
+                <a16:creationId xmlns:a16="http://schemas.microsoft.com/office/drawing/2014/main" id="{DA869778-0817-4277-91F6-42A34D4CDBF5}"/>
+              </a:ext>
+            </a:extLst>
+          </p:cNvPr>
+          <p:cNvSpPr/>
+          <p:nvPr/>
+        </p:nvSpPr>
+        <p:spPr>
+          <a:xfrm>
+            <a:off x="998025" y="2084948"/>
+            <a:ext cx="162560" cy="162560"/>
+          </a:xfrm>
+          <a:prstGeom prst="ellipse">
+            <a:avLst/>
+          </a:prstGeom>
+          <a:solidFill>
+            <a:srgbClr val="FF0000"/>
+          </a:solidFill>
+          <a:ln>
+            <a:noFill/>
+          </a:ln>
+        </p:spPr>
+        <p:style>
+          <a:lnRef idx="2">
+            <a:schemeClr val="accent1">
+              <a:shade val="50000"/>
+            </a:schemeClr>
+          </a:lnRef>
+          <a:fillRef idx="1">
+            <a:schemeClr val="accent1"/>
+          </a:fillRef>
+          <a:effectRef idx="0">
+            <a:schemeClr val="accent1"/>
+          </a:effectRef>
+          <a:fontRef idx="minor">
+            <a:schemeClr val="lt1"/>
+          </a:fontRef>
+        </p:style>
+        <p:txBody>
+          <a:bodyPr rtlCol="0" anchor="ctr"/>
+          <a:lstStyle/>
+          <a:p>
+            <a:pPr algn="ctr"/>
+            <a:endParaRPr lang="zh-TW" altLang="en-US">
+              <a:solidFill>
+                <a:srgbClr val="FF0000"/>
+              </a:solidFill>
+            </a:endParaRPr>
+          </a:p>
+        </p:txBody>
+      </p:sp>
+      <p:sp>
+        <p:nvSpPr>
+          <p:cNvPr id="6" name="橢圓 5">
+            <a:extLst>
+              <a:ext uri="{FF2B5EF4-FFF2-40B4-BE49-F238E27FC236}">
+                <a16:creationId xmlns:a16="http://schemas.microsoft.com/office/drawing/2014/main" id="{1579FC30-3450-4340-BDEC-5DDBEF538D68}"/>
+              </a:ext>
+            </a:extLst>
+          </p:cNvPr>
+          <p:cNvSpPr/>
+          <p:nvPr/>
+        </p:nvSpPr>
+        <p:spPr>
+          <a:xfrm>
+            <a:off x="1727199" y="3266051"/>
+            <a:ext cx="162560" cy="162560"/>
+          </a:xfrm>
+          <a:prstGeom prst="ellipse">
+            <a:avLst/>
+          </a:prstGeom>
+          <a:solidFill>
+            <a:schemeClr val="tx1"/>
+          </a:solidFill>
+          <a:ln>
+            <a:noFill/>
+          </a:ln>
+        </p:spPr>
+        <p:style>
+          <a:lnRef idx="2">
+            <a:schemeClr val="accent1">
+              <a:shade val="50000"/>
+            </a:schemeClr>
+          </a:lnRef>
+          <a:fillRef idx="1">
+            <a:schemeClr val="accent1"/>
+          </a:fillRef>
+          <a:effectRef idx="0">
+            <a:schemeClr val="accent1"/>
+          </a:effectRef>
+          <a:fontRef idx="minor">
+            <a:schemeClr val="lt1"/>
+          </a:fontRef>
+        </p:style>
+        <p:txBody>
+          <a:bodyPr rtlCol="0" anchor="ctr"/>
+          <a:lstStyle/>
+          <a:p>
+            <a:pPr algn="ctr"/>
+            <a:endParaRPr lang="zh-TW" altLang="en-US"/>
+          </a:p>
+        </p:txBody>
+      </p:sp>
+      <p:sp>
+        <p:nvSpPr>
+          <p:cNvPr id="7" name="橢圓 6">
+            <a:extLst>
+              <a:ext uri="{FF2B5EF4-FFF2-40B4-BE49-F238E27FC236}">
+                <a16:creationId xmlns:a16="http://schemas.microsoft.com/office/drawing/2014/main" id="{6BFC05B2-7D2F-4FBE-83E2-4016490FFA40}"/>
+              </a:ext>
+            </a:extLst>
+          </p:cNvPr>
+          <p:cNvSpPr/>
+          <p:nvPr/>
+        </p:nvSpPr>
+        <p:spPr>
+          <a:xfrm>
+            <a:off x="3817972" y="3777527"/>
+            <a:ext cx="162560" cy="162560"/>
+          </a:xfrm>
+          <a:prstGeom prst="ellipse">
+            <a:avLst/>
+          </a:prstGeom>
+          <a:solidFill>
+            <a:schemeClr val="tx1"/>
+          </a:solidFill>
+          <a:ln>
+            <a:noFill/>
+          </a:ln>
+        </p:spPr>
+        <p:style>
+          <a:lnRef idx="2">
+            <a:schemeClr val="accent1">
+              <a:shade val="50000"/>
+            </a:schemeClr>
+          </a:lnRef>
+          <a:fillRef idx="1">
+            <a:schemeClr val="accent1"/>
+          </a:fillRef>
+          <a:effectRef idx="0">
+            <a:schemeClr val="accent1"/>
+          </a:effectRef>
+          <a:fontRef idx="minor">
+            <a:schemeClr val="lt1"/>
+          </a:fontRef>
+        </p:style>
+        <p:txBody>
+          <a:bodyPr rtlCol="0" anchor="ctr"/>
+          <a:lstStyle/>
+          <a:p>
+            <a:pPr algn="ctr"/>
+            <a:endParaRPr lang="zh-TW" altLang="en-US"/>
+          </a:p>
+        </p:txBody>
+      </p:sp>
+      <p:sp>
+        <p:nvSpPr>
+          <p:cNvPr id="8" name="橢圓 7">
+            <a:extLst>
+              <a:ext uri="{FF2B5EF4-FFF2-40B4-BE49-F238E27FC236}">
+                <a16:creationId xmlns:a16="http://schemas.microsoft.com/office/drawing/2014/main" id="{08B8DFB9-A3A0-487E-BE67-518BEAEE799E}"/>
+              </a:ext>
+            </a:extLst>
+          </p:cNvPr>
+          <p:cNvSpPr/>
+          <p:nvPr/>
+        </p:nvSpPr>
+        <p:spPr>
+          <a:xfrm>
+            <a:off x="5745198" y="3332414"/>
+            <a:ext cx="162560" cy="162560"/>
+          </a:xfrm>
+          <a:prstGeom prst="ellipse">
+            <a:avLst/>
+          </a:prstGeom>
+          <a:solidFill>
+            <a:schemeClr val="tx1"/>
+          </a:solidFill>
+          <a:ln>
+            <a:noFill/>
+          </a:ln>
+        </p:spPr>
+        <p:style>
+          <a:lnRef idx="2">
+            <a:schemeClr val="accent1">
+              <a:shade val="50000"/>
+            </a:schemeClr>
+          </a:lnRef>
+          <a:fillRef idx="1">
+            <a:schemeClr val="accent1"/>
+          </a:fillRef>
+          <a:effectRef idx="0">
+            <a:schemeClr val="accent1"/>
+          </a:effectRef>
+          <a:fontRef idx="minor">
+            <a:schemeClr val="lt1"/>
+          </a:fontRef>
+        </p:style>
+        <p:txBody>
+          <a:bodyPr rtlCol="0" anchor="ctr"/>
+          <a:lstStyle/>
+          <a:p>
+            <a:pPr algn="ctr"/>
+            <a:endParaRPr lang="zh-TW" altLang="en-US"/>
+          </a:p>
+        </p:txBody>
+      </p:sp>
+      <p:sp>
+        <p:nvSpPr>
+          <p:cNvPr id="9" name="橢圓 8">
+            <a:extLst>
+              <a:ext uri="{FF2B5EF4-FFF2-40B4-BE49-F238E27FC236}">
+                <a16:creationId xmlns:a16="http://schemas.microsoft.com/office/drawing/2014/main" id="{D47F1CED-8281-475E-BEB7-E6828E11914C}"/>
+              </a:ext>
+            </a:extLst>
+          </p:cNvPr>
+          <p:cNvSpPr/>
+          <p:nvPr/>
+        </p:nvSpPr>
+        <p:spPr>
+          <a:xfrm>
+            <a:off x="7306916" y="2090418"/>
+            <a:ext cx="162560" cy="162560"/>
+          </a:xfrm>
+          <a:prstGeom prst="ellipse">
+            <a:avLst/>
+          </a:prstGeom>
+          <a:solidFill>
+            <a:schemeClr val="tx1"/>
+          </a:solidFill>
+          <a:ln>
+            <a:noFill/>
+          </a:ln>
+        </p:spPr>
+        <p:style>
+          <a:lnRef idx="2">
+            <a:schemeClr val="accent1">
+              <a:shade val="50000"/>
+            </a:schemeClr>
+          </a:lnRef>
+          <a:fillRef idx="1">
+            <a:schemeClr val="accent1"/>
+          </a:fillRef>
+          <a:effectRef idx="0">
+            <a:schemeClr val="accent1"/>
+          </a:effectRef>
+          <a:fontRef idx="minor">
+            <a:schemeClr val="lt1"/>
+          </a:fontRef>
+        </p:style>
+        <p:txBody>
+          <a:bodyPr rtlCol="0" anchor="ctr"/>
+          <a:lstStyle/>
+          <a:p>
+            <a:pPr algn="ctr"/>
+            <a:endParaRPr lang="zh-TW" altLang="en-US"/>
+          </a:p>
+        </p:txBody>
+      </p:sp>
+      <p:sp>
+        <p:nvSpPr>
+          <p:cNvPr id="10" name="橢圓 9">
+            <a:extLst>
+              <a:ext uri="{FF2B5EF4-FFF2-40B4-BE49-F238E27FC236}">
+                <a16:creationId xmlns:a16="http://schemas.microsoft.com/office/drawing/2014/main" id="{9BCB8945-31E4-481D-BFBB-398FEB81FB03}"/>
+              </a:ext>
+            </a:extLst>
+          </p:cNvPr>
+          <p:cNvSpPr/>
+          <p:nvPr/>
+        </p:nvSpPr>
+        <p:spPr>
+          <a:xfrm>
+            <a:off x="9712960" y="2906931"/>
+            <a:ext cx="162560" cy="162560"/>
+          </a:xfrm>
+          <a:prstGeom prst="ellipse">
+            <a:avLst/>
+          </a:prstGeom>
+          <a:solidFill>
+            <a:schemeClr val="tx1"/>
+          </a:solidFill>
+          <a:ln>
+            <a:noFill/>
+          </a:ln>
+        </p:spPr>
+        <p:style>
+          <a:lnRef idx="2">
+            <a:schemeClr val="accent1">
+              <a:shade val="50000"/>
+            </a:schemeClr>
+          </a:lnRef>
+          <a:fillRef idx="1">
+            <a:schemeClr val="accent1"/>
+          </a:fillRef>
+          <a:effectRef idx="0">
+            <a:schemeClr val="accent1"/>
+          </a:effectRef>
+          <a:fontRef idx="minor">
+            <a:schemeClr val="lt1"/>
+          </a:fontRef>
+        </p:style>
+        <p:txBody>
+          <a:bodyPr rtlCol="0" anchor="ctr"/>
+          <a:lstStyle/>
+          <a:p>
+            <a:pPr algn="ctr"/>
+            <a:endParaRPr lang="zh-TW" altLang="en-US"/>
+          </a:p>
+        </p:txBody>
+      </p:sp>
+      <p:sp>
+        <p:nvSpPr>
+          <p:cNvPr id="11" name="橢圓 10">
+            <a:extLst>
+              <a:ext uri="{FF2B5EF4-FFF2-40B4-BE49-F238E27FC236}">
+                <a16:creationId xmlns:a16="http://schemas.microsoft.com/office/drawing/2014/main" id="{E509F2DF-C648-4E6E-8EAB-0201C8CA5F46}"/>
+              </a:ext>
+            </a:extLst>
+          </p:cNvPr>
+          <p:cNvSpPr/>
+          <p:nvPr/>
+        </p:nvSpPr>
+        <p:spPr>
+          <a:xfrm>
+            <a:off x="10873545" y="1271562"/>
+            <a:ext cx="162560" cy="162560"/>
+          </a:xfrm>
+          <a:prstGeom prst="ellipse">
+            <a:avLst/>
+          </a:prstGeom>
+          <a:solidFill>
+            <a:schemeClr val="tx1"/>
+          </a:solidFill>
+          <a:ln>
+            <a:noFill/>
+          </a:ln>
+        </p:spPr>
+        <p:style>
+          <a:lnRef idx="2">
+            <a:schemeClr val="accent1">
+              <a:shade val="50000"/>
+            </a:schemeClr>
+          </a:lnRef>
+          <a:fillRef idx="1">
+            <a:schemeClr val="accent1"/>
+          </a:fillRef>
+          <a:effectRef idx="0">
+            <a:schemeClr val="accent1"/>
+          </a:effectRef>
+          <a:fontRef idx="minor">
+            <a:schemeClr val="lt1"/>
+          </a:fontRef>
+        </p:style>
+        <p:txBody>
+          <a:bodyPr rtlCol="0" anchor="ctr"/>
+          <a:lstStyle/>
+          <a:p>
+            <a:pPr algn="ctr"/>
+            <a:endParaRPr lang="zh-TW" altLang="en-US">
+              <a:solidFill>
+                <a:srgbClr val="FF0000"/>
+              </a:solidFill>
+            </a:endParaRPr>
+          </a:p>
+        </p:txBody>
+      </p:sp>
+      <p:cxnSp>
+        <p:nvCxnSpPr>
+          <p:cNvPr id="13" name="直線接點 12">
+            <a:extLst>
+              <a:ext uri="{FF2B5EF4-FFF2-40B4-BE49-F238E27FC236}">
+                <a16:creationId xmlns:a16="http://schemas.microsoft.com/office/drawing/2014/main" id="{6398ECE7-14D3-41DA-BBDF-07F83BA9E0FE}"/>
+              </a:ext>
+            </a:extLst>
+          </p:cNvPr>
+          <p:cNvCxnSpPr>
+            <a:cxnSpLocks/>
+            <a:stCxn id="4" idx="5"/>
+            <a:endCxn id="6" idx="1"/>
+          </p:cNvCxnSpPr>
+          <p:nvPr/>
+        </p:nvCxnSpPr>
+        <p:spPr>
+          <a:xfrm>
+            <a:off x="1136779" y="2223702"/>
+            <a:ext cx="614226" cy="1066155"/>
+          </a:xfrm>
+          <a:prstGeom prst="line">
+            <a:avLst/>
+          </a:prstGeom>
+          <a:ln w="19050">
+            <a:solidFill>
+              <a:schemeClr val="tx1"/>
+            </a:solidFill>
+          </a:ln>
+        </p:spPr>
+        <p:style>
+          <a:lnRef idx="1">
+            <a:schemeClr val="accent1"/>
+          </a:lnRef>
+          <a:fillRef idx="0">
+            <a:schemeClr val="accent1"/>
+          </a:fillRef>
+          <a:effectRef idx="0">
+            <a:schemeClr val="accent1"/>
+          </a:effectRef>
+          <a:fontRef idx="minor">
+            <a:schemeClr val="tx1"/>
+          </a:fontRef>
+        </p:style>
+      </p:cxnSp>
+      <p:cxnSp>
+        <p:nvCxnSpPr>
+          <p:cNvPr id="15" name="直線接點 14">
+            <a:extLst>
+              <a:ext uri="{FF2B5EF4-FFF2-40B4-BE49-F238E27FC236}">
+                <a16:creationId xmlns:a16="http://schemas.microsoft.com/office/drawing/2014/main" id="{FE6B1B1A-C0AC-4912-8FD9-35DC9FF4DC91}"/>
+              </a:ext>
+            </a:extLst>
+          </p:cNvPr>
+          <p:cNvCxnSpPr>
+            <a:cxnSpLocks/>
+            <a:stCxn id="6" idx="6"/>
+            <a:endCxn id="7" idx="2"/>
+          </p:cNvCxnSpPr>
+          <p:nvPr/>
+        </p:nvCxnSpPr>
+        <p:spPr>
+          <a:xfrm>
+            <a:off x="1889759" y="3347331"/>
+            <a:ext cx="1928213" cy="511476"/>
+          </a:xfrm>
+          <a:prstGeom prst="line">
+            <a:avLst/>
+          </a:prstGeom>
+          <a:ln w="19050">
+            <a:solidFill>
+              <a:schemeClr val="tx1"/>
+            </a:solidFill>
+          </a:ln>
+        </p:spPr>
+        <p:style>
+          <a:lnRef idx="1">
+            <a:schemeClr val="accent1"/>
+          </a:lnRef>
+          <a:fillRef idx="0">
+            <a:schemeClr val="accent1"/>
+          </a:fillRef>
+          <a:effectRef idx="0">
+            <a:schemeClr val="accent1"/>
+          </a:effectRef>
+          <a:fontRef idx="minor">
+            <a:schemeClr val="tx1"/>
+          </a:fontRef>
+        </p:style>
+      </p:cxnSp>
+      <p:cxnSp>
+        <p:nvCxnSpPr>
+          <p:cNvPr id="18" name="直線接點 17">
+            <a:extLst>
+              <a:ext uri="{FF2B5EF4-FFF2-40B4-BE49-F238E27FC236}">
+                <a16:creationId xmlns:a16="http://schemas.microsoft.com/office/drawing/2014/main" id="{E839F313-B193-40F8-B2F8-7D44A24775AF}"/>
+              </a:ext>
+            </a:extLst>
+          </p:cNvPr>
+          <p:cNvCxnSpPr>
+            <a:cxnSpLocks/>
+            <a:stCxn id="7" idx="6"/>
+            <a:endCxn id="8" idx="2"/>
+          </p:cNvCxnSpPr>
+          <p:nvPr/>
+        </p:nvCxnSpPr>
+        <p:spPr>
+          <a:xfrm flipV="1">
+            <a:off x="3980532" y="3413694"/>
+            <a:ext cx="1764666" cy="445113"/>
+          </a:xfrm>
+          <a:prstGeom prst="line">
+            <a:avLst/>
+          </a:prstGeom>
+          <a:ln w="19050">
+            <a:solidFill>
+              <a:schemeClr val="tx1"/>
+            </a:solidFill>
+          </a:ln>
+        </p:spPr>
+        <p:style>
+          <a:lnRef idx="1">
+            <a:schemeClr val="accent1"/>
+          </a:lnRef>
+          <a:fillRef idx="0">
+            <a:schemeClr val="accent1"/>
+          </a:fillRef>
+          <a:effectRef idx="0">
+            <a:schemeClr val="accent1"/>
+          </a:effectRef>
+          <a:fontRef idx="minor">
+            <a:schemeClr val="tx1"/>
+          </a:fontRef>
+        </p:style>
+      </p:cxnSp>
+      <p:cxnSp>
+        <p:nvCxnSpPr>
+          <p:cNvPr id="21" name="直線接點 20">
+            <a:extLst>
+              <a:ext uri="{FF2B5EF4-FFF2-40B4-BE49-F238E27FC236}">
+                <a16:creationId xmlns:a16="http://schemas.microsoft.com/office/drawing/2014/main" id="{C56EB324-6413-4813-94DD-AD13BB938D87}"/>
+              </a:ext>
+            </a:extLst>
+          </p:cNvPr>
+          <p:cNvCxnSpPr>
+            <a:cxnSpLocks/>
+            <a:stCxn id="8" idx="7"/>
+            <a:endCxn id="9" idx="3"/>
+          </p:cNvCxnSpPr>
+          <p:nvPr/>
+        </p:nvCxnSpPr>
+        <p:spPr>
+          <a:xfrm flipV="1">
+            <a:off x="5883952" y="2229172"/>
+            <a:ext cx="1446770" cy="1127048"/>
+          </a:xfrm>
+          <a:prstGeom prst="line">
+            <a:avLst/>
+          </a:prstGeom>
+          <a:ln w="19050">
+            <a:solidFill>
+              <a:schemeClr val="tx1"/>
+            </a:solidFill>
+          </a:ln>
+        </p:spPr>
+        <p:style>
+          <a:lnRef idx="1">
+            <a:schemeClr val="accent1"/>
+          </a:lnRef>
+          <a:fillRef idx="0">
+            <a:schemeClr val="accent1"/>
+          </a:fillRef>
+          <a:effectRef idx="0">
+            <a:schemeClr val="accent1"/>
+          </a:effectRef>
+          <a:fontRef idx="minor">
+            <a:schemeClr val="tx1"/>
+          </a:fontRef>
+        </p:style>
+      </p:cxnSp>
+      <p:cxnSp>
+        <p:nvCxnSpPr>
+          <p:cNvPr id="31" name="直線接點 30">
+            <a:extLst>
+              <a:ext uri="{FF2B5EF4-FFF2-40B4-BE49-F238E27FC236}">
+                <a16:creationId xmlns:a16="http://schemas.microsoft.com/office/drawing/2014/main" id="{C24A4E78-75A6-4DE3-913A-0A5F8DC35CC7}"/>
+              </a:ext>
+            </a:extLst>
+          </p:cNvPr>
+          <p:cNvCxnSpPr>
+            <a:cxnSpLocks/>
+            <a:stCxn id="10" idx="2"/>
+            <a:endCxn id="9" idx="6"/>
+          </p:cNvCxnSpPr>
+          <p:nvPr/>
+        </p:nvCxnSpPr>
+        <p:spPr>
+          <a:xfrm flipH="1" flipV="1">
+            <a:off x="7469476" y="2171698"/>
+            <a:ext cx="2243484" cy="816513"/>
+          </a:xfrm>
+          <a:prstGeom prst="line">
+            <a:avLst/>
+          </a:prstGeom>
+          <a:ln w="19050">
+            <a:solidFill>
+              <a:schemeClr val="tx1"/>
+            </a:solidFill>
+          </a:ln>
+        </p:spPr>
+        <p:style>
+          <a:lnRef idx="1">
+            <a:schemeClr val="accent1"/>
+          </a:lnRef>
+          <a:fillRef idx="0">
+            <a:schemeClr val="accent1"/>
+          </a:fillRef>
+          <a:effectRef idx="0">
+            <a:schemeClr val="accent1"/>
+          </a:effectRef>
+          <a:fontRef idx="minor">
+            <a:schemeClr val="tx1"/>
+          </a:fontRef>
+        </p:style>
+      </p:cxnSp>
+      <p:cxnSp>
+        <p:nvCxnSpPr>
+          <p:cNvPr id="35" name="直線接點 34">
+            <a:extLst>
+              <a:ext uri="{FF2B5EF4-FFF2-40B4-BE49-F238E27FC236}">
+                <a16:creationId xmlns:a16="http://schemas.microsoft.com/office/drawing/2014/main" id="{55FF4FC9-065B-4F19-8E98-E25A9D577734}"/>
+              </a:ext>
+            </a:extLst>
+          </p:cNvPr>
+          <p:cNvCxnSpPr>
+            <a:cxnSpLocks/>
+            <a:stCxn id="10" idx="6"/>
+            <a:endCxn id="11" idx="3"/>
+          </p:cNvCxnSpPr>
+          <p:nvPr/>
+        </p:nvCxnSpPr>
+        <p:spPr>
+          <a:xfrm flipV="1">
+            <a:off x="9875520" y="1410316"/>
+            <a:ext cx="1021831" cy="1577895"/>
+          </a:xfrm>
+          <a:prstGeom prst="line">
+            <a:avLst/>
+          </a:prstGeom>
+          <a:ln w="19050">
+            <a:solidFill>
+              <a:schemeClr val="tx1"/>
+            </a:solidFill>
+          </a:ln>
+        </p:spPr>
+        <p:style>
+          <a:lnRef idx="1">
+            <a:schemeClr val="accent1"/>
+          </a:lnRef>
+          <a:fillRef idx="0">
+            <a:schemeClr val="accent1"/>
+          </a:fillRef>
+          <a:effectRef idx="0">
+            <a:schemeClr val="accent1"/>
+          </a:effectRef>
+          <a:fontRef idx="minor">
+            <a:schemeClr val="tx1"/>
+          </a:fontRef>
+        </p:style>
+      </p:cxnSp>
+      <p:sp>
+        <p:nvSpPr>
+          <p:cNvPr id="38" name="文字方塊 37">
+            <a:extLst>
+              <a:ext uri="{FF2B5EF4-FFF2-40B4-BE49-F238E27FC236}">
+                <a16:creationId xmlns:a16="http://schemas.microsoft.com/office/drawing/2014/main" id="{BE52CBF9-11A6-4000-8F7A-5050CC99BA29}"/>
+              </a:ext>
+            </a:extLst>
+          </p:cNvPr>
+          <p:cNvSpPr txBox="1"/>
+          <p:nvPr/>
+        </p:nvSpPr>
+        <p:spPr>
+          <a:xfrm>
+            <a:off x="338525" y="1535360"/>
+            <a:ext cx="1447650" cy="461665"/>
+          </a:xfrm>
+          <a:prstGeom prst="rect">
+            <a:avLst/>
+          </a:prstGeom>
+          <a:noFill/>
+        </p:spPr>
+        <p:txBody>
+          <a:bodyPr wrap="square">
+            <a:spAutoFit/>
+          </a:bodyPr>
+          <a:lstStyle/>
+          <a:p>
+            <a:pPr algn="ctr"/>
+            <a:r>
+              <a:rPr lang="zh-TW" altLang="en-US" sz="2400" b="1" dirty="0">
+                <a:latin typeface="Times New Roman" panose="02020603050405020304" pitchFamily="18" charset="0"/>
+                <a:ea typeface="標楷體" panose="03000509000000000000" pitchFamily="65" charset="-120"/>
+                <a:cs typeface="Times New Roman" panose="02020603050405020304" pitchFamily="18" charset="0"/>
+              </a:rPr>
+              <a:t>首端</a:t>
+            </a:r>
+            <a:endParaRPr lang="zh-TW" altLang="en-US" sz="1400" b="1" dirty="0">
+              <a:latin typeface="Times New Roman" panose="02020603050405020304" pitchFamily="18" charset="0"/>
+              <a:ea typeface="標楷體" panose="03000509000000000000" pitchFamily="65" charset="-120"/>
+              <a:cs typeface="Times New Roman" panose="02020603050405020304" pitchFamily="18" charset="0"/>
+            </a:endParaRPr>
+          </a:p>
+        </p:txBody>
+      </p:sp>
+      <p:cxnSp>
+        <p:nvCxnSpPr>
+          <p:cNvPr id="48" name="直線接點 47">
+            <a:extLst>
+              <a:ext uri="{FF2B5EF4-FFF2-40B4-BE49-F238E27FC236}">
+                <a16:creationId xmlns:a16="http://schemas.microsoft.com/office/drawing/2014/main" id="{4D1550F2-D53C-4ED0-A05B-09899EDA23FE}"/>
+              </a:ext>
+            </a:extLst>
+          </p:cNvPr>
+          <p:cNvCxnSpPr>
+            <a:cxnSpLocks/>
+            <a:stCxn id="11" idx="7"/>
+            <a:endCxn id="58" idx="2"/>
+          </p:cNvCxnSpPr>
+          <p:nvPr/>
+        </p:nvCxnSpPr>
+        <p:spPr>
+          <a:xfrm flipV="1">
+            <a:off x="11012299" y="726291"/>
+            <a:ext cx="1098421" cy="569077"/>
+          </a:xfrm>
+          <a:prstGeom prst="line">
+            <a:avLst/>
+          </a:prstGeom>
+          <a:ln w="19050">
+            <a:solidFill>
+              <a:schemeClr val="tx1"/>
+            </a:solidFill>
+          </a:ln>
+        </p:spPr>
+        <p:style>
+          <a:lnRef idx="1">
+            <a:schemeClr val="accent1"/>
+          </a:lnRef>
+          <a:fillRef idx="0">
+            <a:schemeClr val="accent1"/>
+          </a:fillRef>
+          <a:effectRef idx="0">
+            <a:schemeClr val="accent1"/>
+          </a:effectRef>
+          <a:fontRef idx="minor">
+            <a:schemeClr val="tx1"/>
+          </a:fontRef>
+        </p:style>
+      </p:cxnSp>
+      <p:sp>
+        <p:nvSpPr>
+          <p:cNvPr id="58" name="橢圓 57">
+            <a:extLst>
+              <a:ext uri="{FF2B5EF4-FFF2-40B4-BE49-F238E27FC236}">
+                <a16:creationId xmlns:a16="http://schemas.microsoft.com/office/drawing/2014/main" id="{63893313-28CB-417B-AA62-48161B74692C}"/>
+              </a:ext>
+            </a:extLst>
+          </p:cNvPr>
+          <p:cNvSpPr/>
+          <p:nvPr/>
+        </p:nvSpPr>
+        <p:spPr>
+          <a:xfrm>
+            <a:off x="12110720" y="645011"/>
+            <a:ext cx="162560" cy="162560"/>
+          </a:xfrm>
+          <a:prstGeom prst="ellipse">
+            <a:avLst/>
+          </a:prstGeom>
+          <a:solidFill>
+            <a:srgbClr val="FF0000"/>
+          </a:solidFill>
+          <a:ln>
+            <a:noFill/>
+          </a:ln>
+        </p:spPr>
+        <p:style>
+          <a:lnRef idx="2">
+            <a:schemeClr val="accent1">
+              <a:shade val="50000"/>
+            </a:schemeClr>
+          </a:lnRef>
+          <a:fillRef idx="1">
+            <a:schemeClr val="accent1"/>
+          </a:fillRef>
+          <a:effectRef idx="0">
+            <a:schemeClr val="accent1"/>
+          </a:effectRef>
+          <a:fontRef idx="minor">
+            <a:schemeClr val="lt1"/>
+          </a:fontRef>
+        </p:style>
+        <p:txBody>
+          <a:bodyPr rtlCol="0" anchor="ctr"/>
+          <a:lstStyle/>
+          <a:p>
+            <a:pPr algn="ctr"/>
+            <a:endParaRPr lang="zh-TW" altLang="en-US"/>
+          </a:p>
+        </p:txBody>
+      </p:sp>
+      <p:sp>
+        <p:nvSpPr>
+          <p:cNvPr id="63" name="文字方塊 62">
+            <a:extLst>
+              <a:ext uri="{FF2B5EF4-FFF2-40B4-BE49-F238E27FC236}">
+                <a16:creationId xmlns:a16="http://schemas.microsoft.com/office/drawing/2014/main" id="{3C6D87C8-A6EB-4C0F-8A7B-183854FC7E77}"/>
+              </a:ext>
+            </a:extLst>
+          </p:cNvPr>
+          <p:cNvSpPr txBox="1"/>
+          <p:nvPr/>
+        </p:nvSpPr>
+        <p:spPr>
+          <a:xfrm>
+            <a:off x="408665" y="304161"/>
+            <a:ext cx="1928213" cy="584775"/>
+          </a:xfrm>
+          <a:prstGeom prst="rect">
+            <a:avLst/>
+          </a:prstGeom>
+          <a:noFill/>
+        </p:spPr>
+        <p:txBody>
+          <a:bodyPr wrap="square">
+            <a:spAutoFit/>
+          </a:bodyPr>
+          <a:lstStyle/>
+          <a:p>
+            <a:pPr algn="ctr"/>
+            <a:r>
+              <a:rPr lang="en-US" altLang="zh-TW" sz="3200" b="1" dirty="0">
+                <a:latin typeface="Times New Roman" panose="02020603050405020304" pitchFamily="18" charset="0"/>
+                <a:cs typeface="Times New Roman" panose="02020603050405020304" pitchFamily="18" charset="0"/>
+              </a:rPr>
+              <a:t>STEP 1</a:t>
+            </a:r>
+            <a:endParaRPr lang="zh-TW" altLang="en-US" sz="2000" b="1" dirty="0"/>
+          </a:p>
+        </p:txBody>
+      </p:sp>
+      <p:sp>
+        <p:nvSpPr>
+          <p:cNvPr id="64" name="矩形 63">
+            <a:extLst>
+              <a:ext uri="{FF2B5EF4-FFF2-40B4-BE49-F238E27FC236}">
+                <a16:creationId xmlns:a16="http://schemas.microsoft.com/office/drawing/2014/main" id="{4172BA73-E4CD-4F31-A01D-EA0C1B30E295}"/>
+              </a:ext>
+            </a:extLst>
+          </p:cNvPr>
+          <p:cNvSpPr/>
+          <p:nvPr/>
+        </p:nvSpPr>
+        <p:spPr>
+          <a:xfrm>
+            <a:off x="0" y="1"/>
+            <a:ext cx="12915825" cy="4622800"/>
+          </a:xfrm>
+          <a:prstGeom prst="rect">
+            <a:avLst/>
+          </a:prstGeom>
+          <a:noFill/>
+          <a:ln>
+            <a:noFill/>
+          </a:ln>
+        </p:spPr>
+        <p:style>
+          <a:lnRef idx="2">
+            <a:schemeClr val="accent1">
+              <a:shade val="50000"/>
+            </a:schemeClr>
+          </a:lnRef>
+          <a:fillRef idx="1">
+            <a:schemeClr val="accent1"/>
+          </a:fillRef>
+          <a:effectRef idx="0">
+            <a:schemeClr val="accent1"/>
+          </a:effectRef>
+          <a:fontRef idx="minor">
+            <a:schemeClr val="lt1"/>
+          </a:fontRef>
+        </p:style>
+        <p:txBody>
+          <a:bodyPr rtlCol="0" anchor="ctr"/>
+          <a:lstStyle/>
+          <a:p>
+            <a:pPr algn="ctr"/>
+            <a:endParaRPr lang="zh-TW" altLang="en-US"/>
+          </a:p>
+        </p:txBody>
+      </p:sp>
+      <p:sp>
+        <p:nvSpPr>
+          <p:cNvPr id="22" name="文字方塊 21">
+            <a:extLst>
+              <a:ext uri="{FF2B5EF4-FFF2-40B4-BE49-F238E27FC236}">
+                <a16:creationId xmlns:a16="http://schemas.microsoft.com/office/drawing/2014/main" id="{DC1BD664-74FA-4E45-A63B-03CFCD300AD1}"/>
+              </a:ext>
+            </a:extLst>
+          </p:cNvPr>
+          <p:cNvSpPr txBox="1"/>
+          <p:nvPr/>
+        </p:nvSpPr>
+        <p:spPr>
+          <a:xfrm>
+            <a:off x="11468175" y="125872"/>
+            <a:ext cx="1447650" cy="461665"/>
+          </a:xfrm>
+          <a:prstGeom prst="rect">
+            <a:avLst/>
+          </a:prstGeom>
+          <a:noFill/>
+        </p:spPr>
+        <p:txBody>
+          <a:bodyPr wrap="square">
+            <a:spAutoFit/>
+          </a:bodyPr>
+          <a:lstStyle/>
+          <a:p>
+            <a:pPr algn="ctr"/>
+            <a:r>
+              <a:rPr lang="zh-TW" altLang="en-US" sz="2400" b="1" dirty="0">
+                <a:latin typeface="Times New Roman" panose="02020603050405020304" pitchFamily="18" charset="0"/>
+                <a:ea typeface="標楷體" panose="03000509000000000000" pitchFamily="65" charset="-120"/>
+                <a:cs typeface="Times New Roman" panose="02020603050405020304" pitchFamily="18" charset="0"/>
+              </a:rPr>
+              <a:t>末端</a:t>
+            </a:r>
+            <a:endParaRPr lang="zh-TW" altLang="en-US" sz="1400" b="1" dirty="0">
+              <a:latin typeface="Times New Roman" panose="02020603050405020304" pitchFamily="18" charset="0"/>
+              <a:ea typeface="標楷體" panose="03000509000000000000" pitchFamily="65" charset="-120"/>
+              <a:cs typeface="Times New Roman" panose="02020603050405020304" pitchFamily="18" charset="0"/>
+            </a:endParaRPr>
+          </a:p>
+        </p:txBody>
+      </p:sp>
+    </p:spTree>
+    <p:extLst>
+      <p:ext uri="{BB962C8B-B14F-4D97-AF65-F5344CB8AC3E}">
+        <p14:creationId xmlns:p14="http://schemas.microsoft.com/office/powerpoint/2010/main" val="665987269"/>
+      </p:ext>
+    </p:extLst>
+  </p:cSld>
+  <p:clrMapOvr>
+    <a:masterClrMapping/>
+  </p:clrMapOvr>
+</p:sld>
+</file>
+
 <file path=ppt/slides/slide2.xml><?xml version="1.0" encoding="utf-8"?>
 <p:sld xmlns:a="http://schemas.openxmlformats.org/drawingml/2006/main" xmlns:r="http://schemas.openxmlformats.org/officeDocument/2006/relationships" xmlns:p="http://schemas.openxmlformats.org/presentationml/2006/main">
   <p:cSld>
@@ -8972,6 +9930,7781 @@
     <p:extLst>
       <p:ext uri="{BB962C8B-B14F-4D97-AF65-F5344CB8AC3E}">
         <p14:creationId xmlns:p14="http://schemas.microsoft.com/office/powerpoint/2010/main" val="1125140296"/>
+      </p:ext>
+    </p:extLst>
+  </p:cSld>
+  <p:clrMapOvr>
+    <a:masterClrMapping/>
+  </p:clrMapOvr>
+</p:sld>
+</file>
+
+<file path=ppt/slides/slide20.xml><?xml version="1.0" encoding="utf-8"?>
+<p:sld xmlns:a="http://schemas.openxmlformats.org/drawingml/2006/main" xmlns:r="http://schemas.openxmlformats.org/officeDocument/2006/relationships" xmlns:p="http://schemas.openxmlformats.org/presentationml/2006/main">
+  <p:cSld>
+    <p:spTree>
+      <p:nvGrpSpPr>
+        <p:cNvPr id="1" name=""/>
+        <p:cNvGrpSpPr/>
+        <p:nvPr/>
+      </p:nvGrpSpPr>
+      <p:grpSpPr>
+        <a:xfrm>
+          <a:off x="0" y="0"/>
+          <a:ext cx="0" cy="0"/>
+          <a:chOff x="0" y="0"/>
+          <a:chExt cx="0" cy="0"/>
+        </a:xfrm>
+      </p:grpSpPr>
+      <p:sp>
+        <p:nvSpPr>
+          <p:cNvPr id="4" name="橢圓 3">
+            <a:extLst>
+              <a:ext uri="{FF2B5EF4-FFF2-40B4-BE49-F238E27FC236}">
+                <a16:creationId xmlns:a16="http://schemas.microsoft.com/office/drawing/2014/main" id="{DA869778-0817-4277-91F6-42A34D4CDBF5}"/>
+              </a:ext>
+            </a:extLst>
+          </p:cNvPr>
+          <p:cNvSpPr/>
+          <p:nvPr/>
+        </p:nvSpPr>
+        <p:spPr>
+          <a:xfrm>
+            <a:off x="998025" y="2084948"/>
+            <a:ext cx="162560" cy="162560"/>
+          </a:xfrm>
+          <a:prstGeom prst="ellipse">
+            <a:avLst/>
+          </a:prstGeom>
+          <a:solidFill>
+            <a:srgbClr val="FF0000"/>
+          </a:solidFill>
+          <a:ln>
+            <a:noFill/>
+          </a:ln>
+        </p:spPr>
+        <p:style>
+          <a:lnRef idx="2">
+            <a:schemeClr val="accent1">
+              <a:shade val="50000"/>
+            </a:schemeClr>
+          </a:lnRef>
+          <a:fillRef idx="1">
+            <a:schemeClr val="accent1"/>
+          </a:fillRef>
+          <a:effectRef idx="0">
+            <a:schemeClr val="accent1"/>
+          </a:effectRef>
+          <a:fontRef idx="minor">
+            <a:schemeClr val="lt1"/>
+          </a:fontRef>
+        </p:style>
+        <p:txBody>
+          <a:bodyPr rtlCol="0" anchor="ctr"/>
+          <a:lstStyle/>
+          <a:p>
+            <a:pPr algn="ctr"/>
+            <a:endParaRPr lang="zh-TW" altLang="en-US"/>
+          </a:p>
+        </p:txBody>
+      </p:sp>
+      <p:sp>
+        <p:nvSpPr>
+          <p:cNvPr id="6" name="橢圓 5">
+            <a:extLst>
+              <a:ext uri="{FF2B5EF4-FFF2-40B4-BE49-F238E27FC236}">
+                <a16:creationId xmlns:a16="http://schemas.microsoft.com/office/drawing/2014/main" id="{1579FC30-3450-4340-BDEC-5DDBEF538D68}"/>
+              </a:ext>
+            </a:extLst>
+          </p:cNvPr>
+          <p:cNvSpPr/>
+          <p:nvPr/>
+        </p:nvSpPr>
+        <p:spPr>
+          <a:xfrm>
+            <a:off x="1727199" y="3266051"/>
+            <a:ext cx="162560" cy="162560"/>
+          </a:xfrm>
+          <a:prstGeom prst="ellipse">
+            <a:avLst/>
+          </a:prstGeom>
+          <a:solidFill>
+            <a:schemeClr val="tx1"/>
+          </a:solidFill>
+          <a:ln>
+            <a:noFill/>
+          </a:ln>
+        </p:spPr>
+        <p:style>
+          <a:lnRef idx="2">
+            <a:schemeClr val="accent1">
+              <a:shade val="50000"/>
+            </a:schemeClr>
+          </a:lnRef>
+          <a:fillRef idx="1">
+            <a:schemeClr val="accent1"/>
+          </a:fillRef>
+          <a:effectRef idx="0">
+            <a:schemeClr val="accent1"/>
+          </a:effectRef>
+          <a:fontRef idx="minor">
+            <a:schemeClr val="lt1"/>
+          </a:fontRef>
+        </p:style>
+        <p:txBody>
+          <a:bodyPr rtlCol="0" anchor="ctr"/>
+          <a:lstStyle/>
+          <a:p>
+            <a:pPr algn="ctr"/>
+            <a:endParaRPr lang="zh-TW" altLang="en-US"/>
+          </a:p>
+        </p:txBody>
+      </p:sp>
+      <p:sp>
+        <p:nvSpPr>
+          <p:cNvPr id="7" name="橢圓 6">
+            <a:extLst>
+              <a:ext uri="{FF2B5EF4-FFF2-40B4-BE49-F238E27FC236}">
+                <a16:creationId xmlns:a16="http://schemas.microsoft.com/office/drawing/2014/main" id="{6BFC05B2-7D2F-4FBE-83E2-4016490FFA40}"/>
+              </a:ext>
+            </a:extLst>
+          </p:cNvPr>
+          <p:cNvSpPr/>
+          <p:nvPr/>
+        </p:nvSpPr>
+        <p:spPr>
+          <a:xfrm>
+            <a:off x="3817972" y="3777527"/>
+            <a:ext cx="162560" cy="162560"/>
+          </a:xfrm>
+          <a:prstGeom prst="ellipse">
+            <a:avLst/>
+          </a:prstGeom>
+          <a:solidFill>
+            <a:srgbClr val="FF0000"/>
+          </a:solidFill>
+          <a:ln>
+            <a:noFill/>
+          </a:ln>
+        </p:spPr>
+        <p:style>
+          <a:lnRef idx="2">
+            <a:schemeClr val="accent1">
+              <a:shade val="50000"/>
+            </a:schemeClr>
+          </a:lnRef>
+          <a:fillRef idx="1">
+            <a:schemeClr val="accent1"/>
+          </a:fillRef>
+          <a:effectRef idx="0">
+            <a:schemeClr val="accent1"/>
+          </a:effectRef>
+          <a:fontRef idx="minor">
+            <a:schemeClr val="lt1"/>
+          </a:fontRef>
+        </p:style>
+        <p:txBody>
+          <a:bodyPr rtlCol="0" anchor="ctr"/>
+          <a:lstStyle/>
+          <a:p>
+            <a:pPr algn="ctr"/>
+            <a:endParaRPr lang="zh-TW" altLang="en-US"/>
+          </a:p>
+        </p:txBody>
+      </p:sp>
+      <p:sp>
+        <p:nvSpPr>
+          <p:cNvPr id="8" name="橢圓 7">
+            <a:extLst>
+              <a:ext uri="{FF2B5EF4-FFF2-40B4-BE49-F238E27FC236}">
+                <a16:creationId xmlns:a16="http://schemas.microsoft.com/office/drawing/2014/main" id="{08B8DFB9-A3A0-487E-BE67-518BEAEE799E}"/>
+              </a:ext>
+            </a:extLst>
+          </p:cNvPr>
+          <p:cNvSpPr/>
+          <p:nvPr/>
+        </p:nvSpPr>
+        <p:spPr>
+          <a:xfrm>
+            <a:off x="5745198" y="3332414"/>
+            <a:ext cx="162560" cy="162560"/>
+          </a:xfrm>
+          <a:prstGeom prst="ellipse">
+            <a:avLst/>
+          </a:prstGeom>
+          <a:solidFill>
+            <a:schemeClr val="tx1"/>
+          </a:solidFill>
+          <a:ln>
+            <a:noFill/>
+          </a:ln>
+        </p:spPr>
+        <p:style>
+          <a:lnRef idx="2">
+            <a:schemeClr val="accent1">
+              <a:shade val="50000"/>
+            </a:schemeClr>
+          </a:lnRef>
+          <a:fillRef idx="1">
+            <a:schemeClr val="accent1"/>
+          </a:fillRef>
+          <a:effectRef idx="0">
+            <a:schemeClr val="accent1"/>
+          </a:effectRef>
+          <a:fontRef idx="minor">
+            <a:schemeClr val="lt1"/>
+          </a:fontRef>
+        </p:style>
+        <p:txBody>
+          <a:bodyPr rtlCol="0" anchor="ctr"/>
+          <a:lstStyle/>
+          <a:p>
+            <a:pPr algn="ctr"/>
+            <a:endParaRPr lang="zh-TW" altLang="en-US"/>
+          </a:p>
+        </p:txBody>
+      </p:sp>
+      <p:sp>
+        <p:nvSpPr>
+          <p:cNvPr id="9" name="橢圓 8">
+            <a:extLst>
+              <a:ext uri="{FF2B5EF4-FFF2-40B4-BE49-F238E27FC236}">
+                <a16:creationId xmlns:a16="http://schemas.microsoft.com/office/drawing/2014/main" id="{D47F1CED-8281-475E-BEB7-E6828E11914C}"/>
+              </a:ext>
+            </a:extLst>
+          </p:cNvPr>
+          <p:cNvSpPr/>
+          <p:nvPr/>
+        </p:nvSpPr>
+        <p:spPr>
+          <a:xfrm>
+            <a:off x="7306916" y="2090418"/>
+            <a:ext cx="162560" cy="162560"/>
+          </a:xfrm>
+          <a:prstGeom prst="ellipse">
+            <a:avLst/>
+          </a:prstGeom>
+          <a:solidFill>
+            <a:schemeClr val="tx1"/>
+          </a:solidFill>
+          <a:ln>
+            <a:noFill/>
+          </a:ln>
+        </p:spPr>
+        <p:style>
+          <a:lnRef idx="2">
+            <a:schemeClr val="accent1">
+              <a:shade val="50000"/>
+            </a:schemeClr>
+          </a:lnRef>
+          <a:fillRef idx="1">
+            <a:schemeClr val="accent1"/>
+          </a:fillRef>
+          <a:effectRef idx="0">
+            <a:schemeClr val="accent1"/>
+          </a:effectRef>
+          <a:fontRef idx="minor">
+            <a:schemeClr val="lt1"/>
+          </a:fontRef>
+        </p:style>
+        <p:txBody>
+          <a:bodyPr rtlCol="0" anchor="ctr"/>
+          <a:lstStyle/>
+          <a:p>
+            <a:pPr algn="ctr"/>
+            <a:endParaRPr lang="zh-TW" altLang="en-US"/>
+          </a:p>
+        </p:txBody>
+      </p:sp>
+      <p:cxnSp>
+        <p:nvCxnSpPr>
+          <p:cNvPr id="13" name="直線接點 12">
+            <a:extLst>
+              <a:ext uri="{FF2B5EF4-FFF2-40B4-BE49-F238E27FC236}">
+                <a16:creationId xmlns:a16="http://schemas.microsoft.com/office/drawing/2014/main" id="{6398ECE7-14D3-41DA-BBDF-07F83BA9E0FE}"/>
+              </a:ext>
+            </a:extLst>
+          </p:cNvPr>
+          <p:cNvCxnSpPr>
+            <a:cxnSpLocks/>
+            <a:stCxn id="4" idx="5"/>
+            <a:endCxn id="6" idx="1"/>
+          </p:cNvCxnSpPr>
+          <p:nvPr/>
+        </p:nvCxnSpPr>
+        <p:spPr>
+          <a:xfrm>
+            <a:off x="1136779" y="2223702"/>
+            <a:ext cx="614226" cy="1066155"/>
+          </a:xfrm>
+          <a:prstGeom prst="line">
+            <a:avLst/>
+          </a:prstGeom>
+          <a:ln w="19050">
+            <a:solidFill>
+              <a:schemeClr val="tx1"/>
+            </a:solidFill>
+          </a:ln>
+        </p:spPr>
+        <p:style>
+          <a:lnRef idx="1">
+            <a:schemeClr val="accent1"/>
+          </a:lnRef>
+          <a:fillRef idx="0">
+            <a:schemeClr val="accent1"/>
+          </a:fillRef>
+          <a:effectRef idx="0">
+            <a:schemeClr val="accent1"/>
+          </a:effectRef>
+          <a:fontRef idx="minor">
+            <a:schemeClr val="tx1"/>
+          </a:fontRef>
+        </p:style>
+      </p:cxnSp>
+      <p:cxnSp>
+        <p:nvCxnSpPr>
+          <p:cNvPr id="15" name="直線接點 14">
+            <a:extLst>
+              <a:ext uri="{FF2B5EF4-FFF2-40B4-BE49-F238E27FC236}">
+                <a16:creationId xmlns:a16="http://schemas.microsoft.com/office/drawing/2014/main" id="{FE6B1B1A-C0AC-4912-8FD9-35DC9FF4DC91}"/>
+              </a:ext>
+            </a:extLst>
+          </p:cNvPr>
+          <p:cNvCxnSpPr>
+            <a:cxnSpLocks/>
+            <a:stCxn id="6" idx="6"/>
+            <a:endCxn id="7" idx="2"/>
+          </p:cNvCxnSpPr>
+          <p:nvPr/>
+        </p:nvCxnSpPr>
+        <p:spPr>
+          <a:xfrm>
+            <a:off x="1889759" y="3347331"/>
+            <a:ext cx="1928213" cy="511476"/>
+          </a:xfrm>
+          <a:prstGeom prst="line">
+            <a:avLst/>
+          </a:prstGeom>
+          <a:ln w="19050">
+            <a:solidFill>
+              <a:schemeClr val="tx1"/>
+            </a:solidFill>
+          </a:ln>
+        </p:spPr>
+        <p:style>
+          <a:lnRef idx="1">
+            <a:schemeClr val="accent1"/>
+          </a:lnRef>
+          <a:fillRef idx="0">
+            <a:schemeClr val="accent1"/>
+          </a:fillRef>
+          <a:effectRef idx="0">
+            <a:schemeClr val="accent1"/>
+          </a:effectRef>
+          <a:fontRef idx="minor">
+            <a:schemeClr val="tx1"/>
+          </a:fontRef>
+        </p:style>
+      </p:cxnSp>
+      <p:cxnSp>
+        <p:nvCxnSpPr>
+          <p:cNvPr id="18" name="直線接點 17">
+            <a:extLst>
+              <a:ext uri="{FF2B5EF4-FFF2-40B4-BE49-F238E27FC236}">
+                <a16:creationId xmlns:a16="http://schemas.microsoft.com/office/drawing/2014/main" id="{E839F313-B193-40F8-B2F8-7D44A24775AF}"/>
+              </a:ext>
+            </a:extLst>
+          </p:cNvPr>
+          <p:cNvCxnSpPr>
+            <a:cxnSpLocks/>
+            <a:stCxn id="7" idx="6"/>
+            <a:endCxn id="8" idx="2"/>
+          </p:cNvCxnSpPr>
+          <p:nvPr/>
+        </p:nvCxnSpPr>
+        <p:spPr>
+          <a:xfrm flipV="1">
+            <a:off x="3980532" y="3413694"/>
+            <a:ext cx="1764666" cy="445113"/>
+          </a:xfrm>
+          <a:prstGeom prst="line">
+            <a:avLst/>
+          </a:prstGeom>
+          <a:ln w="19050">
+            <a:solidFill>
+              <a:schemeClr val="tx1"/>
+            </a:solidFill>
+          </a:ln>
+        </p:spPr>
+        <p:style>
+          <a:lnRef idx="1">
+            <a:schemeClr val="accent1"/>
+          </a:lnRef>
+          <a:fillRef idx="0">
+            <a:schemeClr val="accent1"/>
+          </a:fillRef>
+          <a:effectRef idx="0">
+            <a:schemeClr val="accent1"/>
+          </a:effectRef>
+          <a:fontRef idx="minor">
+            <a:schemeClr val="tx1"/>
+          </a:fontRef>
+        </p:style>
+      </p:cxnSp>
+      <p:cxnSp>
+        <p:nvCxnSpPr>
+          <p:cNvPr id="21" name="直線接點 20">
+            <a:extLst>
+              <a:ext uri="{FF2B5EF4-FFF2-40B4-BE49-F238E27FC236}">
+                <a16:creationId xmlns:a16="http://schemas.microsoft.com/office/drawing/2014/main" id="{C56EB324-6413-4813-94DD-AD13BB938D87}"/>
+              </a:ext>
+            </a:extLst>
+          </p:cNvPr>
+          <p:cNvCxnSpPr>
+            <a:cxnSpLocks/>
+            <a:stCxn id="8" idx="7"/>
+            <a:endCxn id="9" idx="3"/>
+          </p:cNvCxnSpPr>
+          <p:nvPr/>
+        </p:nvCxnSpPr>
+        <p:spPr>
+          <a:xfrm flipV="1">
+            <a:off x="5883952" y="2229172"/>
+            <a:ext cx="1446770" cy="1127048"/>
+          </a:xfrm>
+          <a:prstGeom prst="line">
+            <a:avLst/>
+          </a:prstGeom>
+          <a:ln w="19050">
+            <a:solidFill>
+              <a:schemeClr val="tx1"/>
+            </a:solidFill>
+          </a:ln>
+        </p:spPr>
+        <p:style>
+          <a:lnRef idx="1">
+            <a:schemeClr val="accent1"/>
+          </a:lnRef>
+          <a:fillRef idx="0">
+            <a:schemeClr val="accent1"/>
+          </a:fillRef>
+          <a:effectRef idx="0">
+            <a:schemeClr val="accent1"/>
+          </a:effectRef>
+          <a:fontRef idx="minor">
+            <a:schemeClr val="tx1"/>
+          </a:fontRef>
+        </p:style>
+      </p:cxnSp>
+      <p:cxnSp>
+        <p:nvCxnSpPr>
+          <p:cNvPr id="31" name="直線接點 30">
+            <a:extLst>
+              <a:ext uri="{FF2B5EF4-FFF2-40B4-BE49-F238E27FC236}">
+                <a16:creationId xmlns:a16="http://schemas.microsoft.com/office/drawing/2014/main" id="{C24A4E78-75A6-4DE3-913A-0A5F8DC35CC7}"/>
+              </a:ext>
+            </a:extLst>
+          </p:cNvPr>
+          <p:cNvCxnSpPr>
+            <a:cxnSpLocks/>
+            <a:stCxn id="45" idx="2"/>
+            <a:endCxn id="9" idx="6"/>
+          </p:cNvCxnSpPr>
+          <p:nvPr/>
+        </p:nvCxnSpPr>
+        <p:spPr>
+          <a:xfrm flipH="1" flipV="1">
+            <a:off x="7469476" y="2171698"/>
+            <a:ext cx="2243484" cy="816513"/>
+          </a:xfrm>
+          <a:prstGeom prst="line">
+            <a:avLst/>
+          </a:prstGeom>
+          <a:ln w="19050">
+            <a:solidFill>
+              <a:schemeClr val="tx1"/>
+            </a:solidFill>
+          </a:ln>
+        </p:spPr>
+        <p:style>
+          <a:lnRef idx="1">
+            <a:schemeClr val="accent1"/>
+          </a:lnRef>
+          <a:fillRef idx="0">
+            <a:schemeClr val="accent1"/>
+          </a:fillRef>
+          <a:effectRef idx="0">
+            <a:schemeClr val="accent1"/>
+          </a:effectRef>
+          <a:fontRef idx="minor">
+            <a:schemeClr val="tx1"/>
+          </a:fontRef>
+        </p:style>
+      </p:cxnSp>
+      <p:cxnSp>
+        <p:nvCxnSpPr>
+          <p:cNvPr id="35" name="直線接點 34">
+            <a:extLst>
+              <a:ext uri="{FF2B5EF4-FFF2-40B4-BE49-F238E27FC236}">
+                <a16:creationId xmlns:a16="http://schemas.microsoft.com/office/drawing/2014/main" id="{55FF4FC9-065B-4F19-8E98-E25A9D577734}"/>
+              </a:ext>
+            </a:extLst>
+          </p:cNvPr>
+          <p:cNvCxnSpPr>
+            <a:cxnSpLocks/>
+            <a:stCxn id="45" idx="6"/>
+          </p:cNvCxnSpPr>
+          <p:nvPr/>
+        </p:nvCxnSpPr>
+        <p:spPr>
+          <a:xfrm flipV="1">
+            <a:off x="9875520" y="1410316"/>
+            <a:ext cx="1021831" cy="1577895"/>
+          </a:xfrm>
+          <a:prstGeom prst="line">
+            <a:avLst/>
+          </a:prstGeom>
+          <a:ln w="19050">
+            <a:solidFill>
+              <a:schemeClr val="tx1"/>
+            </a:solidFill>
+          </a:ln>
+        </p:spPr>
+        <p:style>
+          <a:lnRef idx="1">
+            <a:schemeClr val="accent1"/>
+          </a:lnRef>
+          <a:fillRef idx="0">
+            <a:schemeClr val="accent1"/>
+          </a:fillRef>
+          <a:effectRef idx="0">
+            <a:schemeClr val="accent1"/>
+          </a:effectRef>
+          <a:fontRef idx="minor">
+            <a:schemeClr val="tx1"/>
+          </a:fontRef>
+        </p:style>
+      </p:cxnSp>
+      <p:cxnSp>
+        <p:nvCxnSpPr>
+          <p:cNvPr id="3" name="直線接點 2">
+            <a:extLst>
+              <a:ext uri="{FF2B5EF4-FFF2-40B4-BE49-F238E27FC236}">
+                <a16:creationId xmlns:a16="http://schemas.microsoft.com/office/drawing/2014/main" id="{B7EF7A4F-00E7-4834-96DB-2EC549BE0D07}"/>
+              </a:ext>
+            </a:extLst>
+          </p:cNvPr>
+          <p:cNvCxnSpPr>
+            <a:cxnSpLocks/>
+            <a:stCxn id="4" idx="6"/>
+            <a:endCxn id="51" idx="2"/>
+          </p:cNvCxnSpPr>
+          <p:nvPr/>
+        </p:nvCxnSpPr>
+        <p:spPr>
+          <a:xfrm flipV="1">
+            <a:off x="1160585" y="726291"/>
+            <a:ext cx="10950135" cy="1439937"/>
+          </a:xfrm>
+          <a:prstGeom prst="line">
+            <a:avLst/>
+          </a:prstGeom>
+          <a:ln w="28575">
+            <a:solidFill>
+              <a:srgbClr val="75AADB"/>
+            </a:solidFill>
+          </a:ln>
+        </p:spPr>
+        <p:style>
+          <a:lnRef idx="1">
+            <a:schemeClr val="accent1"/>
+          </a:lnRef>
+          <a:fillRef idx="0">
+            <a:schemeClr val="accent1"/>
+          </a:fillRef>
+          <a:effectRef idx="0">
+            <a:schemeClr val="accent1"/>
+          </a:effectRef>
+          <a:fontRef idx="minor">
+            <a:schemeClr val="tx1"/>
+          </a:fontRef>
+        </p:style>
+      </p:cxnSp>
+      <p:cxnSp>
+        <p:nvCxnSpPr>
+          <p:cNvPr id="20" name="直線接點 19">
+            <a:extLst>
+              <a:ext uri="{FF2B5EF4-FFF2-40B4-BE49-F238E27FC236}">
+                <a16:creationId xmlns:a16="http://schemas.microsoft.com/office/drawing/2014/main" id="{0DD04259-D0F8-4612-8D7F-F0321F95E164}"/>
+              </a:ext>
+            </a:extLst>
+          </p:cNvPr>
+          <p:cNvCxnSpPr>
+            <a:cxnSpLocks/>
+            <a:stCxn id="7" idx="0"/>
+          </p:cNvCxnSpPr>
+          <p:nvPr/>
+        </p:nvCxnSpPr>
+        <p:spPr>
+          <a:xfrm flipH="1" flipV="1">
+            <a:off x="3634451" y="1886673"/>
+            <a:ext cx="264801" cy="1890854"/>
+          </a:xfrm>
+          <a:prstGeom prst="line">
+            <a:avLst/>
+          </a:prstGeom>
+          <a:ln w="38100">
+            <a:solidFill>
+              <a:srgbClr val="75AADB"/>
+            </a:solidFill>
+            <a:prstDash val="sysDot"/>
+          </a:ln>
+        </p:spPr>
+        <p:style>
+          <a:lnRef idx="1">
+            <a:schemeClr val="accent1"/>
+          </a:lnRef>
+          <a:fillRef idx="0">
+            <a:schemeClr val="accent1"/>
+          </a:fillRef>
+          <a:effectRef idx="0">
+            <a:schemeClr val="accent1"/>
+          </a:effectRef>
+          <a:fontRef idx="minor">
+            <a:schemeClr val="tx1"/>
+          </a:fontRef>
+        </p:style>
+      </p:cxnSp>
+      <p:sp>
+        <p:nvSpPr>
+          <p:cNvPr id="24" name="文字方塊 23">
+            <a:extLst>
+              <a:ext uri="{FF2B5EF4-FFF2-40B4-BE49-F238E27FC236}">
+                <a16:creationId xmlns:a16="http://schemas.microsoft.com/office/drawing/2014/main" id="{86B9D9AC-816E-4EF8-86A5-5FCC679D03F0}"/>
+              </a:ext>
+            </a:extLst>
+          </p:cNvPr>
+          <p:cNvSpPr txBox="1"/>
+          <p:nvPr/>
+        </p:nvSpPr>
+        <p:spPr>
+          <a:xfrm>
+            <a:off x="3256707" y="3940087"/>
+            <a:ext cx="1447650" cy="461665"/>
+          </a:xfrm>
+          <a:prstGeom prst="rect">
+            <a:avLst/>
+          </a:prstGeom>
+          <a:noFill/>
+        </p:spPr>
+        <p:txBody>
+          <a:bodyPr wrap="square">
+            <a:spAutoFit/>
+          </a:bodyPr>
+          <a:lstStyle/>
+          <a:p>
+            <a:pPr algn="ctr"/>
+            <a:r>
+              <a:rPr lang="zh-TW" altLang="en-US" sz="2400" b="1" i="0" dirty="0">
+                <a:effectLst/>
+                <a:latin typeface="標楷體" panose="03000509000000000000" pitchFamily="65" charset="-120"/>
+                <a:ea typeface="標楷體" panose="03000509000000000000" pitchFamily="65" charset="-120"/>
+                <a:cs typeface="Times New Roman" panose="02020603050405020304" pitchFamily="18" charset="0"/>
+              </a:rPr>
+              <a:t>最遠點</a:t>
+            </a:r>
+            <a:endParaRPr lang="zh-TW" altLang="en-US" sz="1400" b="1" dirty="0">
+              <a:latin typeface="標楷體" panose="03000509000000000000" pitchFamily="65" charset="-120"/>
+              <a:ea typeface="標楷體" panose="03000509000000000000" pitchFamily="65" charset="-120"/>
+              <a:cs typeface="Times New Roman" panose="02020603050405020304" pitchFamily="18" charset="0"/>
+            </a:endParaRPr>
+          </a:p>
+        </p:txBody>
+      </p:sp>
+      <p:sp>
+        <p:nvSpPr>
+          <p:cNvPr id="22" name="文字方塊 21">
+            <a:extLst>
+              <a:ext uri="{FF2B5EF4-FFF2-40B4-BE49-F238E27FC236}">
+                <a16:creationId xmlns:a16="http://schemas.microsoft.com/office/drawing/2014/main" id="{5AE68189-21B9-4169-B7FC-2C97A56A28D5}"/>
+              </a:ext>
+            </a:extLst>
+          </p:cNvPr>
+          <p:cNvSpPr txBox="1"/>
+          <p:nvPr/>
+        </p:nvSpPr>
+        <p:spPr>
+          <a:xfrm>
+            <a:off x="3821339" y="2386262"/>
+            <a:ext cx="567784" cy="461665"/>
+          </a:xfrm>
+          <a:prstGeom prst="rect">
+            <a:avLst/>
+          </a:prstGeom>
+          <a:noFill/>
+        </p:spPr>
+        <p:txBody>
+          <a:bodyPr wrap="square">
+            <a:spAutoFit/>
+          </a:bodyPr>
+          <a:lstStyle>
+            <a:defPPr>
+              <a:defRPr lang="zh-TW"/>
+            </a:defPPr>
+            <a:lvl1pPr algn="ctr">
+              <a:defRPr sz="2400" b="1" i="0">
+                <a:effectLst/>
+                <a:latin typeface="Times New Roman" panose="02020603050405020304" pitchFamily="18" charset="0"/>
+                <a:cs typeface="Times New Roman" panose="02020603050405020304" pitchFamily="18" charset="0"/>
+              </a:defRPr>
+            </a:lvl1pPr>
+          </a:lstStyle>
+          <a:p>
+            <a:r>
+              <a:rPr lang="en-US" altLang="zh-TW" dirty="0"/>
+              <a:t>&gt; </a:t>
+            </a:r>
+            <a:r>
+              <a:rPr lang="el-GR" altLang="zh-TW" dirty="0"/>
+              <a:t>ε</a:t>
+            </a:r>
+            <a:endParaRPr lang="zh-TW" altLang="en-US" dirty="0"/>
+          </a:p>
+        </p:txBody>
+      </p:sp>
+      <p:cxnSp>
+        <p:nvCxnSpPr>
+          <p:cNvPr id="25" name="接點: 弧形 24">
+            <a:extLst>
+              <a:ext uri="{FF2B5EF4-FFF2-40B4-BE49-F238E27FC236}">
+                <a16:creationId xmlns:a16="http://schemas.microsoft.com/office/drawing/2014/main" id="{6B954555-E5C4-4080-B6A2-FCAC4121C65A}"/>
+              </a:ext>
+            </a:extLst>
+          </p:cNvPr>
+          <p:cNvCxnSpPr>
+            <a:cxnSpLocks/>
+            <a:stCxn id="22" idx="3"/>
+            <a:endCxn id="7" idx="6"/>
+          </p:cNvCxnSpPr>
+          <p:nvPr/>
+        </p:nvCxnSpPr>
+        <p:spPr>
+          <a:xfrm flipH="1">
+            <a:off x="3980532" y="2617095"/>
+            <a:ext cx="408591" cy="1241712"/>
+          </a:xfrm>
+          <a:prstGeom prst="curvedConnector3">
+            <a:avLst>
+              <a:gd name="adj1" fmla="val -55948"/>
+            </a:avLst>
+          </a:prstGeom>
+          <a:ln w="38100">
+            <a:solidFill>
+              <a:srgbClr val="002060"/>
+            </a:solidFill>
+            <a:tailEnd type="triangle"/>
+          </a:ln>
+        </p:spPr>
+        <p:style>
+          <a:lnRef idx="1">
+            <a:schemeClr val="accent1"/>
+          </a:lnRef>
+          <a:fillRef idx="0">
+            <a:schemeClr val="accent1"/>
+          </a:fillRef>
+          <a:effectRef idx="0">
+            <a:schemeClr val="accent1"/>
+          </a:effectRef>
+          <a:fontRef idx="minor">
+            <a:schemeClr val="tx1"/>
+          </a:fontRef>
+        </p:style>
+      </p:cxnSp>
+      <p:sp>
+        <p:nvSpPr>
+          <p:cNvPr id="33" name="文字方塊 32">
+            <a:extLst>
+              <a:ext uri="{FF2B5EF4-FFF2-40B4-BE49-F238E27FC236}">
+                <a16:creationId xmlns:a16="http://schemas.microsoft.com/office/drawing/2014/main" id="{0B439EE4-31D4-4E0D-B4CB-09A3A89B4082}"/>
+              </a:ext>
+            </a:extLst>
+          </p:cNvPr>
+          <p:cNvSpPr txBox="1"/>
+          <p:nvPr/>
+        </p:nvSpPr>
+        <p:spPr>
+          <a:xfrm>
+            <a:off x="4527877" y="2992590"/>
+            <a:ext cx="1011006" cy="400110"/>
+          </a:xfrm>
+          <a:prstGeom prst="rect">
+            <a:avLst/>
+          </a:prstGeom>
+          <a:noFill/>
+        </p:spPr>
+        <p:txBody>
+          <a:bodyPr wrap="square">
+            <a:spAutoFit/>
+          </a:bodyPr>
+          <a:lstStyle/>
+          <a:p>
+            <a:pPr algn="ctr"/>
+            <a:r>
+              <a:rPr lang="zh-TW" altLang="en-US" sz="2000" b="1" i="0" dirty="0">
+                <a:solidFill>
+                  <a:srgbClr val="002060"/>
+                </a:solidFill>
+                <a:effectLst>
+                  <a:outerShdw blurRad="38100" dist="38100" dir="2700000" algn="tl">
+                    <a:srgbClr val="000000">
+                      <a:alpha val="43137"/>
+                    </a:srgbClr>
+                  </a:outerShdw>
+                </a:effectLst>
+                <a:latin typeface="標楷體" panose="03000509000000000000" pitchFamily="65" charset="-120"/>
+                <a:ea typeface="標楷體" panose="03000509000000000000" pitchFamily="65" charset="-120"/>
+                <a:cs typeface="Times New Roman" panose="02020603050405020304" pitchFamily="18" charset="0"/>
+              </a:rPr>
+              <a:t>保留</a:t>
+            </a:r>
+            <a:endParaRPr lang="zh-TW" altLang="en-US" sz="1200" b="1" dirty="0">
+              <a:solidFill>
+                <a:srgbClr val="002060"/>
+              </a:solidFill>
+              <a:effectLst>
+                <a:outerShdw blurRad="38100" dist="38100" dir="2700000" algn="tl">
+                  <a:srgbClr val="000000">
+                    <a:alpha val="43137"/>
+                  </a:srgbClr>
+                </a:outerShdw>
+              </a:effectLst>
+              <a:latin typeface="標楷體" panose="03000509000000000000" pitchFamily="65" charset="-120"/>
+              <a:ea typeface="標楷體" panose="03000509000000000000" pitchFamily="65" charset="-120"/>
+              <a:cs typeface="Times New Roman" panose="02020603050405020304" pitchFamily="18" charset="0"/>
+            </a:endParaRPr>
+          </a:p>
+        </p:txBody>
+      </p:sp>
+      <p:sp>
+        <p:nvSpPr>
+          <p:cNvPr id="45" name="橢圓 44">
+            <a:extLst>
+              <a:ext uri="{FF2B5EF4-FFF2-40B4-BE49-F238E27FC236}">
+                <a16:creationId xmlns:a16="http://schemas.microsoft.com/office/drawing/2014/main" id="{5C8BA9F2-16DF-4FFD-86D3-C4DE7089437F}"/>
+              </a:ext>
+            </a:extLst>
+          </p:cNvPr>
+          <p:cNvSpPr/>
+          <p:nvPr/>
+        </p:nvSpPr>
+        <p:spPr>
+          <a:xfrm>
+            <a:off x="9712960" y="2906931"/>
+            <a:ext cx="162560" cy="162560"/>
+          </a:xfrm>
+          <a:prstGeom prst="ellipse">
+            <a:avLst/>
+          </a:prstGeom>
+          <a:solidFill>
+            <a:schemeClr val="tx1"/>
+          </a:solidFill>
+          <a:ln>
+            <a:noFill/>
+          </a:ln>
+        </p:spPr>
+        <p:style>
+          <a:lnRef idx="2">
+            <a:schemeClr val="accent1">
+              <a:shade val="50000"/>
+            </a:schemeClr>
+          </a:lnRef>
+          <a:fillRef idx="1">
+            <a:schemeClr val="accent1"/>
+          </a:fillRef>
+          <a:effectRef idx="0">
+            <a:schemeClr val="accent1"/>
+          </a:effectRef>
+          <a:fontRef idx="minor">
+            <a:schemeClr val="lt1"/>
+          </a:fontRef>
+        </p:style>
+        <p:txBody>
+          <a:bodyPr rtlCol="0" anchor="ctr"/>
+          <a:lstStyle/>
+          <a:p>
+            <a:pPr algn="ctr"/>
+            <a:endParaRPr lang="zh-TW" altLang="en-US"/>
+          </a:p>
+        </p:txBody>
+      </p:sp>
+      <p:sp>
+        <p:nvSpPr>
+          <p:cNvPr id="48" name="橢圓 47">
+            <a:extLst>
+              <a:ext uri="{FF2B5EF4-FFF2-40B4-BE49-F238E27FC236}">
+                <a16:creationId xmlns:a16="http://schemas.microsoft.com/office/drawing/2014/main" id="{3CB70C75-B963-4D59-B7D4-A18E6D0EC3BE}"/>
+              </a:ext>
+            </a:extLst>
+          </p:cNvPr>
+          <p:cNvSpPr/>
+          <p:nvPr/>
+        </p:nvSpPr>
+        <p:spPr>
+          <a:xfrm>
+            <a:off x="10873545" y="1271562"/>
+            <a:ext cx="162560" cy="162560"/>
+          </a:xfrm>
+          <a:prstGeom prst="ellipse">
+            <a:avLst/>
+          </a:prstGeom>
+          <a:solidFill>
+            <a:schemeClr val="tx1"/>
+          </a:solidFill>
+          <a:ln>
+            <a:noFill/>
+          </a:ln>
+        </p:spPr>
+        <p:style>
+          <a:lnRef idx="2">
+            <a:schemeClr val="accent1">
+              <a:shade val="50000"/>
+            </a:schemeClr>
+          </a:lnRef>
+          <a:fillRef idx="1">
+            <a:schemeClr val="accent1"/>
+          </a:fillRef>
+          <a:effectRef idx="0">
+            <a:schemeClr val="accent1"/>
+          </a:effectRef>
+          <a:fontRef idx="minor">
+            <a:schemeClr val="lt1"/>
+          </a:fontRef>
+        </p:style>
+        <p:txBody>
+          <a:bodyPr rtlCol="0" anchor="ctr"/>
+          <a:lstStyle/>
+          <a:p>
+            <a:pPr algn="ctr"/>
+            <a:endParaRPr lang="zh-TW" altLang="en-US">
+              <a:solidFill>
+                <a:srgbClr val="FF0000"/>
+              </a:solidFill>
+            </a:endParaRPr>
+          </a:p>
+        </p:txBody>
+      </p:sp>
+      <p:cxnSp>
+        <p:nvCxnSpPr>
+          <p:cNvPr id="50" name="直線接點 49">
+            <a:extLst>
+              <a:ext uri="{FF2B5EF4-FFF2-40B4-BE49-F238E27FC236}">
+                <a16:creationId xmlns:a16="http://schemas.microsoft.com/office/drawing/2014/main" id="{15D6EF6E-8B6E-4871-93CB-874E20A52E15}"/>
+              </a:ext>
+            </a:extLst>
+          </p:cNvPr>
+          <p:cNvCxnSpPr>
+            <a:cxnSpLocks/>
+            <a:stCxn id="48" idx="7"/>
+            <a:endCxn id="51" idx="2"/>
+          </p:cNvCxnSpPr>
+          <p:nvPr/>
+        </p:nvCxnSpPr>
+        <p:spPr>
+          <a:xfrm flipV="1">
+            <a:off x="11012299" y="726291"/>
+            <a:ext cx="1098421" cy="569077"/>
+          </a:xfrm>
+          <a:prstGeom prst="line">
+            <a:avLst/>
+          </a:prstGeom>
+          <a:ln w="19050">
+            <a:solidFill>
+              <a:schemeClr val="tx1"/>
+            </a:solidFill>
+          </a:ln>
+        </p:spPr>
+        <p:style>
+          <a:lnRef idx="1">
+            <a:schemeClr val="accent1"/>
+          </a:lnRef>
+          <a:fillRef idx="0">
+            <a:schemeClr val="accent1"/>
+          </a:fillRef>
+          <a:effectRef idx="0">
+            <a:schemeClr val="accent1"/>
+          </a:effectRef>
+          <a:fontRef idx="minor">
+            <a:schemeClr val="tx1"/>
+          </a:fontRef>
+        </p:style>
+      </p:cxnSp>
+      <p:sp>
+        <p:nvSpPr>
+          <p:cNvPr id="51" name="橢圓 50">
+            <a:extLst>
+              <a:ext uri="{FF2B5EF4-FFF2-40B4-BE49-F238E27FC236}">
+                <a16:creationId xmlns:a16="http://schemas.microsoft.com/office/drawing/2014/main" id="{59EC3668-1C06-48A3-9CD7-2008A3E84CA9}"/>
+              </a:ext>
+            </a:extLst>
+          </p:cNvPr>
+          <p:cNvSpPr/>
+          <p:nvPr/>
+        </p:nvSpPr>
+        <p:spPr>
+          <a:xfrm>
+            <a:off x="12110720" y="645011"/>
+            <a:ext cx="162560" cy="162560"/>
+          </a:xfrm>
+          <a:prstGeom prst="ellipse">
+            <a:avLst/>
+          </a:prstGeom>
+          <a:solidFill>
+            <a:srgbClr val="FF0000"/>
+          </a:solidFill>
+          <a:ln>
+            <a:noFill/>
+          </a:ln>
+        </p:spPr>
+        <p:style>
+          <a:lnRef idx="2">
+            <a:schemeClr val="accent1">
+              <a:shade val="50000"/>
+            </a:schemeClr>
+          </a:lnRef>
+          <a:fillRef idx="1">
+            <a:schemeClr val="accent1"/>
+          </a:fillRef>
+          <a:effectRef idx="0">
+            <a:schemeClr val="accent1"/>
+          </a:effectRef>
+          <a:fontRef idx="minor">
+            <a:schemeClr val="lt1"/>
+          </a:fontRef>
+        </p:style>
+        <p:txBody>
+          <a:bodyPr rtlCol="0" anchor="ctr"/>
+          <a:lstStyle/>
+          <a:p>
+            <a:pPr algn="ctr"/>
+            <a:endParaRPr lang="zh-TW" altLang="en-US"/>
+          </a:p>
+        </p:txBody>
+      </p:sp>
+      <p:sp>
+        <p:nvSpPr>
+          <p:cNvPr id="55" name="文字方塊 54">
+            <a:extLst>
+              <a:ext uri="{FF2B5EF4-FFF2-40B4-BE49-F238E27FC236}">
+                <a16:creationId xmlns:a16="http://schemas.microsoft.com/office/drawing/2014/main" id="{1F611245-BFEC-417E-A8EB-1D8867BEC3E3}"/>
+              </a:ext>
+            </a:extLst>
+          </p:cNvPr>
+          <p:cNvSpPr txBox="1"/>
+          <p:nvPr/>
+        </p:nvSpPr>
+        <p:spPr>
+          <a:xfrm>
+            <a:off x="408665" y="304161"/>
+            <a:ext cx="1928213" cy="584775"/>
+          </a:xfrm>
+          <a:prstGeom prst="rect">
+            <a:avLst/>
+          </a:prstGeom>
+          <a:noFill/>
+        </p:spPr>
+        <p:txBody>
+          <a:bodyPr wrap="square">
+            <a:spAutoFit/>
+          </a:bodyPr>
+          <a:lstStyle/>
+          <a:p>
+            <a:pPr algn="ctr"/>
+            <a:r>
+              <a:rPr lang="en-US" altLang="zh-TW" sz="3200" b="1" dirty="0">
+                <a:latin typeface="Times New Roman" panose="02020603050405020304" pitchFamily="18" charset="0"/>
+                <a:cs typeface="Times New Roman" panose="02020603050405020304" pitchFamily="18" charset="0"/>
+              </a:rPr>
+              <a:t>STEP 2</a:t>
+            </a:r>
+            <a:endParaRPr lang="zh-TW" altLang="en-US" sz="2000" b="1" dirty="0"/>
+          </a:p>
+        </p:txBody>
+      </p:sp>
+      <p:sp>
+        <p:nvSpPr>
+          <p:cNvPr id="58" name="矩形 57">
+            <a:extLst>
+              <a:ext uri="{FF2B5EF4-FFF2-40B4-BE49-F238E27FC236}">
+                <a16:creationId xmlns:a16="http://schemas.microsoft.com/office/drawing/2014/main" id="{7E68C381-8F21-47AD-B6D4-45E82B3754D0}"/>
+              </a:ext>
+            </a:extLst>
+          </p:cNvPr>
+          <p:cNvSpPr/>
+          <p:nvPr/>
+        </p:nvSpPr>
+        <p:spPr>
+          <a:xfrm>
+            <a:off x="0" y="1"/>
+            <a:ext cx="12915825" cy="4622800"/>
+          </a:xfrm>
+          <a:prstGeom prst="rect">
+            <a:avLst/>
+          </a:prstGeom>
+          <a:noFill/>
+          <a:ln>
+            <a:noFill/>
+          </a:ln>
+        </p:spPr>
+        <p:style>
+          <a:lnRef idx="2">
+            <a:schemeClr val="accent1">
+              <a:shade val="50000"/>
+            </a:schemeClr>
+          </a:lnRef>
+          <a:fillRef idx="1">
+            <a:schemeClr val="accent1"/>
+          </a:fillRef>
+          <a:effectRef idx="0">
+            <a:schemeClr val="accent1"/>
+          </a:effectRef>
+          <a:fontRef idx="minor">
+            <a:schemeClr val="lt1"/>
+          </a:fontRef>
+        </p:style>
+        <p:txBody>
+          <a:bodyPr rtlCol="0" anchor="ctr"/>
+          <a:lstStyle/>
+          <a:p>
+            <a:pPr algn="ctr"/>
+            <a:endParaRPr lang="zh-TW" altLang="en-US"/>
+          </a:p>
+        </p:txBody>
+      </p:sp>
+      <p:sp>
+        <p:nvSpPr>
+          <p:cNvPr id="27" name="文字方塊 26">
+            <a:extLst>
+              <a:ext uri="{FF2B5EF4-FFF2-40B4-BE49-F238E27FC236}">
+                <a16:creationId xmlns:a16="http://schemas.microsoft.com/office/drawing/2014/main" id="{F2510759-5000-4FEE-AAF7-E44FE03D3863}"/>
+              </a:ext>
+            </a:extLst>
+          </p:cNvPr>
+          <p:cNvSpPr txBox="1"/>
+          <p:nvPr/>
+        </p:nvSpPr>
+        <p:spPr>
+          <a:xfrm>
+            <a:off x="338525" y="1535360"/>
+            <a:ext cx="1447650" cy="461665"/>
+          </a:xfrm>
+          <a:prstGeom prst="rect">
+            <a:avLst/>
+          </a:prstGeom>
+          <a:noFill/>
+        </p:spPr>
+        <p:txBody>
+          <a:bodyPr wrap="square">
+            <a:spAutoFit/>
+          </a:bodyPr>
+          <a:lstStyle/>
+          <a:p>
+            <a:pPr algn="ctr"/>
+            <a:r>
+              <a:rPr lang="zh-TW" altLang="en-US" sz="2400" b="1" dirty="0">
+                <a:latin typeface="Times New Roman" panose="02020603050405020304" pitchFamily="18" charset="0"/>
+                <a:ea typeface="標楷體" panose="03000509000000000000" pitchFamily="65" charset="-120"/>
+                <a:cs typeface="Times New Roman" panose="02020603050405020304" pitchFamily="18" charset="0"/>
+              </a:rPr>
+              <a:t>首端</a:t>
+            </a:r>
+            <a:endParaRPr lang="zh-TW" altLang="en-US" sz="1400" b="1" dirty="0">
+              <a:latin typeface="Times New Roman" panose="02020603050405020304" pitchFamily="18" charset="0"/>
+              <a:ea typeface="標楷體" panose="03000509000000000000" pitchFamily="65" charset="-120"/>
+              <a:cs typeface="Times New Roman" panose="02020603050405020304" pitchFamily="18" charset="0"/>
+            </a:endParaRPr>
+          </a:p>
+        </p:txBody>
+      </p:sp>
+      <p:sp>
+        <p:nvSpPr>
+          <p:cNvPr id="28" name="文字方塊 27">
+            <a:extLst>
+              <a:ext uri="{FF2B5EF4-FFF2-40B4-BE49-F238E27FC236}">
+                <a16:creationId xmlns:a16="http://schemas.microsoft.com/office/drawing/2014/main" id="{97E36B4B-FFF8-448C-B471-62DAD6130DC2}"/>
+              </a:ext>
+            </a:extLst>
+          </p:cNvPr>
+          <p:cNvSpPr txBox="1"/>
+          <p:nvPr/>
+        </p:nvSpPr>
+        <p:spPr>
+          <a:xfrm>
+            <a:off x="11468175" y="125872"/>
+            <a:ext cx="1447650" cy="461665"/>
+          </a:xfrm>
+          <a:prstGeom prst="rect">
+            <a:avLst/>
+          </a:prstGeom>
+          <a:noFill/>
+        </p:spPr>
+        <p:txBody>
+          <a:bodyPr wrap="square">
+            <a:spAutoFit/>
+          </a:bodyPr>
+          <a:lstStyle/>
+          <a:p>
+            <a:pPr algn="ctr"/>
+            <a:r>
+              <a:rPr lang="zh-TW" altLang="en-US" sz="2400" b="1" dirty="0">
+                <a:latin typeface="Times New Roman" panose="02020603050405020304" pitchFamily="18" charset="0"/>
+                <a:ea typeface="標楷體" panose="03000509000000000000" pitchFamily="65" charset="-120"/>
+                <a:cs typeface="Times New Roman" panose="02020603050405020304" pitchFamily="18" charset="0"/>
+              </a:rPr>
+              <a:t>末端</a:t>
+            </a:r>
+            <a:endParaRPr lang="zh-TW" altLang="en-US" sz="1400" b="1" dirty="0">
+              <a:latin typeface="Times New Roman" panose="02020603050405020304" pitchFamily="18" charset="0"/>
+              <a:ea typeface="標楷體" panose="03000509000000000000" pitchFamily="65" charset="-120"/>
+              <a:cs typeface="Times New Roman" panose="02020603050405020304" pitchFamily="18" charset="0"/>
+            </a:endParaRPr>
+          </a:p>
+        </p:txBody>
+      </p:sp>
+    </p:spTree>
+    <p:extLst>
+      <p:ext uri="{BB962C8B-B14F-4D97-AF65-F5344CB8AC3E}">
+        <p14:creationId xmlns:p14="http://schemas.microsoft.com/office/powerpoint/2010/main" val="1073387899"/>
+      </p:ext>
+    </p:extLst>
+  </p:cSld>
+  <p:clrMapOvr>
+    <a:masterClrMapping/>
+  </p:clrMapOvr>
+</p:sld>
+</file>
+
+<file path=ppt/slides/slide21.xml><?xml version="1.0" encoding="utf-8"?>
+<p:sld xmlns:a="http://schemas.openxmlformats.org/drawingml/2006/main" xmlns:r="http://schemas.openxmlformats.org/officeDocument/2006/relationships" xmlns:p="http://schemas.openxmlformats.org/presentationml/2006/main">
+  <p:cSld>
+    <p:spTree>
+      <p:nvGrpSpPr>
+        <p:cNvPr id="1" name=""/>
+        <p:cNvGrpSpPr/>
+        <p:nvPr/>
+      </p:nvGrpSpPr>
+      <p:grpSpPr>
+        <a:xfrm>
+          <a:off x="0" y="0"/>
+          <a:ext cx="0" cy="0"/>
+          <a:chOff x="0" y="0"/>
+          <a:chExt cx="0" cy="0"/>
+        </a:xfrm>
+      </p:grpSpPr>
+      <p:sp>
+        <p:nvSpPr>
+          <p:cNvPr id="4" name="橢圓 3">
+            <a:extLst>
+              <a:ext uri="{FF2B5EF4-FFF2-40B4-BE49-F238E27FC236}">
+                <a16:creationId xmlns:a16="http://schemas.microsoft.com/office/drawing/2014/main" id="{DA869778-0817-4277-91F6-42A34D4CDBF5}"/>
+              </a:ext>
+            </a:extLst>
+          </p:cNvPr>
+          <p:cNvSpPr/>
+          <p:nvPr/>
+        </p:nvSpPr>
+        <p:spPr>
+          <a:xfrm>
+            <a:off x="998025" y="2084948"/>
+            <a:ext cx="162560" cy="162560"/>
+          </a:xfrm>
+          <a:prstGeom prst="ellipse">
+            <a:avLst/>
+          </a:prstGeom>
+          <a:solidFill>
+            <a:srgbClr val="FF0000"/>
+          </a:solidFill>
+          <a:ln>
+            <a:noFill/>
+          </a:ln>
+        </p:spPr>
+        <p:style>
+          <a:lnRef idx="2">
+            <a:schemeClr val="accent1">
+              <a:shade val="50000"/>
+            </a:schemeClr>
+          </a:lnRef>
+          <a:fillRef idx="1">
+            <a:schemeClr val="accent1"/>
+          </a:fillRef>
+          <a:effectRef idx="0">
+            <a:schemeClr val="accent1"/>
+          </a:effectRef>
+          <a:fontRef idx="minor">
+            <a:schemeClr val="lt1"/>
+          </a:fontRef>
+        </p:style>
+        <p:txBody>
+          <a:bodyPr rtlCol="0" anchor="ctr"/>
+          <a:lstStyle/>
+          <a:p>
+            <a:pPr algn="ctr"/>
+            <a:endParaRPr lang="zh-TW" altLang="en-US"/>
+          </a:p>
+        </p:txBody>
+      </p:sp>
+      <p:sp>
+        <p:nvSpPr>
+          <p:cNvPr id="6" name="橢圓 5">
+            <a:extLst>
+              <a:ext uri="{FF2B5EF4-FFF2-40B4-BE49-F238E27FC236}">
+                <a16:creationId xmlns:a16="http://schemas.microsoft.com/office/drawing/2014/main" id="{1579FC30-3450-4340-BDEC-5DDBEF538D68}"/>
+              </a:ext>
+            </a:extLst>
+          </p:cNvPr>
+          <p:cNvSpPr/>
+          <p:nvPr/>
+        </p:nvSpPr>
+        <p:spPr>
+          <a:xfrm>
+            <a:off x="1727199" y="3266051"/>
+            <a:ext cx="162560" cy="162560"/>
+          </a:xfrm>
+          <a:prstGeom prst="ellipse">
+            <a:avLst/>
+          </a:prstGeom>
+          <a:solidFill>
+            <a:schemeClr val="bg1">
+              <a:lumMod val="85000"/>
+            </a:schemeClr>
+          </a:solidFill>
+          <a:ln>
+            <a:noFill/>
+          </a:ln>
+        </p:spPr>
+        <p:style>
+          <a:lnRef idx="2">
+            <a:schemeClr val="accent1">
+              <a:shade val="50000"/>
+            </a:schemeClr>
+          </a:lnRef>
+          <a:fillRef idx="1">
+            <a:schemeClr val="accent1"/>
+          </a:fillRef>
+          <a:effectRef idx="0">
+            <a:schemeClr val="accent1"/>
+          </a:effectRef>
+          <a:fontRef idx="minor">
+            <a:schemeClr val="lt1"/>
+          </a:fontRef>
+        </p:style>
+        <p:txBody>
+          <a:bodyPr rtlCol="0" anchor="ctr"/>
+          <a:lstStyle/>
+          <a:p>
+            <a:pPr algn="ctr"/>
+            <a:endParaRPr lang="zh-TW" altLang="en-US"/>
+          </a:p>
+        </p:txBody>
+      </p:sp>
+      <p:sp>
+        <p:nvSpPr>
+          <p:cNvPr id="7" name="橢圓 6">
+            <a:extLst>
+              <a:ext uri="{FF2B5EF4-FFF2-40B4-BE49-F238E27FC236}">
+                <a16:creationId xmlns:a16="http://schemas.microsoft.com/office/drawing/2014/main" id="{6BFC05B2-7D2F-4FBE-83E2-4016490FFA40}"/>
+              </a:ext>
+            </a:extLst>
+          </p:cNvPr>
+          <p:cNvSpPr/>
+          <p:nvPr/>
+        </p:nvSpPr>
+        <p:spPr>
+          <a:xfrm>
+            <a:off x="3817972" y="3777527"/>
+            <a:ext cx="162560" cy="162560"/>
+          </a:xfrm>
+          <a:prstGeom prst="ellipse">
+            <a:avLst/>
+          </a:prstGeom>
+          <a:solidFill>
+            <a:srgbClr val="FF0000"/>
+          </a:solidFill>
+          <a:ln>
+            <a:noFill/>
+          </a:ln>
+        </p:spPr>
+        <p:style>
+          <a:lnRef idx="2">
+            <a:schemeClr val="accent1">
+              <a:shade val="50000"/>
+            </a:schemeClr>
+          </a:lnRef>
+          <a:fillRef idx="1">
+            <a:schemeClr val="accent1"/>
+          </a:fillRef>
+          <a:effectRef idx="0">
+            <a:schemeClr val="accent1"/>
+          </a:effectRef>
+          <a:fontRef idx="minor">
+            <a:schemeClr val="lt1"/>
+          </a:fontRef>
+        </p:style>
+        <p:txBody>
+          <a:bodyPr rtlCol="0" anchor="ctr"/>
+          <a:lstStyle/>
+          <a:p>
+            <a:pPr algn="ctr"/>
+            <a:endParaRPr lang="zh-TW" altLang="en-US"/>
+          </a:p>
+        </p:txBody>
+      </p:sp>
+      <p:sp>
+        <p:nvSpPr>
+          <p:cNvPr id="8" name="橢圓 7">
+            <a:extLst>
+              <a:ext uri="{FF2B5EF4-FFF2-40B4-BE49-F238E27FC236}">
+                <a16:creationId xmlns:a16="http://schemas.microsoft.com/office/drawing/2014/main" id="{08B8DFB9-A3A0-487E-BE67-518BEAEE799E}"/>
+              </a:ext>
+            </a:extLst>
+          </p:cNvPr>
+          <p:cNvSpPr/>
+          <p:nvPr/>
+        </p:nvSpPr>
+        <p:spPr>
+          <a:xfrm>
+            <a:off x="5745198" y="3332414"/>
+            <a:ext cx="162560" cy="162560"/>
+          </a:xfrm>
+          <a:prstGeom prst="ellipse">
+            <a:avLst/>
+          </a:prstGeom>
+          <a:solidFill>
+            <a:schemeClr val="tx1"/>
+          </a:solidFill>
+          <a:ln>
+            <a:noFill/>
+          </a:ln>
+        </p:spPr>
+        <p:style>
+          <a:lnRef idx="2">
+            <a:schemeClr val="accent1">
+              <a:shade val="50000"/>
+            </a:schemeClr>
+          </a:lnRef>
+          <a:fillRef idx="1">
+            <a:schemeClr val="accent1"/>
+          </a:fillRef>
+          <a:effectRef idx="0">
+            <a:schemeClr val="accent1"/>
+          </a:effectRef>
+          <a:fontRef idx="minor">
+            <a:schemeClr val="lt1"/>
+          </a:fontRef>
+        </p:style>
+        <p:txBody>
+          <a:bodyPr rtlCol="0" anchor="ctr"/>
+          <a:lstStyle/>
+          <a:p>
+            <a:pPr algn="ctr"/>
+            <a:endParaRPr lang="zh-TW" altLang="en-US"/>
+          </a:p>
+        </p:txBody>
+      </p:sp>
+      <p:sp>
+        <p:nvSpPr>
+          <p:cNvPr id="9" name="橢圓 8">
+            <a:extLst>
+              <a:ext uri="{FF2B5EF4-FFF2-40B4-BE49-F238E27FC236}">
+                <a16:creationId xmlns:a16="http://schemas.microsoft.com/office/drawing/2014/main" id="{D47F1CED-8281-475E-BEB7-E6828E11914C}"/>
+              </a:ext>
+            </a:extLst>
+          </p:cNvPr>
+          <p:cNvSpPr/>
+          <p:nvPr/>
+        </p:nvSpPr>
+        <p:spPr>
+          <a:xfrm>
+            <a:off x="7306916" y="2090418"/>
+            <a:ext cx="162560" cy="162560"/>
+          </a:xfrm>
+          <a:prstGeom prst="ellipse">
+            <a:avLst/>
+          </a:prstGeom>
+          <a:solidFill>
+            <a:schemeClr val="tx1"/>
+          </a:solidFill>
+          <a:ln>
+            <a:noFill/>
+          </a:ln>
+        </p:spPr>
+        <p:style>
+          <a:lnRef idx="2">
+            <a:schemeClr val="accent1">
+              <a:shade val="50000"/>
+            </a:schemeClr>
+          </a:lnRef>
+          <a:fillRef idx="1">
+            <a:schemeClr val="accent1"/>
+          </a:fillRef>
+          <a:effectRef idx="0">
+            <a:schemeClr val="accent1"/>
+          </a:effectRef>
+          <a:fontRef idx="minor">
+            <a:schemeClr val="lt1"/>
+          </a:fontRef>
+        </p:style>
+        <p:txBody>
+          <a:bodyPr rtlCol="0" anchor="ctr"/>
+          <a:lstStyle/>
+          <a:p>
+            <a:pPr algn="ctr"/>
+            <a:endParaRPr lang="zh-TW" altLang="en-US"/>
+          </a:p>
+        </p:txBody>
+      </p:sp>
+      <p:cxnSp>
+        <p:nvCxnSpPr>
+          <p:cNvPr id="13" name="直線接點 12">
+            <a:extLst>
+              <a:ext uri="{FF2B5EF4-FFF2-40B4-BE49-F238E27FC236}">
+                <a16:creationId xmlns:a16="http://schemas.microsoft.com/office/drawing/2014/main" id="{6398ECE7-14D3-41DA-BBDF-07F83BA9E0FE}"/>
+              </a:ext>
+            </a:extLst>
+          </p:cNvPr>
+          <p:cNvCxnSpPr>
+            <a:cxnSpLocks/>
+            <a:stCxn id="4" idx="5"/>
+            <a:endCxn id="6" idx="1"/>
+          </p:cNvCxnSpPr>
+          <p:nvPr/>
+        </p:nvCxnSpPr>
+        <p:spPr>
+          <a:xfrm>
+            <a:off x="1136779" y="2223702"/>
+            <a:ext cx="614226" cy="1066155"/>
+          </a:xfrm>
+          <a:prstGeom prst="line">
+            <a:avLst/>
+          </a:prstGeom>
+          <a:ln w="19050">
+            <a:solidFill>
+              <a:schemeClr val="bg1">
+                <a:lumMod val="85000"/>
+              </a:schemeClr>
+            </a:solidFill>
+          </a:ln>
+        </p:spPr>
+        <p:style>
+          <a:lnRef idx="1">
+            <a:schemeClr val="accent1"/>
+          </a:lnRef>
+          <a:fillRef idx="0">
+            <a:schemeClr val="accent1"/>
+          </a:fillRef>
+          <a:effectRef idx="0">
+            <a:schemeClr val="accent1"/>
+          </a:effectRef>
+          <a:fontRef idx="minor">
+            <a:schemeClr val="tx1"/>
+          </a:fontRef>
+        </p:style>
+      </p:cxnSp>
+      <p:cxnSp>
+        <p:nvCxnSpPr>
+          <p:cNvPr id="15" name="直線接點 14">
+            <a:extLst>
+              <a:ext uri="{FF2B5EF4-FFF2-40B4-BE49-F238E27FC236}">
+                <a16:creationId xmlns:a16="http://schemas.microsoft.com/office/drawing/2014/main" id="{FE6B1B1A-C0AC-4912-8FD9-35DC9FF4DC91}"/>
+              </a:ext>
+            </a:extLst>
+          </p:cNvPr>
+          <p:cNvCxnSpPr>
+            <a:cxnSpLocks/>
+            <a:stCxn id="6" idx="6"/>
+            <a:endCxn id="7" idx="2"/>
+          </p:cNvCxnSpPr>
+          <p:nvPr/>
+        </p:nvCxnSpPr>
+        <p:spPr>
+          <a:xfrm>
+            <a:off x="1889759" y="3347331"/>
+            <a:ext cx="1928213" cy="511476"/>
+          </a:xfrm>
+          <a:prstGeom prst="line">
+            <a:avLst/>
+          </a:prstGeom>
+          <a:ln w="19050">
+            <a:solidFill>
+              <a:schemeClr val="bg1">
+                <a:lumMod val="85000"/>
+              </a:schemeClr>
+            </a:solidFill>
+          </a:ln>
+        </p:spPr>
+        <p:style>
+          <a:lnRef idx="1">
+            <a:schemeClr val="accent1"/>
+          </a:lnRef>
+          <a:fillRef idx="0">
+            <a:schemeClr val="accent1"/>
+          </a:fillRef>
+          <a:effectRef idx="0">
+            <a:schemeClr val="accent1"/>
+          </a:effectRef>
+          <a:fontRef idx="minor">
+            <a:schemeClr val="tx1"/>
+          </a:fontRef>
+        </p:style>
+      </p:cxnSp>
+      <p:cxnSp>
+        <p:nvCxnSpPr>
+          <p:cNvPr id="18" name="直線接點 17">
+            <a:extLst>
+              <a:ext uri="{FF2B5EF4-FFF2-40B4-BE49-F238E27FC236}">
+                <a16:creationId xmlns:a16="http://schemas.microsoft.com/office/drawing/2014/main" id="{E839F313-B193-40F8-B2F8-7D44A24775AF}"/>
+              </a:ext>
+            </a:extLst>
+          </p:cNvPr>
+          <p:cNvCxnSpPr>
+            <a:cxnSpLocks/>
+            <a:stCxn id="7" idx="6"/>
+            <a:endCxn id="8" idx="2"/>
+          </p:cNvCxnSpPr>
+          <p:nvPr/>
+        </p:nvCxnSpPr>
+        <p:spPr>
+          <a:xfrm flipV="1">
+            <a:off x="3980532" y="3413694"/>
+            <a:ext cx="1764666" cy="445113"/>
+          </a:xfrm>
+          <a:prstGeom prst="line">
+            <a:avLst/>
+          </a:prstGeom>
+          <a:ln w="19050">
+            <a:solidFill>
+              <a:schemeClr val="tx1"/>
+            </a:solidFill>
+          </a:ln>
+        </p:spPr>
+        <p:style>
+          <a:lnRef idx="1">
+            <a:schemeClr val="accent1"/>
+          </a:lnRef>
+          <a:fillRef idx="0">
+            <a:schemeClr val="accent1"/>
+          </a:fillRef>
+          <a:effectRef idx="0">
+            <a:schemeClr val="accent1"/>
+          </a:effectRef>
+          <a:fontRef idx="minor">
+            <a:schemeClr val="tx1"/>
+          </a:fontRef>
+        </p:style>
+      </p:cxnSp>
+      <p:cxnSp>
+        <p:nvCxnSpPr>
+          <p:cNvPr id="21" name="直線接點 20">
+            <a:extLst>
+              <a:ext uri="{FF2B5EF4-FFF2-40B4-BE49-F238E27FC236}">
+                <a16:creationId xmlns:a16="http://schemas.microsoft.com/office/drawing/2014/main" id="{C56EB324-6413-4813-94DD-AD13BB938D87}"/>
+              </a:ext>
+            </a:extLst>
+          </p:cNvPr>
+          <p:cNvCxnSpPr>
+            <a:cxnSpLocks/>
+            <a:stCxn id="8" idx="7"/>
+            <a:endCxn id="9" idx="3"/>
+          </p:cNvCxnSpPr>
+          <p:nvPr/>
+        </p:nvCxnSpPr>
+        <p:spPr>
+          <a:xfrm flipV="1">
+            <a:off x="5883952" y="2229172"/>
+            <a:ext cx="1446770" cy="1127048"/>
+          </a:xfrm>
+          <a:prstGeom prst="line">
+            <a:avLst/>
+          </a:prstGeom>
+          <a:ln w="19050">
+            <a:solidFill>
+              <a:schemeClr val="tx1"/>
+            </a:solidFill>
+          </a:ln>
+        </p:spPr>
+        <p:style>
+          <a:lnRef idx="1">
+            <a:schemeClr val="accent1"/>
+          </a:lnRef>
+          <a:fillRef idx="0">
+            <a:schemeClr val="accent1"/>
+          </a:fillRef>
+          <a:effectRef idx="0">
+            <a:schemeClr val="accent1"/>
+          </a:effectRef>
+          <a:fontRef idx="minor">
+            <a:schemeClr val="tx1"/>
+          </a:fontRef>
+        </p:style>
+      </p:cxnSp>
+      <p:cxnSp>
+        <p:nvCxnSpPr>
+          <p:cNvPr id="31" name="直線接點 30">
+            <a:extLst>
+              <a:ext uri="{FF2B5EF4-FFF2-40B4-BE49-F238E27FC236}">
+                <a16:creationId xmlns:a16="http://schemas.microsoft.com/office/drawing/2014/main" id="{C24A4E78-75A6-4DE3-913A-0A5F8DC35CC7}"/>
+              </a:ext>
+            </a:extLst>
+          </p:cNvPr>
+          <p:cNvCxnSpPr>
+            <a:cxnSpLocks/>
+            <a:stCxn id="34" idx="2"/>
+            <a:endCxn id="9" idx="6"/>
+          </p:cNvCxnSpPr>
+          <p:nvPr/>
+        </p:nvCxnSpPr>
+        <p:spPr>
+          <a:xfrm flipH="1" flipV="1">
+            <a:off x="7469476" y="2171698"/>
+            <a:ext cx="2243484" cy="816513"/>
+          </a:xfrm>
+          <a:prstGeom prst="line">
+            <a:avLst/>
+          </a:prstGeom>
+          <a:ln w="19050">
+            <a:solidFill>
+              <a:schemeClr val="tx1"/>
+            </a:solidFill>
+          </a:ln>
+        </p:spPr>
+        <p:style>
+          <a:lnRef idx="1">
+            <a:schemeClr val="accent1"/>
+          </a:lnRef>
+          <a:fillRef idx="0">
+            <a:schemeClr val="accent1"/>
+          </a:fillRef>
+          <a:effectRef idx="0">
+            <a:schemeClr val="accent1"/>
+          </a:effectRef>
+          <a:fontRef idx="minor">
+            <a:schemeClr val="tx1"/>
+          </a:fontRef>
+        </p:style>
+      </p:cxnSp>
+      <p:cxnSp>
+        <p:nvCxnSpPr>
+          <p:cNvPr id="35" name="直線接點 34">
+            <a:extLst>
+              <a:ext uri="{FF2B5EF4-FFF2-40B4-BE49-F238E27FC236}">
+                <a16:creationId xmlns:a16="http://schemas.microsoft.com/office/drawing/2014/main" id="{55FF4FC9-065B-4F19-8E98-E25A9D577734}"/>
+              </a:ext>
+            </a:extLst>
+          </p:cNvPr>
+          <p:cNvCxnSpPr>
+            <a:cxnSpLocks/>
+            <a:stCxn id="34" idx="6"/>
+            <a:endCxn id="36" idx="3"/>
+          </p:cNvCxnSpPr>
+          <p:nvPr/>
+        </p:nvCxnSpPr>
+        <p:spPr>
+          <a:xfrm flipV="1">
+            <a:off x="9875520" y="1410316"/>
+            <a:ext cx="1021831" cy="1577895"/>
+          </a:xfrm>
+          <a:prstGeom prst="line">
+            <a:avLst/>
+          </a:prstGeom>
+          <a:ln w="19050">
+            <a:solidFill>
+              <a:schemeClr val="tx1"/>
+            </a:solidFill>
+          </a:ln>
+        </p:spPr>
+        <p:style>
+          <a:lnRef idx="1">
+            <a:schemeClr val="accent1"/>
+          </a:lnRef>
+          <a:fillRef idx="0">
+            <a:schemeClr val="accent1"/>
+          </a:fillRef>
+          <a:effectRef idx="0">
+            <a:schemeClr val="accent1"/>
+          </a:effectRef>
+          <a:fontRef idx="minor">
+            <a:schemeClr val="tx1"/>
+          </a:fontRef>
+        </p:style>
+      </p:cxnSp>
+      <p:cxnSp>
+        <p:nvCxnSpPr>
+          <p:cNvPr id="3" name="直線接點 2">
+            <a:extLst>
+              <a:ext uri="{FF2B5EF4-FFF2-40B4-BE49-F238E27FC236}">
+                <a16:creationId xmlns:a16="http://schemas.microsoft.com/office/drawing/2014/main" id="{B7EF7A4F-00E7-4834-96DB-2EC549BE0D07}"/>
+              </a:ext>
+            </a:extLst>
+          </p:cNvPr>
+          <p:cNvCxnSpPr>
+            <a:cxnSpLocks/>
+            <a:stCxn id="4" idx="6"/>
+            <a:endCxn id="7" idx="1"/>
+          </p:cNvCxnSpPr>
+          <p:nvPr/>
+        </p:nvCxnSpPr>
+        <p:spPr>
+          <a:xfrm>
+            <a:off x="1160585" y="2166228"/>
+            <a:ext cx="2681193" cy="1635105"/>
+          </a:xfrm>
+          <a:prstGeom prst="line">
+            <a:avLst/>
+          </a:prstGeom>
+          <a:ln w="28575">
+            <a:solidFill>
+              <a:srgbClr val="75AADB"/>
+            </a:solidFill>
+          </a:ln>
+        </p:spPr>
+        <p:style>
+          <a:lnRef idx="1">
+            <a:schemeClr val="accent1"/>
+          </a:lnRef>
+          <a:fillRef idx="0">
+            <a:schemeClr val="accent1"/>
+          </a:fillRef>
+          <a:effectRef idx="0">
+            <a:schemeClr val="accent1"/>
+          </a:effectRef>
+          <a:fontRef idx="minor">
+            <a:schemeClr val="tx1"/>
+          </a:fontRef>
+        </p:style>
+      </p:cxnSp>
+      <p:sp>
+        <p:nvSpPr>
+          <p:cNvPr id="22" name="文字方塊 21">
+            <a:extLst>
+              <a:ext uri="{FF2B5EF4-FFF2-40B4-BE49-F238E27FC236}">
+                <a16:creationId xmlns:a16="http://schemas.microsoft.com/office/drawing/2014/main" id="{5AE68189-21B9-4169-B7FC-2C97A56A28D5}"/>
+              </a:ext>
+            </a:extLst>
+          </p:cNvPr>
+          <p:cNvSpPr txBox="1"/>
+          <p:nvPr/>
+        </p:nvSpPr>
+        <p:spPr>
+          <a:xfrm>
+            <a:off x="1987873" y="2870749"/>
+            <a:ext cx="567784" cy="461665"/>
+          </a:xfrm>
+          <a:prstGeom prst="rect">
+            <a:avLst/>
+          </a:prstGeom>
+          <a:noFill/>
+        </p:spPr>
+        <p:txBody>
+          <a:bodyPr wrap="square">
+            <a:spAutoFit/>
+          </a:bodyPr>
+          <a:lstStyle>
+            <a:defPPr>
+              <a:defRPr lang="zh-TW"/>
+            </a:defPPr>
+            <a:lvl1pPr algn="ctr">
+              <a:defRPr sz="2400" b="1" i="0">
+                <a:effectLst/>
+                <a:latin typeface="Times New Roman" panose="02020603050405020304" pitchFamily="18" charset="0"/>
+                <a:cs typeface="Times New Roman" panose="02020603050405020304" pitchFamily="18" charset="0"/>
+              </a:defRPr>
+            </a:lvl1pPr>
+          </a:lstStyle>
+          <a:p>
+            <a:r>
+              <a:rPr lang="en-US" altLang="zh-TW" dirty="0"/>
+              <a:t>&lt; </a:t>
+            </a:r>
+            <a:r>
+              <a:rPr lang="el-GR" altLang="zh-TW" dirty="0"/>
+              <a:t>ε</a:t>
+            </a:r>
+            <a:endParaRPr lang="zh-TW" altLang="en-US" dirty="0"/>
+          </a:p>
+        </p:txBody>
+      </p:sp>
+      <p:cxnSp>
+        <p:nvCxnSpPr>
+          <p:cNvPr id="25" name="接點: 弧形 24">
+            <a:extLst>
+              <a:ext uri="{FF2B5EF4-FFF2-40B4-BE49-F238E27FC236}">
+                <a16:creationId xmlns:a16="http://schemas.microsoft.com/office/drawing/2014/main" id="{AAB4A5FD-43B9-41CE-B386-31D7C60457FF}"/>
+              </a:ext>
+            </a:extLst>
+          </p:cNvPr>
+          <p:cNvCxnSpPr>
+            <a:cxnSpLocks/>
+            <a:stCxn id="22" idx="2"/>
+            <a:endCxn id="6" idx="4"/>
+          </p:cNvCxnSpPr>
+          <p:nvPr/>
+        </p:nvCxnSpPr>
+        <p:spPr>
+          <a:xfrm rot="5400000">
+            <a:off x="1992024" y="3148869"/>
+            <a:ext cx="96197" cy="463286"/>
+          </a:xfrm>
+          <a:prstGeom prst="curvedConnector3">
+            <a:avLst>
+              <a:gd name="adj1" fmla="val 337637"/>
+            </a:avLst>
+          </a:prstGeom>
+          <a:ln w="38100">
+            <a:solidFill>
+              <a:schemeClr val="bg1">
+                <a:lumMod val="50000"/>
+              </a:schemeClr>
+            </a:solidFill>
+            <a:tailEnd type="triangle"/>
+          </a:ln>
+        </p:spPr>
+        <p:style>
+          <a:lnRef idx="1">
+            <a:schemeClr val="accent1"/>
+          </a:lnRef>
+          <a:fillRef idx="0">
+            <a:schemeClr val="accent1"/>
+          </a:fillRef>
+          <a:effectRef idx="0">
+            <a:schemeClr val="accent1"/>
+          </a:effectRef>
+          <a:fontRef idx="minor">
+            <a:schemeClr val="tx1"/>
+          </a:fontRef>
+        </p:style>
+      </p:cxnSp>
+      <p:sp>
+        <p:nvSpPr>
+          <p:cNvPr id="26" name="文字方塊 25">
+            <a:extLst>
+              <a:ext uri="{FF2B5EF4-FFF2-40B4-BE49-F238E27FC236}">
+                <a16:creationId xmlns:a16="http://schemas.microsoft.com/office/drawing/2014/main" id="{A0920107-36E9-4CD9-A055-34CB04AC048F}"/>
+              </a:ext>
+            </a:extLst>
+          </p:cNvPr>
+          <p:cNvSpPr txBox="1"/>
+          <p:nvPr/>
+        </p:nvSpPr>
+        <p:spPr>
+          <a:xfrm>
+            <a:off x="1457246" y="3690179"/>
+            <a:ext cx="1192119" cy="400110"/>
+          </a:xfrm>
+          <a:prstGeom prst="rect">
+            <a:avLst/>
+          </a:prstGeom>
+          <a:noFill/>
+        </p:spPr>
+        <p:txBody>
+          <a:bodyPr wrap="square">
+            <a:spAutoFit/>
+          </a:bodyPr>
+          <a:lstStyle/>
+          <a:p>
+            <a:pPr algn="ctr"/>
+            <a:r>
+              <a:rPr lang="zh-TW" altLang="en-US" sz="2000" b="1" i="0" dirty="0">
+                <a:solidFill>
+                  <a:srgbClr val="7F7F7F"/>
+                </a:solidFill>
+                <a:effectLst/>
+                <a:latin typeface="標楷體" panose="03000509000000000000" pitchFamily="65" charset="-120"/>
+                <a:ea typeface="標楷體" panose="03000509000000000000" pitchFamily="65" charset="-120"/>
+                <a:cs typeface="Times New Roman" panose="02020603050405020304" pitchFamily="18" charset="0"/>
+              </a:rPr>
+              <a:t>移除</a:t>
+            </a:r>
+            <a:endParaRPr lang="zh-TW" altLang="en-US" sz="1200" b="1" dirty="0">
+              <a:solidFill>
+                <a:srgbClr val="7F7F7F"/>
+              </a:solidFill>
+              <a:latin typeface="標楷體" panose="03000509000000000000" pitchFamily="65" charset="-120"/>
+              <a:ea typeface="標楷體" panose="03000509000000000000" pitchFamily="65" charset="-120"/>
+              <a:cs typeface="Times New Roman" panose="02020603050405020304" pitchFamily="18" charset="0"/>
+            </a:endParaRPr>
+          </a:p>
+        </p:txBody>
+      </p:sp>
+      <p:sp>
+        <p:nvSpPr>
+          <p:cNvPr id="34" name="橢圓 33">
+            <a:extLst>
+              <a:ext uri="{FF2B5EF4-FFF2-40B4-BE49-F238E27FC236}">
+                <a16:creationId xmlns:a16="http://schemas.microsoft.com/office/drawing/2014/main" id="{B3CD5306-C010-4139-89A6-6D9CE43275E3}"/>
+              </a:ext>
+            </a:extLst>
+          </p:cNvPr>
+          <p:cNvSpPr/>
+          <p:nvPr/>
+        </p:nvSpPr>
+        <p:spPr>
+          <a:xfrm>
+            <a:off x="9712960" y="2906931"/>
+            <a:ext cx="162560" cy="162560"/>
+          </a:xfrm>
+          <a:prstGeom prst="ellipse">
+            <a:avLst/>
+          </a:prstGeom>
+          <a:solidFill>
+            <a:schemeClr val="tx1"/>
+          </a:solidFill>
+          <a:ln>
+            <a:noFill/>
+          </a:ln>
+        </p:spPr>
+        <p:style>
+          <a:lnRef idx="2">
+            <a:schemeClr val="accent1">
+              <a:shade val="50000"/>
+            </a:schemeClr>
+          </a:lnRef>
+          <a:fillRef idx="1">
+            <a:schemeClr val="accent1"/>
+          </a:fillRef>
+          <a:effectRef idx="0">
+            <a:schemeClr val="accent1"/>
+          </a:effectRef>
+          <a:fontRef idx="minor">
+            <a:schemeClr val="lt1"/>
+          </a:fontRef>
+        </p:style>
+        <p:txBody>
+          <a:bodyPr rtlCol="0" anchor="ctr"/>
+          <a:lstStyle/>
+          <a:p>
+            <a:pPr algn="ctr"/>
+            <a:endParaRPr lang="zh-TW" altLang="en-US"/>
+          </a:p>
+        </p:txBody>
+      </p:sp>
+      <p:sp>
+        <p:nvSpPr>
+          <p:cNvPr id="36" name="橢圓 35">
+            <a:extLst>
+              <a:ext uri="{FF2B5EF4-FFF2-40B4-BE49-F238E27FC236}">
+                <a16:creationId xmlns:a16="http://schemas.microsoft.com/office/drawing/2014/main" id="{D30A6AF4-7D6D-4933-8C20-2685E7D24EAA}"/>
+              </a:ext>
+            </a:extLst>
+          </p:cNvPr>
+          <p:cNvSpPr/>
+          <p:nvPr/>
+        </p:nvSpPr>
+        <p:spPr>
+          <a:xfrm>
+            <a:off x="10873545" y="1271562"/>
+            <a:ext cx="162560" cy="162560"/>
+          </a:xfrm>
+          <a:prstGeom prst="ellipse">
+            <a:avLst/>
+          </a:prstGeom>
+          <a:solidFill>
+            <a:schemeClr val="tx1"/>
+          </a:solidFill>
+          <a:ln>
+            <a:noFill/>
+          </a:ln>
+        </p:spPr>
+        <p:style>
+          <a:lnRef idx="2">
+            <a:schemeClr val="accent1">
+              <a:shade val="50000"/>
+            </a:schemeClr>
+          </a:lnRef>
+          <a:fillRef idx="1">
+            <a:schemeClr val="accent1"/>
+          </a:fillRef>
+          <a:effectRef idx="0">
+            <a:schemeClr val="accent1"/>
+          </a:effectRef>
+          <a:fontRef idx="minor">
+            <a:schemeClr val="lt1"/>
+          </a:fontRef>
+        </p:style>
+        <p:txBody>
+          <a:bodyPr rtlCol="0" anchor="ctr"/>
+          <a:lstStyle/>
+          <a:p>
+            <a:pPr algn="ctr"/>
+            <a:endParaRPr lang="zh-TW" altLang="en-US">
+              <a:solidFill>
+                <a:srgbClr val="FF0000"/>
+              </a:solidFill>
+            </a:endParaRPr>
+          </a:p>
+        </p:txBody>
+      </p:sp>
+      <p:cxnSp>
+        <p:nvCxnSpPr>
+          <p:cNvPr id="38" name="直線接點 37">
+            <a:extLst>
+              <a:ext uri="{FF2B5EF4-FFF2-40B4-BE49-F238E27FC236}">
+                <a16:creationId xmlns:a16="http://schemas.microsoft.com/office/drawing/2014/main" id="{0FC9BD41-7B12-443A-BBC6-C46EA2CFF11D}"/>
+              </a:ext>
+            </a:extLst>
+          </p:cNvPr>
+          <p:cNvCxnSpPr>
+            <a:cxnSpLocks/>
+            <a:stCxn id="36" idx="7"/>
+            <a:endCxn id="39" idx="2"/>
+          </p:cNvCxnSpPr>
+          <p:nvPr/>
+        </p:nvCxnSpPr>
+        <p:spPr>
+          <a:xfrm flipV="1">
+            <a:off x="11012299" y="726291"/>
+            <a:ext cx="1098421" cy="569077"/>
+          </a:xfrm>
+          <a:prstGeom prst="line">
+            <a:avLst/>
+          </a:prstGeom>
+          <a:ln w="19050">
+            <a:solidFill>
+              <a:schemeClr val="tx1"/>
+            </a:solidFill>
+          </a:ln>
+        </p:spPr>
+        <p:style>
+          <a:lnRef idx="1">
+            <a:schemeClr val="accent1"/>
+          </a:lnRef>
+          <a:fillRef idx="0">
+            <a:schemeClr val="accent1"/>
+          </a:fillRef>
+          <a:effectRef idx="0">
+            <a:schemeClr val="accent1"/>
+          </a:effectRef>
+          <a:fontRef idx="minor">
+            <a:schemeClr val="tx1"/>
+          </a:fontRef>
+        </p:style>
+      </p:cxnSp>
+      <p:sp>
+        <p:nvSpPr>
+          <p:cNvPr id="39" name="橢圓 38">
+            <a:extLst>
+              <a:ext uri="{FF2B5EF4-FFF2-40B4-BE49-F238E27FC236}">
+                <a16:creationId xmlns:a16="http://schemas.microsoft.com/office/drawing/2014/main" id="{461B2B0F-51C4-462A-9AFA-B961FE359B4D}"/>
+              </a:ext>
+            </a:extLst>
+          </p:cNvPr>
+          <p:cNvSpPr/>
+          <p:nvPr/>
+        </p:nvSpPr>
+        <p:spPr>
+          <a:xfrm>
+            <a:off x="12110720" y="645011"/>
+            <a:ext cx="162560" cy="162560"/>
+          </a:xfrm>
+          <a:prstGeom prst="ellipse">
+            <a:avLst/>
+          </a:prstGeom>
+          <a:solidFill>
+            <a:srgbClr val="FF0000"/>
+          </a:solidFill>
+          <a:ln>
+            <a:noFill/>
+          </a:ln>
+        </p:spPr>
+        <p:style>
+          <a:lnRef idx="2">
+            <a:schemeClr val="accent1">
+              <a:shade val="50000"/>
+            </a:schemeClr>
+          </a:lnRef>
+          <a:fillRef idx="1">
+            <a:schemeClr val="accent1"/>
+          </a:fillRef>
+          <a:effectRef idx="0">
+            <a:schemeClr val="accent1"/>
+          </a:effectRef>
+          <a:fontRef idx="minor">
+            <a:schemeClr val="lt1"/>
+          </a:fontRef>
+        </p:style>
+        <p:txBody>
+          <a:bodyPr rtlCol="0" anchor="ctr"/>
+          <a:lstStyle/>
+          <a:p>
+            <a:pPr algn="ctr"/>
+            <a:endParaRPr lang="zh-TW" altLang="en-US"/>
+          </a:p>
+        </p:txBody>
+      </p:sp>
+      <p:cxnSp>
+        <p:nvCxnSpPr>
+          <p:cNvPr id="41" name="直線接點 40">
+            <a:extLst>
+              <a:ext uri="{FF2B5EF4-FFF2-40B4-BE49-F238E27FC236}">
+                <a16:creationId xmlns:a16="http://schemas.microsoft.com/office/drawing/2014/main" id="{D6115799-0824-4A4D-A12A-B72CFAA19883}"/>
+              </a:ext>
+            </a:extLst>
+          </p:cNvPr>
+          <p:cNvCxnSpPr>
+            <a:cxnSpLocks/>
+            <a:stCxn id="6" idx="0"/>
+          </p:cNvCxnSpPr>
+          <p:nvPr/>
+        </p:nvCxnSpPr>
+        <p:spPr>
+          <a:xfrm flipV="1">
+            <a:off x="1808479" y="2778369"/>
+            <a:ext cx="310467" cy="487682"/>
+          </a:xfrm>
+          <a:prstGeom prst="line">
+            <a:avLst/>
+          </a:prstGeom>
+          <a:ln w="38100">
+            <a:solidFill>
+              <a:srgbClr val="75AADB"/>
+            </a:solidFill>
+            <a:prstDash val="sysDot"/>
+          </a:ln>
+        </p:spPr>
+        <p:style>
+          <a:lnRef idx="1">
+            <a:schemeClr val="accent1"/>
+          </a:lnRef>
+          <a:fillRef idx="0">
+            <a:schemeClr val="accent1"/>
+          </a:fillRef>
+          <a:effectRef idx="0">
+            <a:schemeClr val="accent1"/>
+          </a:effectRef>
+          <a:fontRef idx="minor">
+            <a:schemeClr val="tx1"/>
+          </a:fontRef>
+        </p:style>
+      </p:cxnSp>
+      <p:sp>
+        <p:nvSpPr>
+          <p:cNvPr id="48" name="文字方塊 47">
+            <a:extLst>
+              <a:ext uri="{FF2B5EF4-FFF2-40B4-BE49-F238E27FC236}">
+                <a16:creationId xmlns:a16="http://schemas.microsoft.com/office/drawing/2014/main" id="{FDC19868-449F-4672-8CAB-A9C5193D6E0A}"/>
+              </a:ext>
+            </a:extLst>
+          </p:cNvPr>
+          <p:cNvSpPr txBox="1"/>
+          <p:nvPr/>
+        </p:nvSpPr>
+        <p:spPr>
+          <a:xfrm>
+            <a:off x="408665" y="304161"/>
+            <a:ext cx="1928213" cy="584775"/>
+          </a:xfrm>
+          <a:prstGeom prst="rect">
+            <a:avLst/>
+          </a:prstGeom>
+          <a:noFill/>
+        </p:spPr>
+        <p:txBody>
+          <a:bodyPr wrap="square">
+            <a:spAutoFit/>
+          </a:bodyPr>
+          <a:lstStyle/>
+          <a:p>
+            <a:pPr algn="ctr"/>
+            <a:r>
+              <a:rPr lang="en-US" altLang="zh-TW" sz="3200" b="1" dirty="0">
+                <a:latin typeface="Times New Roman" panose="02020603050405020304" pitchFamily="18" charset="0"/>
+                <a:cs typeface="Times New Roman" panose="02020603050405020304" pitchFamily="18" charset="0"/>
+              </a:rPr>
+              <a:t>STEP 3</a:t>
+            </a:r>
+            <a:endParaRPr lang="zh-TW" altLang="en-US" sz="2000" b="1" dirty="0"/>
+          </a:p>
+        </p:txBody>
+      </p:sp>
+      <p:sp>
+        <p:nvSpPr>
+          <p:cNvPr id="51" name="矩形 50">
+            <a:extLst>
+              <a:ext uri="{FF2B5EF4-FFF2-40B4-BE49-F238E27FC236}">
+                <a16:creationId xmlns:a16="http://schemas.microsoft.com/office/drawing/2014/main" id="{9692B724-4CB2-4D7A-9970-33122E8E9960}"/>
+              </a:ext>
+            </a:extLst>
+          </p:cNvPr>
+          <p:cNvSpPr/>
+          <p:nvPr/>
+        </p:nvSpPr>
+        <p:spPr>
+          <a:xfrm>
+            <a:off x="0" y="1"/>
+            <a:ext cx="12915825" cy="4622800"/>
+          </a:xfrm>
+          <a:prstGeom prst="rect">
+            <a:avLst/>
+          </a:prstGeom>
+          <a:noFill/>
+          <a:ln>
+            <a:noFill/>
+          </a:ln>
+        </p:spPr>
+        <p:style>
+          <a:lnRef idx="2">
+            <a:schemeClr val="accent1">
+              <a:shade val="50000"/>
+            </a:schemeClr>
+          </a:lnRef>
+          <a:fillRef idx="1">
+            <a:schemeClr val="accent1"/>
+          </a:fillRef>
+          <a:effectRef idx="0">
+            <a:schemeClr val="accent1"/>
+          </a:effectRef>
+          <a:fontRef idx="minor">
+            <a:schemeClr val="lt1"/>
+          </a:fontRef>
+        </p:style>
+        <p:txBody>
+          <a:bodyPr rtlCol="0" anchor="ctr"/>
+          <a:lstStyle/>
+          <a:p>
+            <a:pPr algn="ctr"/>
+            <a:endParaRPr lang="zh-TW" altLang="en-US"/>
+          </a:p>
+        </p:txBody>
+      </p:sp>
+      <p:sp>
+        <p:nvSpPr>
+          <p:cNvPr id="27" name="文字方塊 26">
+            <a:extLst>
+              <a:ext uri="{FF2B5EF4-FFF2-40B4-BE49-F238E27FC236}">
+                <a16:creationId xmlns:a16="http://schemas.microsoft.com/office/drawing/2014/main" id="{ED957F39-B57F-4C2F-B7CC-4E92219A1ADC}"/>
+              </a:ext>
+            </a:extLst>
+          </p:cNvPr>
+          <p:cNvSpPr txBox="1"/>
+          <p:nvPr/>
+        </p:nvSpPr>
+        <p:spPr>
+          <a:xfrm>
+            <a:off x="338525" y="1535360"/>
+            <a:ext cx="1447650" cy="461665"/>
+          </a:xfrm>
+          <a:prstGeom prst="rect">
+            <a:avLst/>
+          </a:prstGeom>
+          <a:noFill/>
+        </p:spPr>
+        <p:txBody>
+          <a:bodyPr wrap="square">
+            <a:spAutoFit/>
+          </a:bodyPr>
+          <a:lstStyle/>
+          <a:p>
+            <a:pPr algn="ctr"/>
+            <a:r>
+              <a:rPr lang="zh-TW" altLang="en-US" sz="2400" b="1" dirty="0">
+                <a:latin typeface="Times New Roman" panose="02020603050405020304" pitchFamily="18" charset="0"/>
+                <a:ea typeface="標楷體" panose="03000509000000000000" pitchFamily="65" charset="-120"/>
+                <a:cs typeface="Times New Roman" panose="02020603050405020304" pitchFamily="18" charset="0"/>
+              </a:rPr>
+              <a:t>首端</a:t>
+            </a:r>
+            <a:endParaRPr lang="zh-TW" altLang="en-US" sz="1400" b="1" dirty="0">
+              <a:latin typeface="Times New Roman" panose="02020603050405020304" pitchFamily="18" charset="0"/>
+              <a:ea typeface="標楷體" panose="03000509000000000000" pitchFamily="65" charset="-120"/>
+              <a:cs typeface="Times New Roman" panose="02020603050405020304" pitchFamily="18" charset="0"/>
+            </a:endParaRPr>
+          </a:p>
+        </p:txBody>
+      </p:sp>
+      <p:sp>
+        <p:nvSpPr>
+          <p:cNvPr id="28" name="文字方塊 27">
+            <a:extLst>
+              <a:ext uri="{FF2B5EF4-FFF2-40B4-BE49-F238E27FC236}">
+                <a16:creationId xmlns:a16="http://schemas.microsoft.com/office/drawing/2014/main" id="{A3E6E815-990C-456C-AE58-6C99926F55C0}"/>
+              </a:ext>
+            </a:extLst>
+          </p:cNvPr>
+          <p:cNvSpPr txBox="1"/>
+          <p:nvPr/>
+        </p:nvSpPr>
+        <p:spPr>
+          <a:xfrm>
+            <a:off x="11468175" y="125872"/>
+            <a:ext cx="1447650" cy="461665"/>
+          </a:xfrm>
+          <a:prstGeom prst="rect">
+            <a:avLst/>
+          </a:prstGeom>
+          <a:noFill/>
+        </p:spPr>
+        <p:txBody>
+          <a:bodyPr wrap="square">
+            <a:spAutoFit/>
+          </a:bodyPr>
+          <a:lstStyle/>
+          <a:p>
+            <a:pPr algn="ctr"/>
+            <a:r>
+              <a:rPr lang="zh-TW" altLang="en-US" sz="2400" b="1" dirty="0">
+                <a:latin typeface="Times New Roman" panose="02020603050405020304" pitchFamily="18" charset="0"/>
+                <a:ea typeface="標楷體" panose="03000509000000000000" pitchFamily="65" charset="-120"/>
+                <a:cs typeface="Times New Roman" panose="02020603050405020304" pitchFamily="18" charset="0"/>
+              </a:rPr>
+              <a:t>末端</a:t>
+            </a:r>
+            <a:endParaRPr lang="zh-TW" altLang="en-US" sz="1400" b="1" dirty="0">
+              <a:latin typeface="Times New Roman" panose="02020603050405020304" pitchFamily="18" charset="0"/>
+              <a:ea typeface="標楷體" panose="03000509000000000000" pitchFamily="65" charset="-120"/>
+              <a:cs typeface="Times New Roman" panose="02020603050405020304" pitchFamily="18" charset="0"/>
+            </a:endParaRPr>
+          </a:p>
+        </p:txBody>
+      </p:sp>
+      <p:sp>
+        <p:nvSpPr>
+          <p:cNvPr id="30" name="文字方塊 29">
+            <a:extLst>
+              <a:ext uri="{FF2B5EF4-FFF2-40B4-BE49-F238E27FC236}">
+                <a16:creationId xmlns:a16="http://schemas.microsoft.com/office/drawing/2014/main" id="{D4A40E72-EA53-469A-83DF-1C59420D879B}"/>
+              </a:ext>
+            </a:extLst>
+          </p:cNvPr>
+          <p:cNvSpPr txBox="1"/>
+          <p:nvPr/>
+        </p:nvSpPr>
+        <p:spPr>
+          <a:xfrm>
+            <a:off x="436760" y="3149679"/>
+            <a:ext cx="1447650" cy="461665"/>
+          </a:xfrm>
+          <a:prstGeom prst="rect">
+            <a:avLst/>
+          </a:prstGeom>
+          <a:noFill/>
+        </p:spPr>
+        <p:txBody>
+          <a:bodyPr wrap="square">
+            <a:spAutoFit/>
+          </a:bodyPr>
+          <a:lstStyle/>
+          <a:p>
+            <a:pPr algn="ctr"/>
+            <a:r>
+              <a:rPr lang="zh-TW" altLang="en-US" sz="2400" b="1" i="0" dirty="0">
+                <a:effectLst/>
+                <a:latin typeface="標楷體" panose="03000509000000000000" pitchFamily="65" charset="-120"/>
+                <a:ea typeface="標楷體" panose="03000509000000000000" pitchFamily="65" charset="-120"/>
+                <a:cs typeface="Times New Roman" panose="02020603050405020304" pitchFamily="18" charset="0"/>
+              </a:rPr>
+              <a:t>最遠點</a:t>
+            </a:r>
+            <a:endParaRPr lang="zh-TW" altLang="en-US" sz="1400" b="1" dirty="0">
+              <a:latin typeface="標楷體" panose="03000509000000000000" pitchFamily="65" charset="-120"/>
+              <a:ea typeface="標楷體" panose="03000509000000000000" pitchFamily="65" charset="-120"/>
+              <a:cs typeface="Times New Roman" panose="02020603050405020304" pitchFamily="18" charset="0"/>
+            </a:endParaRPr>
+          </a:p>
+        </p:txBody>
+      </p:sp>
+    </p:spTree>
+    <p:extLst>
+      <p:ext uri="{BB962C8B-B14F-4D97-AF65-F5344CB8AC3E}">
+        <p14:creationId xmlns:p14="http://schemas.microsoft.com/office/powerpoint/2010/main" val="1841294623"/>
+      </p:ext>
+    </p:extLst>
+  </p:cSld>
+  <p:clrMapOvr>
+    <a:masterClrMapping/>
+  </p:clrMapOvr>
+</p:sld>
+</file>
+
+<file path=ppt/slides/slide22.xml><?xml version="1.0" encoding="utf-8"?>
+<p:sld xmlns:a="http://schemas.openxmlformats.org/drawingml/2006/main" xmlns:r="http://schemas.openxmlformats.org/officeDocument/2006/relationships" xmlns:p="http://schemas.openxmlformats.org/presentationml/2006/main">
+  <p:cSld>
+    <p:spTree>
+      <p:nvGrpSpPr>
+        <p:cNvPr id="1" name=""/>
+        <p:cNvGrpSpPr/>
+        <p:nvPr/>
+      </p:nvGrpSpPr>
+      <p:grpSpPr>
+        <a:xfrm>
+          <a:off x="0" y="0"/>
+          <a:ext cx="0" cy="0"/>
+          <a:chOff x="0" y="0"/>
+          <a:chExt cx="0" cy="0"/>
+        </a:xfrm>
+      </p:grpSpPr>
+      <p:sp>
+        <p:nvSpPr>
+          <p:cNvPr id="4" name="橢圓 3">
+            <a:extLst>
+              <a:ext uri="{FF2B5EF4-FFF2-40B4-BE49-F238E27FC236}">
+                <a16:creationId xmlns:a16="http://schemas.microsoft.com/office/drawing/2014/main" id="{DA869778-0817-4277-91F6-42A34D4CDBF5}"/>
+              </a:ext>
+            </a:extLst>
+          </p:cNvPr>
+          <p:cNvSpPr/>
+          <p:nvPr/>
+        </p:nvSpPr>
+        <p:spPr>
+          <a:xfrm>
+            <a:off x="998025" y="2084948"/>
+            <a:ext cx="162560" cy="162560"/>
+          </a:xfrm>
+          <a:prstGeom prst="ellipse">
+            <a:avLst/>
+          </a:prstGeom>
+          <a:solidFill>
+            <a:srgbClr val="FF0000"/>
+          </a:solidFill>
+          <a:ln>
+            <a:noFill/>
+          </a:ln>
+        </p:spPr>
+        <p:style>
+          <a:lnRef idx="2">
+            <a:schemeClr val="accent1">
+              <a:shade val="50000"/>
+            </a:schemeClr>
+          </a:lnRef>
+          <a:fillRef idx="1">
+            <a:schemeClr val="accent1"/>
+          </a:fillRef>
+          <a:effectRef idx="0">
+            <a:schemeClr val="accent1"/>
+          </a:effectRef>
+          <a:fontRef idx="minor">
+            <a:schemeClr val="lt1"/>
+          </a:fontRef>
+        </p:style>
+        <p:txBody>
+          <a:bodyPr rtlCol="0" anchor="ctr"/>
+          <a:lstStyle/>
+          <a:p>
+            <a:pPr algn="ctr"/>
+            <a:endParaRPr lang="zh-TW" altLang="en-US"/>
+          </a:p>
+        </p:txBody>
+      </p:sp>
+      <p:sp>
+        <p:nvSpPr>
+          <p:cNvPr id="7" name="橢圓 6">
+            <a:extLst>
+              <a:ext uri="{FF2B5EF4-FFF2-40B4-BE49-F238E27FC236}">
+                <a16:creationId xmlns:a16="http://schemas.microsoft.com/office/drawing/2014/main" id="{6BFC05B2-7D2F-4FBE-83E2-4016490FFA40}"/>
+              </a:ext>
+            </a:extLst>
+          </p:cNvPr>
+          <p:cNvSpPr/>
+          <p:nvPr/>
+        </p:nvSpPr>
+        <p:spPr>
+          <a:xfrm>
+            <a:off x="3817972" y="3777527"/>
+            <a:ext cx="162560" cy="162560"/>
+          </a:xfrm>
+          <a:prstGeom prst="ellipse">
+            <a:avLst/>
+          </a:prstGeom>
+          <a:solidFill>
+            <a:srgbClr val="FF0000"/>
+          </a:solidFill>
+          <a:ln>
+            <a:noFill/>
+          </a:ln>
+        </p:spPr>
+        <p:style>
+          <a:lnRef idx="2">
+            <a:schemeClr val="accent1">
+              <a:shade val="50000"/>
+            </a:schemeClr>
+          </a:lnRef>
+          <a:fillRef idx="1">
+            <a:schemeClr val="accent1"/>
+          </a:fillRef>
+          <a:effectRef idx="0">
+            <a:schemeClr val="accent1"/>
+          </a:effectRef>
+          <a:fontRef idx="minor">
+            <a:schemeClr val="lt1"/>
+          </a:fontRef>
+        </p:style>
+        <p:txBody>
+          <a:bodyPr rtlCol="0" anchor="ctr"/>
+          <a:lstStyle/>
+          <a:p>
+            <a:pPr algn="ctr"/>
+            <a:endParaRPr lang="zh-TW" altLang="en-US"/>
+          </a:p>
+        </p:txBody>
+      </p:sp>
+      <p:sp>
+        <p:nvSpPr>
+          <p:cNvPr id="8" name="橢圓 7">
+            <a:extLst>
+              <a:ext uri="{FF2B5EF4-FFF2-40B4-BE49-F238E27FC236}">
+                <a16:creationId xmlns:a16="http://schemas.microsoft.com/office/drawing/2014/main" id="{08B8DFB9-A3A0-487E-BE67-518BEAEE799E}"/>
+              </a:ext>
+            </a:extLst>
+          </p:cNvPr>
+          <p:cNvSpPr/>
+          <p:nvPr/>
+        </p:nvSpPr>
+        <p:spPr>
+          <a:xfrm>
+            <a:off x="5745198" y="3332414"/>
+            <a:ext cx="162560" cy="162560"/>
+          </a:xfrm>
+          <a:prstGeom prst="ellipse">
+            <a:avLst/>
+          </a:prstGeom>
+          <a:solidFill>
+            <a:schemeClr val="tx1"/>
+          </a:solidFill>
+          <a:ln>
+            <a:noFill/>
+          </a:ln>
+        </p:spPr>
+        <p:style>
+          <a:lnRef idx="2">
+            <a:schemeClr val="accent1">
+              <a:shade val="50000"/>
+            </a:schemeClr>
+          </a:lnRef>
+          <a:fillRef idx="1">
+            <a:schemeClr val="accent1"/>
+          </a:fillRef>
+          <a:effectRef idx="0">
+            <a:schemeClr val="accent1"/>
+          </a:effectRef>
+          <a:fontRef idx="minor">
+            <a:schemeClr val="lt1"/>
+          </a:fontRef>
+        </p:style>
+        <p:txBody>
+          <a:bodyPr rtlCol="0" anchor="ctr"/>
+          <a:lstStyle/>
+          <a:p>
+            <a:pPr algn="ctr"/>
+            <a:endParaRPr lang="zh-TW" altLang="en-US"/>
+          </a:p>
+        </p:txBody>
+      </p:sp>
+      <p:sp>
+        <p:nvSpPr>
+          <p:cNvPr id="9" name="橢圓 8">
+            <a:extLst>
+              <a:ext uri="{FF2B5EF4-FFF2-40B4-BE49-F238E27FC236}">
+                <a16:creationId xmlns:a16="http://schemas.microsoft.com/office/drawing/2014/main" id="{D47F1CED-8281-475E-BEB7-E6828E11914C}"/>
+              </a:ext>
+            </a:extLst>
+          </p:cNvPr>
+          <p:cNvSpPr/>
+          <p:nvPr/>
+        </p:nvSpPr>
+        <p:spPr>
+          <a:xfrm>
+            <a:off x="7306916" y="2090418"/>
+            <a:ext cx="162560" cy="162560"/>
+          </a:xfrm>
+          <a:prstGeom prst="ellipse">
+            <a:avLst/>
+          </a:prstGeom>
+          <a:solidFill>
+            <a:schemeClr val="tx1"/>
+          </a:solidFill>
+          <a:ln>
+            <a:noFill/>
+          </a:ln>
+        </p:spPr>
+        <p:style>
+          <a:lnRef idx="2">
+            <a:schemeClr val="accent1">
+              <a:shade val="50000"/>
+            </a:schemeClr>
+          </a:lnRef>
+          <a:fillRef idx="1">
+            <a:schemeClr val="accent1"/>
+          </a:fillRef>
+          <a:effectRef idx="0">
+            <a:schemeClr val="accent1"/>
+          </a:effectRef>
+          <a:fontRef idx="minor">
+            <a:schemeClr val="lt1"/>
+          </a:fontRef>
+        </p:style>
+        <p:txBody>
+          <a:bodyPr rtlCol="0" anchor="ctr"/>
+          <a:lstStyle/>
+          <a:p>
+            <a:pPr algn="ctr"/>
+            <a:endParaRPr lang="zh-TW" altLang="en-US"/>
+          </a:p>
+        </p:txBody>
+      </p:sp>
+      <p:cxnSp>
+        <p:nvCxnSpPr>
+          <p:cNvPr id="18" name="直線接點 17">
+            <a:extLst>
+              <a:ext uri="{FF2B5EF4-FFF2-40B4-BE49-F238E27FC236}">
+                <a16:creationId xmlns:a16="http://schemas.microsoft.com/office/drawing/2014/main" id="{E839F313-B193-40F8-B2F8-7D44A24775AF}"/>
+              </a:ext>
+            </a:extLst>
+          </p:cNvPr>
+          <p:cNvCxnSpPr>
+            <a:cxnSpLocks/>
+            <a:stCxn id="7" idx="6"/>
+            <a:endCxn id="8" idx="2"/>
+          </p:cNvCxnSpPr>
+          <p:nvPr/>
+        </p:nvCxnSpPr>
+        <p:spPr>
+          <a:xfrm flipV="1">
+            <a:off x="3980532" y="3413694"/>
+            <a:ext cx="1764666" cy="445113"/>
+          </a:xfrm>
+          <a:prstGeom prst="line">
+            <a:avLst/>
+          </a:prstGeom>
+          <a:ln w="19050">
+            <a:solidFill>
+              <a:schemeClr val="tx1"/>
+            </a:solidFill>
+          </a:ln>
+        </p:spPr>
+        <p:style>
+          <a:lnRef idx="1">
+            <a:schemeClr val="accent1"/>
+          </a:lnRef>
+          <a:fillRef idx="0">
+            <a:schemeClr val="accent1"/>
+          </a:fillRef>
+          <a:effectRef idx="0">
+            <a:schemeClr val="accent1"/>
+          </a:effectRef>
+          <a:fontRef idx="minor">
+            <a:schemeClr val="tx1"/>
+          </a:fontRef>
+        </p:style>
+      </p:cxnSp>
+      <p:cxnSp>
+        <p:nvCxnSpPr>
+          <p:cNvPr id="21" name="直線接點 20">
+            <a:extLst>
+              <a:ext uri="{FF2B5EF4-FFF2-40B4-BE49-F238E27FC236}">
+                <a16:creationId xmlns:a16="http://schemas.microsoft.com/office/drawing/2014/main" id="{C56EB324-6413-4813-94DD-AD13BB938D87}"/>
+              </a:ext>
+            </a:extLst>
+          </p:cNvPr>
+          <p:cNvCxnSpPr>
+            <a:cxnSpLocks/>
+            <a:stCxn id="8" idx="7"/>
+            <a:endCxn id="9" idx="3"/>
+          </p:cNvCxnSpPr>
+          <p:nvPr/>
+        </p:nvCxnSpPr>
+        <p:spPr>
+          <a:xfrm flipV="1">
+            <a:off x="5883952" y="2229172"/>
+            <a:ext cx="1446770" cy="1127048"/>
+          </a:xfrm>
+          <a:prstGeom prst="line">
+            <a:avLst/>
+          </a:prstGeom>
+          <a:ln w="19050">
+            <a:solidFill>
+              <a:schemeClr val="tx1"/>
+            </a:solidFill>
+          </a:ln>
+        </p:spPr>
+        <p:style>
+          <a:lnRef idx="1">
+            <a:schemeClr val="accent1"/>
+          </a:lnRef>
+          <a:fillRef idx="0">
+            <a:schemeClr val="accent1"/>
+          </a:fillRef>
+          <a:effectRef idx="0">
+            <a:schemeClr val="accent1"/>
+          </a:effectRef>
+          <a:fontRef idx="minor">
+            <a:schemeClr val="tx1"/>
+          </a:fontRef>
+        </p:style>
+      </p:cxnSp>
+      <p:cxnSp>
+        <p:nvCxnSpPr>
+          <p:cNvPr id="31" name="直線接點 30">
+            <a:extLst>
+              <a:ext uri="{FF2B5EF4-FFF2-40B4-BE49-F238E27FC236}">
+                <a16:creationId xmlns:a16="http://schemas.microsoft.com/office/drawing/2014/main" id="{C24A4E78-75A6-4DE3-913A-0A5F8DC35CC7}"/>
+              </a:ext>
+            </a:extLst>
+          </p:cNvPr>
+          <p:cNvCxnSpPr>
+            <a:cxnSpLocks/>
+            <a:stCxn id="37" idx="2"/>
+            <a:endCxn id="9" idx="6"/>
+          </p:cNvCxnSpPr>
+          <p:nvPr/>
+        </p:nvCxnSpPr>
+        <p:spPr>
+          <a:xfrm flipH="1" flipV="1">
+            <a:off x="7469476" y="2171698"/>
+            <a:ext cx="2243484" cy="816513"/>
+          </a:xfrm>
+          <a:prstGeom prst="line">
+            <a:avLst/>
+          </a:prstGeom>
+          <a:ln w="19050">
+            <a:solidFill>
+              <a:schemeClr val="tx1"/>
+            </a:solidFill>
+          </a:ln>
+        </p:spPr>
+        <p:style>
+          <a:lnRef idx="1">
+            <a:schemeClr val="accent1"/>
+          </a:lnRef>
+          <a:fillRef idx="0">
+            <a:schemeClr val="accent1"/>
+          </a:fillRef>
+          <a:effectRef idx="0">
+            <a:schemeClr val="accent1"/>
+          </a:effectRef>
+          <a:fontRef idx="minor">
+            <a:schemeClr val="tx1"/>
+          </a:fontRef>
+        </p:style>
+      </p:cxnSp>
+      <p:cxnSp>
+        <p:nvCxnSpPr>
+          <p:cNvPr id="35" name="直線接點 34">
+            <a:extLst>
+              <a:ext uri="{FF2B5EF4-FFF2-40B4-BE49-F238E27FC236}">
+                <a16:creationId xmlns:a16="http://schemas.microsoft.com/office/drawing/2014/main" id="{55FF4FC9-065B-4F19-8E98-E25A9D577734}"/>
+              </a:ext>
+            </a:extLst>
+          </p:cNvPr>
+          <p:cNvCxnSpPr>
+            <a:cxnSpLocks/>
+            <a:stCxn id="37" idx="6"/>
+          </p:cNvCxnSpPr>
+          <p:nvPr/>
+        </p:nvCxnSpPr>
+        <p:spPr>
+          <a:xfrm flipV="1">
+            <a:off x="9875520" y="1410316"/>
+            <a:ext cx="1021831" cy="1577895"/>
+          </a:xfrm>
+          <a:prstGeom prst="line">
+            <a:avLst/>
+          </a:prstGeom>
+          <a:ln w="19050">
+            <a:solidFill>
+              <a:schemeClr val="tx1"/>
+            </a:solidFill>
+          </a:ln>
+        </p:spPr>
+        <p:style>
+          <a:lnRef idx="1">
+            <a:schemeClr val="accent1"/>
+          </a:lnRef>
+          <a:fillRef idx="0">
+            <a:schemeClr val="accent1"/>
+          </a:fillRef>
+          <a:effectRef idx="0">
+            <a:schemeClr val="accent1"/>
+          </a:effectRef>
+          <a:fontRef idx="minor">
+            <a:schemeClr val="tx1"/>
+          </a:fontRef>
+        </p:style>
+      </p:cxnSp>
+      <p:cxnSp>
+        <p:nvCxnSpPr>
+          <p:cNvPr id="3" name="直線接點 2">
+            <a:extLst>
+              <a:ext uri="{FF2B5EF4-FFF2-40B4-BE49-F238E27FC236}">
+                <a16:creationId xmlns:a16="http://schemas.microsoft.com/office/drawing/2014/main" id="{B7EF7A4F-00E7-4834-96DB-2EC549BE0D07}"/>
+              </a:ext>
+            </a:extLst>
+          </p:cNvPr>
+          <p:cNvCxnSpPr>
+            <a:cxnSpLocks/>
+            <a:stCxn id="44" idx="2"/>
+            <a:endCxn id="7" idx="6"/>
+          </p:cNvCxnSpPr>
+          <p:nvPr/>
+        </p:nvCxnSpPr>
+        <p:spPr>
+          <a:xfrm flipH="1">
+            <a:off x="3980532" y="726291"/>
+            <a:ext cx="8130188" cy="3132516"/>
+          </a:xfrm>
+          <a:prstGeom prst="line">
+            <a:avLst/>
+          </a:prstGeom>
+          <a:ln w="28575">
+            <a:solidFill>
+              <a:srgbClr val="75AADB"/>
+            </a:solidFill>
+          </a:ln>
+        </p:spPr>
+        <p:style>
+          <a:lnRef idx="1">
+            <a:schemeClr val="accent1"/>
+          </a:lnRef>
+          <a:fillRef idx="0">
+            <a:schemeClr val="accent1"/>
+          </a:fillRef>
+          <a:effectRef idx="0">
+            <a:schemeClr val="accent1"/>
+          </a:effectRef>
+          <a:fontRef idx="minor">
+            <a:schemeClr val="tx1"/>
+          </a:fontRef>
+        </p:style>
+      </p:cxnSp>
+      <p:sp>
+        <p:nvSpPr>
+          <p:cNvPr id="22" name="文字方塊 21">
+            <a:extLst>
+              <a:ext uri="{FF2B5EF4-FFF2-40B4-BE49-F238E27FC236}">
+                <a16:creationId xmlns:a16="http://schemas.microsoft.com/office/drawing/2014/main" id="{5AE68189-21B9-4169-B7FC-2C97A56A28D5}"/>
+              </a:ext>
+            </a:extLst>
+          </p:cNvPr>
+          <p:cNvSpPr txBox="1"/>
+          <p:nvPr/>
+        </p:nvSpPr>
+        <p:spPr>
+          <a:xfrm>
+            <a:off x="8992465" y="2209412"/>
+            <a:ext cx="567784" cy="461665"/>
+          </a:xfrm>
+          <a:prstGeom prst="rect">
+            <a:avLst/>
+          </a:prstGeom>
+          <a:noFill/>
+        </p:spPr>
+        <p:txBody>
+          <a:bodyPr wrap="square">
+            <a:spAutoFit/>
+          </a:bodyPr>
+          <a:lstStyle>
+            <a:defPPr>
+              <a:defRPr lang="zh-TW"/>
+            </a:defPPr>
+            <a:lvl1pPr algn="ctr">
+              <a:defRPr sz="2400" b="1" i="0">
+                <a:effectLst/>
+                <a:latin typeface="Times New Roman" panose="02020603050405020304" pitchFamily="18" charset="0"/>
+                <a:cs typeface="Times New Roman" panose="02020603050405020304" pitchFamily="18" charset="0"/>
+              </a:defRPr>
+            </a:lvl1pPr>
+          </a:lstStyle>
+          <a:p>
+            <a:r>
+              <a:rPr lang="en-US" altLang="zh-TW" dirty="0"/>
+              <a:t>&gt; </a:t>
+            </a:r>
+            <a:r>
+              <a:rPr lang="el-GR" altLang="zh-TW" dirty="0"/>
+              <a:t>ε</a:t>
+            </a:r>
+            <a:endParaRPr lang="zh-TW" altLang="en-US" dirty="0"/>
+          </a:p>
+        </p:txBody>
+      </p:sp>
+      <p:cxnSp>
+        <p:nvCxnSpPr>
+          <p:cNvPr id="25" name="接點: 弧形 24">
+            <a:extLst>
+              <a:ext uri="{FF2B5EF4-FFF2-40B4-BE49-F238E27FC236}">
+                <a16:creationId xmlns:a16="http://schemas.microsoft.com/office/drawing/2014/main" id="{AAB4A5FD-43B9-41CE-B386-31D7C60457FF}"/>
+              </a:ext>
+            </a:extLst>
+          </p:cNvPr>
+          <p:cNvCxnSpPr>
+            <a:cxnSpLocks/>
+            <a:stCxn id="22" idx="1"/>
+            <a:endCxn id="37" idx="3"/>
+          </p:cNvCxnSpPr>
+          <p:nvPr/>
+        </p:nvCxnSpPr>
+        <p:spPr>
+          <a:xfrm rot="10800000" flipH="1" flipV="1">
+            <a:off x="8992464" y="2440245"/>
+            <a:ext cx="744301" cy="605440"/>
+          </a:xfrm>
+          <a:prstGeom prst="curvedConnector4">
+            <a:avLst>
+              <a:gd name="adj1" fmla="val -30713"/>
+              <a:gd name="adj2" fmla="val 141690"/>
+            </a:avLst>
+          </a:prstGeom>
+          <a:ln w="38100">
+            <a:solidFill>
+              <a:srgbClr val="002060"/>
+            </a:solidFill>
+            <a:tailEnd type="triangle"/>
+          </a:ln>
+        </p:spPr>
+        <p:style>
+          <a:lnRef idx="1">
+            <a:schemeClr val="accent1"/>
+          </a:lnRef>
+          <a:fillRef idx="0">
+            <a:schemeClr val="accent1"/>
+          </a:fillRef>
+          <a:effectRef idx="0">
+            <a:schemeClr val="accent1"/>
+          </a:effectRef>
+          <a:fontRef idx="minor">
+            <a:schemeClr val="tx1"/>
+          </a:fontRef>
+        </p:style>
+      </p:cxnSp>
+      <p:sp>
+        <p:nvSpPr>
+          <p:cNvPr id="37" name="橢圓 36">
+            <a:extLst>
+              <a:ext uri="{FF2B5EF4-FFF2-40B4-BE49-F238E27FC236}">
+                <a16:creationId xmlns:a16="http://schemas.microsoft.com/office/drawing/2014/main" id="{ABD8121F-AAAE-44B1-82A5-6B363CD6B094}"/>
+              </a:ext>
+            </a:extLst>
+          </p:cNvPr>
+          <p:cNvSpPr/>
+          <p:nvPr/>
+        </p:nvSpPr>
+        <p:spPr>
+          <a:xfrm>
+            <a:off x="9712960" y="2906931"/>
+            <a:ext cx="162560" cy="162560"/>
+          </a:xfrm>
+          <a:prstGeom prst="ellipse">
+            <a:avLst/>
+          </a:prstGeom>
+          <a:solidFill>
+            <a:srgbClr val="FF0000"/>
+          </a:solidFill>
+          <a:ln>
+            <a:noFill/>
+          </a:ln>
+        </p:spPr>
+        <p:style>
+          <a:lnRef idx="2">
+            <a:schemeClr val="accent1">
+              <a:shade val="50000"/>
+            </a:schemeClr>
+          </a:lnRef>
+          <a:fillRef idx="1">
+            <a:schemeClr val="accent1"/>
+          </a:fillRef>
+          <a:effectRef idx="0">
+            <a:schemeClr val="accent1"/>
+          </a:effectRef>
+          <a:fontRef idx="minor">
+            <a:schemeClr val="lt1"/>
+          </a:fontRef>
+        </p:style>
+        <p:txBody>
+          <a:bodyPr rtlCol="0" anchor="ctr"/>
+          <a:lstStyle/>
+          <a:p>
+            <a:pPr algn="ctr"/>
+            <a:endParaRPr lang="zh-TW" altLang="en-US"/>
+          </a:p>
+        </p:txBody>
+      </p:sp>
+      <p:sp>
+        <p:nvSpPr>
+          <p:cNvPr id="41" name="橢圓 40">
+            <a:extLst>
+              <a:ext uri="{FF2B5EF4-FFF2-40B4-BE49-F238E27FC236}">
+                <a16:creationId xmlns:a16="http://schemas.microsoft.com/office/drawing/2014/main" id="{2C88A048-641D-41A0-921C-4416771855D9}"/>
+              </a:ext>
+            </a:extLst>
+          </p:cNvPr>
+          <p:cNvSpPr/>
+          <p:nvPr/>
+        </p:nvSpPr>
+        <p:spPr>
+          <a:xfrm>
+            <a:off x="10873545" y="1271562"/>
+            <a:ext cx="162560" cy="162560"/>
+          </a:xfrm>
+          <a:prstGeom prst="ellipse">
+            <a:avLst/>
+          </a:prstGeom>
+          <a:solidFill>
+            <a:schemeClr val="tx1"/>
+          </a:solidFill>
+          <a:ln>
+            <a:noFill/>
+          </a:ln>
+        </p:spPr>
+        <p:style>
+          <a:lnRef idx="2">
+            <a:schemeClr val="accent1">
+              <a:shade val="50000"/>
+            </a:schemeClr>
+          </a:lnRef>
+          <a:fillRef idx="1">
+            <a:schemeClr val="accent1"/>
+          </a:fillRef>
+          <a:effectRef idx="0">
+            <a:schemeClr val="accent1"/>
+          </a:effectRef>
+          <a:fontRef idx="minor">
+            <a:schemeClr val="lt1"/>
+          </a:fontRef>
+        </p:style>
+        <p:txBody>
+          <a:bodyPr rtlCol="0" anchor="ctr"/>
+          <a:lstStyle/>
+          <a:p>
+            <a:pPr algn="ctr"/>
+            <a:endParaRPr lang="zh-TW" altLang="en-US">
+              <a:solidFill>
+                <a:srgbClr val="FF0000"/>
+              </a:solidFill>
+            </a:endParaRPr>
+          </a:p>
+        </p:txBody>
+      </p:sp>
+      <p:cxnSp>
+        <p:nvCxnSpPr>
+          <p:cNvPr id="43" name="直線接點 42">
+            <a:extLst>
+              <a:ext uri="{FF2B5EF4-FFF2-40B4-BE49-F238E27FC236}">
+                <a16:creationId xmlns:a16="http://schemas.microsoft.com/office/drawing/2014/main" id="{3A5E6164-2F06-4992-B746-9E509732E45F}"/>
+              </a:ext>
+            </a:extLst>
+          </p:cNvPr>
+          <p:cNvCxnSpPr>
+            <a:cxnSpLocks/>
+            <a:stCxn id="41" idx="7"/>
+            <a:endCxn id="44" idx="2"/>
+          </p:cNvCxnSpPr>
+          <p:nvPr/>
+        </p:nvCxnSpPr>
+        <p:spPr>
+          <a:xfrm flipV="1">
+            <a:off x="11012299" y="726291"/>
+            <a:ext cx="1098421" cy="569077"/>
+          </a:xfrm>
+          <a:prstGeom prst="line">
+            <a:avLst/>
+          </a:prstGeom>
+          <a:ln w="19050">
+            <a:solidFill>
+              <a:schemeClr val="tx1"/>
+            </a:solidFill>
+          </a:ln>
+        </p:spPr>
+        <p:style>
+          <a:lnRef idx="1">
+            <a:schemeClr val="accent1"/>
+          </a:lnRef>
+          <a:fillRef idx="0">
+            <a:schemeClr val="accent1"/>
+          </a:fillRef>
+          <a:effectRef idx="0">
+            <a:schemeClr val="accent1"/>
+          </a:effectRef>
+          <a:fontRef idx="minor">
+            <a:schemeClr val="tx1"/>
+          </a:fontRef>
+        </p:style>
+      </p:cxnSp>
+      <p:sp>
+        <p:nvSpPr>
+          <p:cNvPr id="44" name="橢圓 43">
+            <a:extLst>
+              <a:ext uri="{FF2B5EF4-FFF2-40B4-BE49-F238E27FC236}">
+                <a16:creationId xmlns:a16="http://schemas.microsoft.com/office/drawing/2014/main" id="{471539CA-2D64-46A2-82E4-367E140A43BA}"/>
+              </a:ext>
+            </a:extLst>
+          </p:cNvPr>
+          <p:cNvSpPr/>
+          <p:nvPr/>
+        </p:nvSpPr>
+        <p:spPr>
+          <a:xfrm>
+            <a:off x="12110720" y="645011"/>
+            <a:ext cx="162560" cy="162560"/>
+          </a:xfrm>
+          <a:prstGeom prst="ellipse">
+            <a:avLst/>
+          </a:prstGeom>
+          <a:solidFill>
+            <a:srgbClr val="FF0000"/>
+          </a:solidFill>
+          <a:ln>
+            <a:noFill/>
+          </a:ln>
+        </p:spPr>
+        <p:style>
+          <a:lnRef idx="2">
+            <a:schemeClr val="accent1">
+              <a:shade val="50000"/>
+            </a:schemeClr>
+          </a:lnRef>
+          <a:fillRef idx="1">
+            <a:schemeClr val="accent1"/>
+          </a:fillRef>
+          <a:effectRef idx="0">
+            <a:schemeClr val="accent1"/>
+          </a:effectRef>
+          <a:fontRef idx="minor">
+            <a:schemeClr val="lt1"/>
+          </a:fontRef>
+        </p:style>
+        <p:txBody>
+          <a:bodyPr rtlCol="0" anchor="ctr"/>
+          <a:lstStyle/>
+          <a:p>
+            <a:pPr algn="ctr"/>
+            <a:endParaRPr lang="zh-TW" altLang="en-US"/>
+          </a:p>
+        </p:txBody>
+      </p:sp>
+      <p:cxnSp>
+        <p:nvCxnSpPr>
+          <p:cNvPr id="48" name="直線接點 47">
+            <a:extLst>
+              <a:ext uri="{FF2B5EF4-FFF2-40B4-BE49-F238E27FC236}">
+                <a16:creationId xmlns:a16="http://schemas.microsoft.com/office/drawing/2014/main" id="{FCFBD0C8-B62B-4779-8E4A-637E1AF1EBD0}"/>
+              </a:ext>
+            </a:extLst>
+          </p:cNvPr>
+          <p:cNvCxnSpPr>
+            <a:cxnSpLocks/>
+            <a:stCxn id="37" idx="1"/>
+          </p:cNvCxnSpPr>
+          <p:nvPr/>
+        </p:nvCxnSpPr>
+        <p:spPr>
+          <a:xfrm flipH="1" flipV="1">
+            <a:off x="9268353" y="1837592"/>
+            <a:ext cx="468413" cy="1093145"/>
+          </a:xfrm>
+          <a:prstGeom prst="line">
+            <a:avLst/>
+          </a:prstGeom>
+          <a:ln w="38100">
+            <a:solidFill>
+              <a:srgbClr val="75AADB"/>
+            </a:solidFill>
+            <a:prstDash val="sysDot"/>
+          </a:ln>
+        </p:spPr>
+        <p:style>
+          <a:lnRef idx="1">
+            <a:schemeClr val="accent1"/>
+          </a:lnRef>
+          <a:fillRef idx="0">
+            <a:schemeClr val="accent1"/>
+          </a:fillRef>
+          <a:effectRef idx="0">
+            <a:schemeClr val="accent1"/>
+          </a:effectRef>
+          <a:fontRef idx="minor">
+            <a:schemeClr val="tx1"/>
+          </a:fontRef>
+        </p:style>
+      </p:cxnSp>
+      <p:cxnSp>
+        <p:nvCxnSpPr>
+          <p:cNvPr id="52" name="直線接點 51">
+            <a:extLst>
+              <a:ext uri="{FF2B5EF4-FFF2-40B4-BE49-F238E27FC236}">
+                <a16:creationId xmlns:a16="http://schemas.microsoft.com/office/drawing/2014/main" id="{6B05BAE1-B3D9-45E2-9CC8-974F95710684}"/>
+              </a:ext>
+            </a:extLst>
+          </p:cNvPr>
+          <p:cNvCxnSpPr>
+            <a:cxnSpLocks/>
+          </p:cNvCxnSpPr>
+          <p:nvPr/>
+        </p:nvCxnSpPr>
+        <p:spPr>
+          <a:xfrm>
+            <a:off x="1160585" y="2166228"/>
+            <a:ext cx="2681193" cy="1635105"/>
+          </a:xfrm>
+          <a:prstGeom prst="line">
+            <a:avLst/>
+          </a:prstGeom>
+          <a:ln w="28575">
+            <a:solidFill>
+              <a:srgbClr val="FF0000"/>
+            </a:solidFill>
+          </a:ln>
+        </p:spPr>
+        <p:style>
+          <a:lnRef idx="1">
+            <a:schemeClr val="accent1"/>
+          </a:lnRef>
+          <a:fillRef idx="0">
+            <a:schemeClr val="accent1"/>
+          </a:fillRef>
+          <a:effectRef idx="0">
+            <a:schemeClr val="accent1"/>
+          </a:effectRef>
+          <a:fontRef idx="minor">
+            <a:schemeClr val="tx1"/>
+          </a:fontRef>
+        </p:style>
+      </p:cxnSp>
+      <p:sp>
+        <p:nvSpPr>
+          <p:cNvPr id="53" name="文字方塊 52">
+            <a:extLst>
+              <a:ext uri="{FF2B5EF4-FFF2-40B4-BE49-F238E27FC236}">
+                <a16:creationId xmlns:a16="http://schemas.microsoft.com/office/drawing/2014/main" id="{57B1CFB7-1685-4D63-A9B8-018FFD06C5DD}"/>
+              </a:ext>
+            </a:extLst>
+          </p:cNvPr>
+          <p:cNvSpPr txBox="1"/>
+          <p:nvPr/>
+        </p:nvSpPr>
+        <p:spPr>
+          <a:xfrm>
+            <a:off x="408665" y="304161"/>
+            <a:ext cx="1928213" cy="584775"/>
+          </a:xfrm>
+          <a:prstGeom prst="rect">
+            <a:avLst/>
+          </a:prstGeom>
+          <a:noFill/>
+        </p:spPr>
+        <p:txBody>
+          <a:bodyPr wrap="square">
+            <a:spAutoFit/>
+          </a:bodyPr>
+          <a:lstStyle/>
+          <a:p>
+            <a:pPr algn="ctr"/>
+            <a:r>
+              <a:rPr lang="en-US" altLang="zh-TW" sz="3200" b="1" dirty="0">
+                <a:latin typeface="Times New Roman" panose="02020603050405020304" pitchFamily="18" charset="0"/>
+                <a:cs typeface="Times New Roman" panose="02020603050405020304" pitchFamily="18" charset="0"/>
+              </a:rPr>
+              <a:t>STEP 4</a:t>
+            </a:r>
+            <a:endParaRPr lang="zh-TW" altLang="en-US" sz="2000" b="1" dirty="0"/>
+          </a:p>
+        </p:txBody>
+      </p:sp>
+      <p:sp>
+        <p:nvSpPr>
+          <p:cNvPr id="56" name="矩形 55">
+            <a:extLst>
+              <a:ext uri="{FF2B5EF4-FFF2-40B4-BE49-F238E27FC236}">
+                <a16:creationId xmlns:a16="http://schemas.microsoft.com/office/drawing/2014/main" id="{7023865E-D59D-4006-8B39-AE00A028DF17}"/>
+              </a:ext>
+            </a:extLst>
+          </p:cNvPr>
+          <p:cNvSpPr/>
+          <p:nvPr/>
+        </p:nvSpPr>
+        <p:spPr>
+          <a:xfrm>
+            <a:off x="0" y="1"/>
+            <a:ext cx="12915825" cy="4622800"/>
+          </a:xfrm>
+          <a:prstGeom prst="rect">
+            <a:avLst/>
+          </a:prstGeom>
+          <a:noFill/>
+          <a:ln>
+            <a:noFill/>
+          </a:ln>
+        </p:spPr>
+        <p:style>
+          <a:lnRef idx="2">
+            <a:schemeClr val="accent1">
+              <a:shade val="50000"/>
+            </a:schemeClr>
+          </a:lnRef>
+          <a:fillRef idx="1">
+            <a:schemeClr val="accent1"/>
+          </a:fillRef>
+          <a:effectRef idx="0">
+            <a:schemeClr val="accent1"/>
+          </a:effectRef>
+          <a:fontRef idx="minor">
+            <a:schemeClr val="lt1"/>
+          </a:fontRef>
+        </p:style>
+        <p:txBody>
+          <a:bodyPr rtlCol="0" anchor="ctr"/>
+          <a:lstStyle/>
+          <a:p>
+            <a:pPr algn="ctr"/>
+            <a:endParaRPr lang="zh-TW" altLang="en-US"/>
+          </a:p>
+        </p:txBody>
+      </p:sp>
+      <p:sp>
+        <p:nvSpPr>
+          <p:cNvPr id="27" name="文字方塊 26">
+            <a:extLst>
+              <a:ext uri="{FF2B5EF4-FFF2-40B4-BE49-F238E27FC236}">
+                <a16:creationId xmlns:a16="http://schemas.microsoft.com/office/drawing/2014/main" id="{2455F21C-52D1-4E99-8472-D00B1340F512}"/>
+              </a:ext>
+            </a:extLst>
+          </p:cNvPr>
+          <p:cNvSpPr txBox="1"/>
+          <p:nvPr/>
+        </p:nvSpPr>
+        <p:spPr>
+          <a:xfrm>
+            <a:off x="338525" y="1535360"/>
+            <a:ext cx="1447650" cy="461665"/>
+          </a:xfrm>
+          <a:prstGeom prst="rect">
+            <a:avLst/>
+          </a:prstGeom>
+          <a:noFill/>
+        </p:spPr>
+        <p:txBody>
+          <a:bodyPr wrap="square">
+            <a:spAutoFit/>
+          </a:bodyPr>
+          <a:lstStyle/>
+          <a:p>
+            <a:pPr algn="ctr"/>
+            <a:r>
+              <a:rPr lang="zh-TW" altLang="en-US" sz="2400" b="1" dirty="0">
+                <a:latin typeface="Times New Roman" panose="02020603050405020304" pitchFamily="18" charset="0"/>
+                <a:ea typeface="標楷體" panose="03000509000000000000" pitchFamily="65" charset="-120"/>
+                <a:cs typeface="Times New Roman" panose="02020603050405020304" pitchFamily="18" charset="0"/>
+              </a:rPr>
+              <a:t>首端</a:t>
+            </a:r>
+            <a:endParaRPr lang="zh-TW" altLang="en-US" sz="1400" b="1" dirty="0">
+              <a:latin typeface="Times New Roman" panose="02020603050405020304" pitchFamily="18" charset="0"/>
+              <a:ea typeface="標楷體" panose="03000509000000000000" pitchFamily="65" charset="-120"/>
+              <a:cs typeface="Times New Roman" panose="02020603050405020304" pitchFamily="18" charset="0"/>
+            </a:endParaRPr>
+          </a:p>
+        </p:txBody>
+      </p:sp>
+      <p:sp>
+        <p:nvSpPr>
+          <p:cNvPr id="28" name="文字方塊 27">
+            <a:extLst>
+              <a:ext uri="{FF2B5EF4-FFF2-40B4-BE49-F238E27FC236}">
+                <a16:creationId xmlns:a16="http://schemas.microsoft.com/office/drawing/2014/main" id="{1972D4BD-CAAF-4E3D-995F-05AFF2701918}"/>
+              </a:ext>
+            </a:extLst>
+          </p:cNvPr>
+          <p:cNvSpPr txBox="1"/>
+          <p:nvPr/>
+        </p:nvSpPr>
+        <p:spPr>
+          <a:xfrm>
+            <a:off x="11468175" y="125872"/>
+            <a:ext cx="1447650" cy="461665"/>
+          </a:xfrm>
+          <a:prstGeom prst="rect">
+            <a:avLst/>
+          </a:prstGeom>
+          <a:noFill/>
+        </p:spPr>
+        <p:txBody>
+          <a:bodyPr wrap="square">
+            <a:spAutoFit/>
+          </a:bodyPr>
+          <a:lstStyle/>
+          <a:p>
+            <a:pPr algn="ctr"/>
+            <a:r>
+              <a:rPr lang="zh-TW" altLang="en-US" sz="2400" b="1" dirty="0">
+                <a:latin typeface="Times New Roman" panose="02020603050405020304" pitchFamily="18" charset="0"/>
+                <a:ea typeface="標楷體" panose="03000509000000000000" pitchFamily="65" charset="-120"/>
+                <a:cs typeface="Times New Roman" panose="02020603050405020304" pitchFamily="18" charset="0"/>
+              </a:rPr>
+              <a:t>末端</a:t>
+            </a:r>
+            <a:endParaRPr lang="zh-TW" altLang="en-US" sz="1400" b="1" dirty="0">
+              <a:latin typeface="Times New Roman" panose="02020603050405020304" pitchFamily="18" charset="0"/>
+              <a:ea typeface="標楷體" panose="03000509000000000000" pitchFamily="65" charset="-120"/>
+              <a:cs typeface="Times New Roman" panose="02020603050405020304" pitchFamily="18" charset="0"/>
+            </a:endParaRPr>
+          </a:p>
+        </p:txBody>
+      </p:sp>
+      <p:sp>
+        <p:nvSpPr>
+          <p:cNvPr id="29" name="文字方塊 28">
+            <a:extLst>
+              <a:ext uri="{FF2B5EF4-FFF2-40B4-BE49-F238E27FC236}">
+                <a16:creationId xmlns:a16="http://schemas.microsoft.com/office/drawing/2014/main" id="{5FDF50BA-DCDA-41B7-9ACE-3DFCC867C329}"/>
+              </a:ext>
+            </a:extLst>
+          </p:cNvPr>
+          <p:cNvSpPr txBox="1"/>
+          <p:nvPr/>
+        </p:nvSpPr>
+        <p:spPr>
+          <a:xfrm>
+            <a:off x="8257347" y="3177772"/>
+            <a:ext cx="1011006" cy="400110"/>
+          </a:xfrm>
+          <a:prstGeom prst="rect">
+            <a:avLst/>
+          </a:prstGeom>
+          <a:noFill/>
+        </p:spPr>
+        <p:txBody>
+          <a:bodyPr wrap="square">
+            <a:spAutoFit/>
+          </a:bodyPr>
+          <a:lstStyle/>
+          <a:p>
+            <a:pPr algn="ctr"/>
+            <a:r>
+              <a:rPr lang="zh-TW" altLang="en-US" sz="2000" b="1" i="0" dirty="0">
+                <a:solidFill>
+                  <a:srgbClr val="002060"/>
+                </a:solidFill>
+                <a:effectLst>
+                  <a:outerShdw blurRad="38100" dist="38100" dir="2700000" algn="tl">
+                    <a:srgbClr val="000000">
+                      <a:alpha val="43137"/>
+                    </a:srgbClr>
+                  </a:outerShdw>
+                </a:effectLst>
+                <a:latin typeface="標楷體" panose="03000509000000000000" pitchFamily="65" charset="-120"/>
+                <a:ea typeface="標楷體" panose="03000509000000000000" pitchFamily="65" charset="-120"/>
+                <a:cs typeface="Times New Roman" panose="02020603050405020304" pitchFamily="18" charset="0"/>
+              </a:rPr>
+              <a:t>保留</a:t>
+            </a:r>
+            <a:endParaRPr lang="zh-TW" altLang="en-US" sz="1200" b="1" dirty="0">
+              <a:solidFill>
+                <a:srgbClr val="002060"/>
+              </a:solidFill>
+              <a:effectLst>
+                <a:outerShdw blurRad="38100" dist="38100" dir="2700000" algn="tl">
+                  <a:srgbClr val="000000">
+                    <a:alpha val="43137"/>
+                  </a:srgbClr>
+                </a:outerShdw>
+              </a:effectLst>
+              <a:latin typeface="標楷體" panose="03000509000000000000" pitchFamily="65" charset="-120"/>
+              <a:ea typeface="標楷體" panose="03000509000000000000" pitchFamily="65" charset="-120"/>
+              <a:cs typeface="Times New Roman" panose="02020603050405020304" pitchFamily="18" charset="0"/>
+            </a:endParaRPr>
+          </a:p>
+        </p:txBody>
+      </p:sp>
+      <p:sp>
+        <p:nvSpPr>
+          <p:cNvPr id="30" name="文字方塊 29">
+            <a:extLst>
+              <a:ext uri="{FF2B5EF4-FFF2-40B4-BE49-F238E27FC236}">
+                <a16:creationId xmlns:a16="http://schemas.microsoft.com/office/drawing/2014/main" id="{77C9E857-337C-4E9E-B839-54098A7BC87D}"/>
+              </a:ext>
+            </a:extLst>
+          </p:cNvPr>
+          <p:cNvSpPr txBox="1"/>
+          <p:nvPr/>
+        </p:nvSpPr>
+        <p:spPr>
+          <a:xfrm>
+            <a:off x="9712960" y="2838658"/>
+            <a:ext cx="1447650" cy="461665"/>
+          </a:xfrm>
+          <a:prstGeom prst="rect">
+            <a:avLst/>
+          </a:prstGeom>
+          <a:noFill/>
+        </p:spPr>
+        <p:txBody>
+          <a:bodyPr wrap="square">
+            <a:spAutoFit/>
+          </a:bodyPr>
+          <a:lstStyle/>
+          <a:p>
+            <a:pPr algn="ctr"/>
+            <a:r>
+              <a:rPr lang="zh-TW" altLang="en-US" sz="2400" b="1" i="0" dirty="0">
+                <a:effectLst/>
+                <a:latin typeface="標楷體" panose="03000509000000000000" pitchFamily="65" charset="-120"/>
+                <a:ea typeface="標楷體" panose="03000509000000000000" pitchFamily="65" charset="-120"/>
+                <a:cs typeface="Times New Roman" panose="02020603050405020304" pitchFamily="18" charset="0"/>
+              </a:rPr>
+              <a:t>最遠點</a:t>
+            </a:r>
+            <a:endParaRPr lang="zh-TW" altLang="en-US" sz="1400" b="1" dirty="0">
+              <a:latin typeface="標楷體" panose="03000509000000000000" pitchFamily="65" charset="-120"/>
+              <a:ea typeface="標楷體" panose="03000509000000000000" pitchFamily="65" charset="-120"/>
+              <a:cs typeface="Times New Roman" panose="02020603050405020304" pitchFamily="18" charset="0"/>
+            </a:endParaRPr>
+          </a:p>
+        </p:txBody>
+      </p:sp>
+    </p:spTree>
+    <p:extLst>
+      <p:ext uri="{BB962C8B-B14F-4D97-AF65-F5344CB8AC3E}">
+        <p14:creationId xmlns:p14="http://schemas.microsoft.com/office/powerpoint/2010/main" val="1577471979"/>
+      </p:ext>
+    </p:extLst>
+  </p:cSld>
+  <p:clrMapOvr>
+    <a:masterClrMapping/>
+  </p:clrMapOvr>
+</p:sld>
+</file>
+
+<file path=ppt/slides/slide23.xml><?xml version="1.0" encoding="utf-8"?>
+<p:sld xmlns:a="http://schemas.openxmlformats.org/drawingml/2006/main" xmlns:r="http://schemas.openxmlformats.org/officeDocument/2006/relationships" xmlns:p="http://schemas.openxmlformats.org/presentationml/2006/main">
+  <p:cSld>
+    <p:spTree>
+      <p:nvGrpSpPr>
+        <p:cNvPr id="1" name=""/>
+        <p:cNvGrpSpPr/>
+        <p:nvPr/>
+      </p:nvGrpSpPr>
+      <p:grpSpPr>
+        <a:xfrm>
+          <a:off x="0" y="0"/>
+          <a:ext cx="0" cy="0"/>
+          <a:chOff x="0" y="0"/>
+          <a:chExt cx="0" cy="0"/>
+        </a:xfrm>
+      </p:grpSpPr>
+      <p:sp>
+        <p:nvSpPr>
+          <p:cNvPr id="4" name="橢圓 3">
+            <a:extLst>
+              <a:ext uri="{FF2B5EF4-FFF2-40B4-BE49-F238E27FC236}">
+                <a16:creationId xmlns:a16="http://schemas.microsoft.com/office/drawing/2014/main" id="{DA869778-0817-4277-91F6-42A34D4CDBF5}"/>
+              </a:ext>
+            </a:extLst>
+          </p:cNvPr>
+          <p:cNvSpPr/>
+          <p:nvPr/>
+        </p:nvSpPr>
+        <p:spPr>
+          <a:xfrm>
+            <a:off x="998025" y="2084948"/>
+            <a:ext cx="162560" cy="162560"/>
+          </a:xfrm>
+          <a:prstGeom prst="ellipse">
+            <a:avLst/>
+          </a:prstGeom>
+          <a:solidFill>
+            <a:srgbClr val="FF0000"/>
+          </a:solidFill>
+          <a:ln>
+            <a:noFill/>
+          </a:ln>
+        </p:spPr>
+        <p:style>
+          <a:lnRef idx="2">
+            <a:schemeClr val="accent1">
+              <a:shade val="50000"/>
+            </a:schemeClr>
+          </a:lnRef>
+          <a:fillRef idx="1">
+            <a:schemeClr val="accent1"/>
+          </a:fillRef>
+          <a:effectRef idx="0">
+            <a:schemeClr val="accent1"/>
+          </a:effectRef>
+          <a:fontRef idx="minor">
+            <a:schemeClr val="lt1"/>
+          </a:fontRef>
+        </p:style>
+        <p:txBody>
+          <a:bodyPr rtlCol="0" anchor="ctr"/>
+          <a:lstStyle/>
+          <a:p>
+            <a:pPr algn="ctr"/>
+            <a:endParaRPr lang="zh-TW" altLang="en-US"/>
+          </a:p>
+        </p:txBody>
+      </p:sp>
+      <p:sp>
+        <p:nvSpPr>
+          <p:cNvPr id="7" name="橢圓 6">
+            <a:extLst>
+              <a:ext uri="{FF2B5EF4-FFF2-40B4-BE49-F238E27FC236}">
+                <a16:creationId xmlns:a16="http://schemas.microsoft.com/office/drawing/2014/main" id="{6BFC05B2-7D2F-4FBE-83E2-4016490FFA40}"/>
+              </a:ext>
+            </a:extLst>
+          </p:cNvPr>
+          <p:cNvSpPr/>
+          <p:nvPr/>
+        </p:nvSpPr>
+        <p:spPr>
+          <a:xfrm>
+            <a:off x="3817972" y="3777527"/>
+            <a:ext cx="162560" cy="162560"/>
+          </a:xfrm>
+          <a:prstGeom prst="ellipse">
+            <a:avLst/>
+          </a:prstGeom>
+          <a:solidFill>
+            <a:srgbClr val="FF0000"/>
+          </a:solidFill>
+          <a:ln>
+            <a:noFill/>
+          </a:ln>
+        </p:spPr>
+        <p:style>
+          <a:lnRef idx="2">
+            <a:schemeClr val="accent1">
+              <a:shade val="50000"/>
+            </a:schemeClr>
+          </a:lnRef>
+          <a:fillRef idx="1">
+            <a:schemeClr val="accent1"/>
+          </a:fillRef>
+          <a:effectRef idx="0">
+            <a:schemeClr val="accent1"/>
+          </a:effectRef>
+          <a:fontRef idx="minor">
+            <a:schemeClr val="lt1"/>
+          </a:fontRef>
+        </p:style>
+        <p:txBody>
+          <a:bodyPr rtlCol="0" anchor="ctr"/>
+          <a:lstStyle/>
+          <a:p>
+            <a:pPr algn="ctr"/>
+            <a:endParaRPr lang="zh-TW" altLang="en-US"/>
+          </a:p>
+        </p:txBody>
+      </p:sp>
+      <p:sp>
+        <p:nvSpPr>
+          <p:cNvPr id="8" name="橢圓 7">
+            <a:extLst>
+              <a:ext uri="{FF2B5EF4-FFF2-40B4-BE49-F238E27FC236}">
+                <a16:creationId xmlns:a16="http://schemas.microsoft.com/office/drawing/2014/main" id="{08B8DFB9-A3A0-487E-BE67-518BEAEE799E}"/>
+              </a:ext>
+            </a:extLst>
+          </p:cNvPr>
+          <p:cNvSpPr/>
+          <p:nvPr/>
+        </p:nvSpPr>
+        <p:spPr>
+          <a:xfrm>
+            <a:off x="5745198" y="3332414"/>
+            <a:ext cx="162560" cy="162560"/>
+          </a:xfrm>
+          <a:prstGeom prst="ellipse">
+            <a:avLst/>
+          </a:prstGeom>
+          <a:solidFill>
+            <a:schemeClr val="tx1"/>
+          </a:solidFill>
+          <a:ln>
+            <a:noFill/>
+          </a:ln>
+        </p:spPr>
+        <p:style>
+          <a:lnRef idx="2">
+            <a:schemeClr val="accent1">
+              <a:shade val="50000"/>
+            </a:schemeClr>
+          </a:lnRef>
+          <a:fillRef idx="1">
+            <a:schemeClr val="accent1"/>
+          </a:fillRef>
+          <a:effectRef idx="0">
+            <a:schemeClr val="accent1"/>
+          </a:effectRef>
+          <a:fontRef idx="minor">
+            <a:schemeClr val="lt1"/>
+          </a:fontRef>
+        </p:style>
+        <p:txBody>
+          <a:bodyPr rtlCol="0" anchor="ctr"/>
+          <a:lstStyle/>
+          <a:p>
+            <a:pPr algn="ctr"/>
+            <a:endParaRPr lang="zh-TW" altLang="en-US"/>
+          </a:p>
+        </p:txBody>
+      </p:sp>
+      <p:sp>
+        <p:nvSpPr>
+          <p:cNvPr id="9" name="橢圓 8">
+            <a:extLst>
+              <a:ext uri="{FF2B5EF4-FFF2-40B4-BE49-F238E27FC236}">
+                <a16:creationId xmlns:a16="http://schemas.microsoft.com/office/drawing/2014/main" id="{D47F1CED-8281-475E-BEB7-E6828E11914C}"/>
+              </a:ext>
+            </a:extLst>
+          </p:cNvPr>
+          <p:cNvSpPr/>
+          <p:nvPr/>
+        </p:nvSpPr>
+        <p:spPr>
+          <a:xfrm>
+            <a:off x="7306916" y="2090418"/>
+            <a:ext cx="162560" cy="162560"/>
+          </a:xfrm>
+          <a:prstGeom prst="ellipse">
+            <a:avLst/>
+          </a:prstGeom>
+          <a:solidFill>
+            <a:srgbClr val="FF0000"/>
+          </a:solidFill>
+          <a:ln>
+            <a:noFill/>
+          </a:ln>
+        </p:spPr>
+        <p:style>
+          <a:lnRef idx="2">
+            <a:schemeClr val="accent1">
+              <a:shade val="50000"/>
+            </a:schemeClr>
+          </a:lnRef>
+          <a:fillRef idx="1">
+            <a:schemeClr val="accent1"/>
+          </a:fillRef>
+          <a:effectRef idx="0">
+            <a:schemeClr val="accent1"/>
+          </a:effectRef>
+          <a:fontRef idx="minor">
+            <a:schemeClr val="lt1"/>
+          </a:fontRef>
+        </p:style>
+        <p:txBody>
+          <a:bodyPr rtlCol="0" anchor="ctr"/>
+          <a:lstStyle/>
+          <a:p>
+            <a:pPr algn="ctr"/>
+            <a:endParaRPr lang="zh-TW" altLang="en-US"/>
+          </a:p>
+        </p:txBody>
+      </p:sp>
+      <p:cxnSp>
+        <p:nvCxnSpPr>
+          <p:cNvPr id="18" name="直線接點 17">
+            <a:extLst>
+              <a:ext uri="{FF2B5EF4-FFF2-40B4-BE49-F238E27FC236}">
+                <a16:creationId xmlns:a16="http://schemas.microsoft.com/office/drawing/2014/main" id="{E839F313-B193-40F8-B2F8-7D44A24775AF}"/>
+              </a:ext>
+            </a:extLst>
+          </p:cNvPr>
+          <p:cNvCxnSpPr>
+            <a:cxnSpLocks/>
+            <a:stCxn id="7" idx="6"/>
+            <a:endCxn id="8" idx="2"/>
+          </p:cNvCxnSpPr>
+          <p:nvPr/>
+        </p:nvCxnSpPr>
+        <p:spPr>
+          <a:xfrm flipV="1">
+            <a:off x="3980532" y="3413694"/>
+            <a:ext cx="1764666" cy="445113"/>
+          </a:xfrm>
+          <a:prstGeom prst="line">
+            <a:avLst/>
+          </a:prstGeom>
+          <a:ln w="19050">
+            <a:solidFill>
+              <a:schemeClr val="tx1"/>
+            </a:solidFill>
+          </a:ln>
+        </p:spPr>
+        <p:style>
+          <a:lnRef idx="1">
+            <a:schemeClr val="accent1"/>
+          </a:lnRef>
+          <a:fillRef idx="0">
+            <a:schemeClr val="accent1"/>
+          </a:fillRef>
+          <a:effectRef idx="0">
+            <a:schemeClr val="accent1"/>
+          </a:effectRef>
+          <a:fontRef idx="minor">
+            <a:schemeClr val="tx1"/>
+          </a:fontRef>
+        </p:style>
+      </p:cxnSp>
+      <p:cxnSp>
+        <p:nvCxnSpPr>
+          <p:cNvPr id="21" name="直線接點 20">
+            <a:extLst>
+              <a:ext uri="{FF2B5EF4-FFF2-40B4-BE49-F238E27FC236}">
+                <a16:creationId xmlns:a16="http://schemas.microsoft.com/office/drawing/2014/main" id="{C56EB324-6413-4813-94DD-AD13BB938D87}"/>
+              </a:ext>
+            </a:extLst>
+          </p:cNvPr>
+          <p:cNvCxnSpPr>
+            <a:cxnSpLocks/>
+            <a:stCxn id="8" idx="7"/>
+            <a:endCxn id="9" idx="3"/>
+          </p:cNvCxnSpPr>
+          <p:nvPr/>
+        </p:nvCxnSpPr>
+        <p:spPr>
+          <a:xfrm flipV="1">
+            <a:off x="5883952" y="2229172"/>
+            <a:ext cx="1446770" cy="1127048"/>
+          </a:xfrm>
+          <a:prstGeom prst="line">
+            <a:avLst/>
+          </a:prstGeom>
+          <a:ln w="19050">
+            <a:solidFill>
+              <a:schemeClr val="tx1"/>
+            </a:solidFill>
+          </a:ln>
+        </p:spPr>
+        <p:style>
+          <a:lnRef idx="1">
+            <a:schemeClr val="accent1"/>
+          </a:lnRef>
+          <a:fillRef idx="0">
+            <a:schemeClr val="accent1"/>
+          </a:fillRef>
+          <a:effectRef idx="0">
+            <a:schemeClr val="accent1"/>
+          </a:effectRef>
+          <a:fontRef idx="minor">
+            <a:schemeClr val="tx1"/>
+          </a:fontRef>
+        </p:style>
+      </p:cxnSp>
+      <p:cxnSp>
+        <p:nvCxnSpPr>
+          <p:cNvPr id="31" name="直線接點 30">
+            <a:extLst>
+              <a:ext uri="{FF2B5EF4-FFF2-40B4-BE49-F238E27FC236}">
+                <a16:creationId xmlns:a16="http://schemas.microsoft.com/office/drawing/2014/main" id="{C24A4E78-75A6-4DE3-913A-0A5F8DC35CC7}"/>
+              </a:ext>
+            </a:extLst>
+          </p:cNvPr>
+          <p:cNvCxnSpPr>
+            <a:cxnSpLocks/>
+            <a:stCxn id="37" idx="2"/>
+            <a:endCxn id="9" idx="6"/>
+          </p:cNvCxnSpPr>
+          <p:nvPr/>
+        </p:nvCxnSpPr>
+        <p:spPr>
+          <a:xfrm flipH="1" flipV="1">
+            <a:off x="7469476" y="2171698"/>
+            <a:ext cx="2243484" cy="816513"/>
+          </a:xfrm>
+          <a:prstGeom prst="line">
+            <a:avLst/>
+          </a:prstGeom>
+          <a:ln w="28575">
+            <a:solidFill>
+              <a:srgbClr val="FF0000"/>
+            </a:solidFill>
+          </a:ln>
+        </p:spPr>
+        <p:style>
+          <a:lnRef idx="1">
+            <a:schemeClr val="accent1"/>
+          </a:lnRef>
+          <a:fillRef idx="0">
+            <a:schemeClr val="accent1"/>
+          </a:fillRef>
+          <a:effectRef idx="0">
+            <a:schemeClr val="accent1"/>
+          </a:effectRef>
+          <a:fontRef idx="minor">
+            <a:schemeClr val="tx1"/>
+          </a:fontRef>
+        </p:style>
+      </p:cxnSp>
+      <p:cxnSp>
+        <p:nvCxnSpPr>
+          <p:cNvPr id="35" name="直線接點 34">
+            <a:extLst>
+              <a:ext uri="{FF2B5EF4-FFF2-40B4-BE49-F238E27FC236}">
+                <a16:creationId xmlns:a16="http://schemas.microsoft.com/office/drawing/2014/main" id="{55FF4FC9-065B-4F19-8E98-E25A9D577734}"/>
+              </a:ext>
+            </a:extLst>
+          </p:cNvPr>
+          <p:cNvCxnSpPr>
+            <a:cxnSpLocks/>
+            <a:stCxn id="37" idx="6"/>
+          </p:cNvCxnSpPr>
+          <p:nvPr/>
+        </p:nvCxnSpPr>
+        <p:spPr>
+          <a:xfrm flipV="1">
+            <a:off x="9875520" y="1410316"/>
+            <a:ext cx="1021831" cy="1577895"/>
+          </a:xfrm>
+          <a:prstGeom prst="line">
+            <a:avLst/>
+          </a:prstGeom>
+          <a:ln w="19050">
+            <a:solidFill>
+              <a:schemeClr val="tx1"/>
+            </a:solidFill>
+          </a:ln>
+        </p:spPr>
+        <p:style>
+          <a:lnRef idx="1">
+            <a:schemeClr val="accent1"/>
+          </a:lnRef>
+          <a:fillRef idx="0">
+            <a:schemeClr val="accent1"/>
+          </a:fillRef>
+          <a:effectRef idx="0">
+            <a:schemeClr val="accent1"/>
+          </a:effectRef>
+          <a:fontRef idx="minor">
+            <a:schemeClr val="tx1"/>
+          </a:fontRef>
+        </p:style>
+      </p:cxnSp>
+      <p:cxnSp>
+        <p:nvCxnSpPr>
+          <p:cNvPr id="3" name="直線接點 2">
+            <a:extLst>
+              <a:ext uri="{FF2B5EF4-FFF2-40B4-BE49-F238E27FC236}">
+                <a16:creationId xmlns:a16="http://schemas.microsoft.com/office/drawing/2014/main" id="{B7EF7A4F-00E7-4834-96DB-2EC549BE0D07}"/>
+              </a:ext>
+            </a:extLst>
+          </p:cNvPr>
+          <p:cNvCxnSpPr>
+            <a:cxnSpLocks/>
+            <a:stCxn id="37" idx="3"/>
+            <a:endCxn id="7" idx="6"/>
+          </p:cNvCxnSpPr>
+          <p:nvPr/>
+        </p:nvCxnSpPr>
+        <p:spPr>
+          <a:xfrm flipH="1">
+            <a:off x="3980532" y="3045685"/>
+            <a:ext cx="5756234" cy="813122"/>
+          </a:xfrm>
+          <a:prstGeom prst="line">
+            <a:avLst/>
+          </a:prstGeom>
+          <a:ln w="28575">
+            <a:solidFill>
+              <a:srgbClr val="75AADB"/>
+            </a:solidFill>
+          </a:ln>
+        </p:spPr>
+        <p:style>
+          <a:lnRef idx="1">
+            <a:schemeClr val="accent1"/>
+          </a:lnRef>
+          <a:fillRef idx="0">
+            <a:schemeClr val="accent1"/>
+          </a:fillRef>
+          <a:effectRef idx="0">
+            <a:schemeClr val="accent1"/>
+          </a:effectRef>
+          <a:fontRef idx="minor">
+            <a:schemeClr val="tx1"/>
+          </a:fontRef>
+        </p:style>
+      </p:cxnSp>
+      <p:sp>
+        <p:nvSpPr>
+          <p:cNvPr id="22" name="文字方塊 21">
+            <a:extLst>
+              <a:ext uri="{FF2B5EF4-FFF2-40B4-BE49-F238E27FC236}">
+                <a16:creationId xmlns:a16="http://schemas.microsoft.com/office/drawing/2014/main" id="{5AE68189-21B9-4169-B7FC-2C97A56A28D5}"/>
+              </a:ext>
+            </a:extLst>
+          </p:cNvPr>
+          <p:cNvSpPr txBox="1"/>
+          <p:nvPr/>
+        </p:nvSpPr>
+        <p:spPr>
+          <a:xfrm>
+            <a:off x="7511752" y="2607826"/>
+            <a:ext cx="567784" cy="461665"/>
+          </a:xfrm>
+          <a:prstGeom prst="rect">
+            <a:avLst/>
+          </a:prstGeom>
+          <a:noFill/>
+        </p:spPr>
+        <p:txBody>
+          <a:bodyPr wrap="square">
+            <a:spAutoFit/>
+          </a:bodyPr>
+          <a:lstStyle>
+            <a:defPPr>
+              <a:defRPr lang="zh-TW"/>
+            </a:defPPr>
+            <a:lvl1pPr algn="ctr">
+              <a:defRPr sz="2400" b="1" i="0">
+                <a:effectLst/>
+                <a:latin typeface="Times New Roman" panose="02020603050405020304" pitchFamily="18" charset="0"/>
+                <a:cs typeface="Times New Roman" panose="02020603050405020304" pitchFamily="18" charset="0"/>
+              </a:defRPr>
+            </a:lvl1pPr>
+          </a:lstStyle>
+          <a:p>
+            <a:r>
+              <a:rPr lang="en-US" altLang="zh-TW" dirty="0"/>
+              <a:t>&gt; </a:t>
+            </a:r>
+            <a:r>
+              <a:rPr lang="el-GR" altLang="zh-TW" dirty="0"/>
+              <a:t>ε</a:t>
+            </a:r>
+            <a:endParaRPr lang="zh-TW" altLang="en-US" dirty="0"/>
+          </a:p>
+        </p:txBody>
+      </p:sp>
+      <p:cxnSp>
+        <p:nvCxnSpPr>
+          <p:cNvPr id="25" name="接點: 弧形 24">
+            <a:extLst>
+              <a:ext uri="{FF2B5EF4-FFF2-40B4-BE49-F238E27FC236}">
+                <a16:creationId xmlns:a16="http://schemas.microsoft.com/office/drawing/2014/main" id="{AAB4A5FD-43B9-41CE-B386-31D7C60457FF}"/>
+              </a:ext>
+            </a:extLst>
+          </p:cNvPr>
+          <p:cNvCxnSpPr>
+            <a:cxnSpLocks/>
+            <a:stCxn id="22" idx="3"/>
+            <a:endCxn id="9" idx="7"/>
+          </p:cNvCxnSpPr>
+          <p:nvPr/>
+        </p:nvCxnSpPr>
+        <p:spPr>
+          <a:xfrm flipH="1" flipV="1">
+            <a:off x="7445670" y="2114224"/>
+            <a:ext cx="633866" cy="724435"/>
+          </a:xfrm>
+          <a:prstGeom prst="curvedConnector4">
+            <a:avLst>
+              <a:gd name="adj1" fmla="val -36064"/>
+              <a:gd name="adj2" fmla="val 134842"/>
+            </a:avLst>
+          </a:prstGeom>
+          <a:ln w="38100">
+            <a:solidFill>
+              <a:srgbClr val="002060"/>
+            </a:solidFill>
+            <a:tailEnd type="triangle"/>
+          </a:ln>
+        </p:spPr>
+        <p:style>
+          <a:lnRef idx="1">
+            <a:schemeClr val="accent1"/>
+          </a:lnRef>
+          <a:fillRef idx="0">
+            <a:schemeClr val="accent1"/>
+          </a:fillRef>
+          <a:effectRef idx="0">
+            <a:schemeClr val="accent1"/>
+          </a:effectRef>
+          <a:fontRef idx="minor">
+            <a:schemeClr val="tx1"/>
+          </a:fontRef>
+        </p:style>
+      </p:cxnSp>
+      <p:sp>
+        <p:nvSpPr>
+          <p:cNvPr id="37" name="橢圓 36">
+            <a:extLst>
+              <a:ext uri="{FF2B5EF4-FFF2-40B4-BE49-F238E27FC236}">
+                <a16:creationId xmlns:a16="http://schemas.microsoft.com/office/drawing/2014/main" id="{ABD8121F-AAAE-44B1-82A5-6B363CD6B094}"/>
+              </a:ext>
+            </a:extLst>
+          </p:cNvPr>
+          <p:cNvSpPr/>
+          <p:nvPr/>
+        </p:nvSpPr>
+        <p:spPr>
+          <a:xfrm>
+            <a:off x="9712960" y="2906931"/>
+            <a:ext cx="162560" cy="162560"/>
+          </a:xfrm>
+          <a:prstGeom prst="ellipse">
+            <a:avLst/>
+          </a:prstGeom>
+          <a:solidFill>
+            <a:srgbClr val="FF0000"/>
+          </a:solidFill>
+          <a:ln>
+            <a:noFill/>
+          </a:ln>
+        </p:spPr>
+        <p:style>
+          <a:lnRef idx="2">
+            <a:schemeClr val="accent1">
+              <a:shade val="50000"/>
+            </a:schemeClr>
+          </a:lnRef>
+          <a:fillRef idx="1">
+            <a:schemeClr val="accent1"/>
+          </a:fillRef>
+          <a:effectRef idx="0">
+            <a:schemeClr val="accent1"/>
+          </a:effectRef>
+          <a:fontRef idx="minor">
+            <a:schemeClr val="lt1"/>
+          </a:fontRef>
+        </p:style>
+        <p:txBody>
+          <a:bodyPr rtlCol="0" anchor="ctr"/>
+          <a:lstStyle/>
+          <a:p>
+            <a:pPr algn="ctr"/>
+            <a:endParaRPr lang="zh-TW" altLang="en-US"/>
+          </a:p>
+        </p:txBody>
+      </p:sp>
+      <p:sp>
+        <p:nvSpPr>
+          <p:cNvPr id="28" name="橢圓 27">
+            <a:extLst>
+              <a:ext uri="{FF2B5EF4-FFF2-40B4-BE49-F238E27FC236}">
+                <a16:creationId xmlns:a16="http://schemas.microsoft.com/office/drawing/2014/main" id="{D09F291E-FF68-46A5-8BAF-AEBCD9087A8F}"/>
+              </a:ext>
+            </a:extLst>
+          </p:cNvPr>
+          <p:cNvSpPr/>
+          <p:nvPr/>
+        </p:nvSpPr>
+        <p:spPr>
+          <a:xfrm>
+            <a:off x="10873545" y="1271562"/>
+            <a:ext cx="162560" cy="162560"/>
+          </a:xfrm>
+          <a:prstGeom prst="ellipse">
+            <a:avLst/>
+          </a:prstGeom>
+          <a:solidFill>
+            <a:schemeClr val="tx1"/>
+          </a:solidFill>
+          <a:ln>
+            <a:noFill/>
+          </a:ln>
+        </p:spPr>
+        <p:style>
+          <a:lnRef idx="2">
+            <a:schemeClr val="accent1">
+              <a:shade val="50000"/>
+            </a:schemeClr>
+          </a:lnRef>
+          <a:fillRef idx="1">
+            <a:schemeClr val="accent1"/>
+          </a:fillRef>
+          <a:effectRef idx="0">
+            <a:schemeClr val="accent1"/>
+          </a:effectRef>
+          <a:fontRef idx="minor">
+            <a:schemeClr val="lt1"/>
+          </a:fontRef>
+        </p:style>
+        <p:txBody>
+          <a:bodyPr rtlCol="0" anchor="ctr"/>
+          <a:lstStyle/>
+          <a:p>
+            <a:pPr algn="ctr"/>
+            <a:endParaRPr lang="zh-TW" altLang="en-US">
+              <a:solidFill>
+                <a:srgbClr val="FF0000"/>
+              </a:solidFill>
+            </a:endParaRPr>
+          </a:p>
+        </p:txBody>
+      </p:sp>
+      <p:cxnSp>
+        <p:nvCxnSpPr>
+          <p:cNvPr id="30" name="直線接點 29">
+            <a:extLst>
+              <a:ext uri="{FF2B5EF4-FFF2-40B4-BE49-F238E27FC236}">
+                <a16:creationId xmlns:a16="http://schemas.microsoft.com/office/drawing/2014/main" id="{2C10F7BF-2A42-4310-80B6-760740550EAC}"/>
+              </a:ext>
+            </a:extLst>
+          </p:cNvPr>
+          <p:cNvCxnSpPr>
+            <a:cxnSpLocks/>
+            <a:stCxn id="28" idx="7"/>
+            <a:endCxn id="32" idx="2"/>
+          </p:cNvCxnSpPr>
+          <p:nvPr/>
+        </p:nvCxnSpPr>
+        <p:spPr>
+          <a:xfrm flipV="1">
+            <a:off x="11012299" y="726291"/>
+            <a:ext cx="1098421" cy="569077"/>
+          </a:xfrm>
+          <a:prstGeom prst="line">
+            <a:avLst/>
+          </a:prstGeom>
+          <a:ln w="19050">
+            <a:solidFill>
+              <a:schemeClr val="tx1"/>
+            </a:solidFill>
+          </a:ln>
+        </p:spPr>
+        <p:style>
+          <a:lnRef idx="1">
+            <a:schemeClr val="accent1"/>
+          </a:lnRef>
+          <a:fillRef idx="0">
+            <a:schemeClr val="accent1"/>
+          </a:fillRef>
+          <a:effectRef idx="0">
+            <a:schemeClr val="accent1"/>
+          </a:effectRef>
+          <a:fontRef idx="minor">
+            <a:schemeClr val="tx1"/>
+          </a:fontRef>
+        </p:style>
+      </p:cxnSp>
+      <p:sp>
+        <p:nvSpPr>
+          <p:cNvPr id="32" name="橢圓 31">
+            <a:extLst>
+              <a:ext uri="{FF2B5EF4-FFF2-40B4-BE49-F238E27FC236}">
+                <a16:creationId xmlns:a16="http://schemas.microsoft.com/office/drawing/2014/main" id="{F1CC9D62-DE2A-417A-A04F-D7190BE2230D}"/>
+              </a:ext>
+            </a:extLst>
+          </p:cNvPr>
+          <p:cNvSpPr/>
+          <p:nvPr/>
+        </p:nvSpPr>
+        <p:spPr>
+          <a:xfrm>
+            <a:off x="12110720" y="645011"/>
+            <a:ext cx="162560" cy="162560"/>
+          </a:xfrm>
+          <a:prstGeom prst="ellipse">
+            <a:avLst/>
+          </a:prstGeom>
+          <a:solidFill>
+            <a:srgbClr val="FF0000"/>
+          </a:solidFill>
+          <a:ln>
+            <a:noFill/>
+          </a:ln>
+        </p:spPr>
+        <p:style>
+          <a:lnRef idx="2">
+            <a:schemeClr val="accent1">
+              <a:shade val="50000"/>
+            </a:schemeClr>
+          </a:lnRef>
+          <a:fillRef idx="1">
+            <a:schemeClr val="accent1"/>
+          </a:fillRef>
+          <a:effectRef idx="0">
+            <a:schemeClr val="accent1"/>
+          </a:effectRef>
+          <a:fontRef idx="minor">
+            <a:schemeClr val="lt1"/>
+          </a:fontRef>
+        </p:style>
+        <p:txBody>
+          <a:bodyPr rtlCol="0" anchor="ctr"/>
+          <a:lstStyle/>
+          <a:p>
+            <a:pPr algn="ctr"/>
+            <a:endParaRPr lang="zh-TW" altLang="en-US"/>
+          </a:p>
+        </p:txBody>
+      </p:sp>
+      <p:cxnSp>
+        <p:nvCxnSpPr>
+          <p:cNvPr id="33" name="直線接點 32">
+            <a:extLst>
+              <a:ext uri="{FF2B5EF4-FFF2-40B4-BE49-F238E27FC236}">
+                <a16:creationId xmlns:a16="http://schemas.microsoft.com/office/drawing/2014/main" id="{4B9FE2C0-0A7F-4EF3-BF5D-B7351B33028E}"/>
+              </a:ext>
+            </a:extLst>
+          </p:cNvPr>
+          <p:cNvCxnSpPr>
+            <a:cxnSpLocks/>
+            <a:endCxn id="9" idx="4"/>
+          </p:cNvCxnSpPr>
+          <p:nvPr/>
+        </p:nvCxnSpPr>
+        <p:spPr>
+          <a:xfrm flipH="1" flipV="1">
+            <a:off x="7388196" y="2252978"/>
+            <a:ext cx="174020" cy="1115618"/>
+          </a:xfrm>
+          <a:prstGeom prst="line">
+            <a:avLst/>
+          </a:prstGeom>
+          <a:ln w="38100">
+            <a:solidFill>
+              <a:srgbClr val="75AADB"/>
+            </a:solidFill>
+            <a:prstDash val="sysDot"/>
+          </a:ln>
+        </p:spPr>
+        <p:style>
+          <a:lnRef idx="1">
+            <a:schemeClr val="accent1"/>
+          </a:lnRef>
+          <a:fillRef idx="0">
+            <a:schemeClr val="accent1"/>
+          </a:fillRef>
+          <a:effectRef idx="0">
+            <a:schemeClr val="accent1"/>
+          </a:effectRef>
+          <a:fontRef idx="minor">
+            <a:schemeClr val="tx1"/>
+          </a:fontRef>
+        </p:style>
+      </p:cxnSp>
+      <p:cxnSp>
+        <p:nvCxnSpPr>
+          <p:cNvPr id="38" name="直線接點 37">
+            <a:extLst>
+              <a:ext uri="{FF2B5EF4-FFF2-40B4-BE49-F238E27FC236}">
+                <a16:creationId xmlns:a16="http://schemas.microsoft.com/office/drawing/2014/main" id="{B474626D-DCF6-4D8B-8985-DE6EF92C6D88}"/>
+              </a:ext>
+            </a:extLst>
+          </p:cNvPr>
+          <p:cNvCxnSpPr>
+            <a:cxnSpLocks/>
+          </p:cNvCxnSpPr>
+          <p:nvPr/>
+        </p:nvCxnSpPr>
+        <p:spPr>
+          <a:xfrm>
+            <a:off x="1160585" y="2166228"/>
+            <a:ext cx="2681193" cy="1635105"/>
+          </a:xfrm>
+          <a:prstGeom prst="line">
+            <a:avLst/>
+          </a:prstGeom>
+          <a:ln w="28575">
+            <a:solidFill>
+              <a:srgbClr val="FF0000"/>
+            </a:solidFill>
+          </a:ln>
+        </p:spPr>
+        <p:style>
+          <a:lnRef idx="1">
+            <a:schemeClr val="accent1"/>
+          </a:lnRef>
+          <a:fillRef idx="0">
+            <a:schemeClr val="accent1"/>
+          </a:fillRef>
+          <a:effectRef idx="0">
+            <a:schemeClr val="accent1"/>
+          </a:effectRef>
+          <a:fontRef idx="minor">
+            <a:schemeClr val="tx1"/>
+          </a:fontRef>
+        </p:style>
+      </p:cxnSp>
+      <p:sp>
+        <p:nvSpPr>
+          <p:cNvPr id="39" name="文字方塊 38">
+            <a:extLst>
+              <a:ext uri="{FF2B5EF4-FFF2-40B4-BE49-F238E27FC236}">
+                <a16:creationId xmlns:a16="http://schemas.microsoft.com/office/drawing/2014/main" id="{18D5D458-F536-4A8E-86BC-1F5C65099626}"/>
+              </a:ext>
+            </a:extLst>
+          </p:cNvPr>
+          <p:cNvSpPr txBox="1"/>
+          <p:nvPr/>
+        </p:nvSpPr>
+        <p:spPr>
+          <a:xfrm>
+            <a:off x="408665" y="304161"/>
+            <a:ext cx="1928213" cy="584775"/>
+          </a:xfrm>
+          <a:prstGeom prst="rect">
+            <a:avLst/>
+          </a:prstGeom>
+          <a:noFill/>
+        </p:spPr>
+        <p:txBody>
+          <a:bodyPr wrap="square">
+            <a:spAutoFit/>
+          </a:bodyPr>
+          <a:lstStyle/>
+          <a:p>
+            <a:pPr algn="ctr"/>
+            <a:r>
+              <a:rPr lang="en-US" altLang="zh-TW" sz="3200" b="1" dirty="0">
+                <a:latin typeface="Times New Roman" panose="02020603050405020304" pitchFamily="18" charset="0"/>
+                <a:cs typeface="Times New Roman" panose="02020603050405020304" pitchFamily="18" charset="0"/>
+              </a:rPr>
+              <a:t>STEP 5</a:t>
+            </a:r>
+            <a:endParaRPr lang="zh-TW" altLang="en-US" sz="2000" b="1" dirty="0"/>
+          </a:p>
+        </p:txBody>
+      </p:sp>
+      <p:sp>
+        <p:nvSpPr>
+          <p:cNvPr id="43" name="矩形 42">
+            <a:extLst>
+              <a:ext uri="{FF2B5EF4-FFF2-40B4-BE49-F238E27FC236}">
+                <a16:creationId xmlns:a16="http://schemas.microsoft.com/office/drawing/2014/main" id="{6C17FEF5-7740-40F7-A56D-162809CBA7A0}"/>
+              </a:ext>
+            </a:extLst>
+          </p:cNvPr>
+          <p:cNvSpPr/>
+          <p:nvPr/>
+        </p:nvSpPr>
+        <p:spPr>
+          <a:xfrm>
+            <a:off x="0" y="1"/>
+            <a:ext cx="12915825" cy="4622800"/>
+          </a:xfrm>
+          <a:prstGeom prst="rect">
+            <a:avLst/>
+          </a:prstGeom>
+          <a:noFill/>
+          <a:ln>
+            <a:noFill/>
+          </a:ln>
+        </p:spPr>
+        <p:style>
+          <a:lnRef idx="2">
+            <a:schemeClr val="accent1">
+              <a:shade val="50000"/>
+            </a:schemeClr>
+          </a:lnRef>
+          <a:fillRef idx="1">
+            <a:schemeClr val="accent1"/>
+          </a:fillRef>
+          <a:effectRef idx="0">
+            <a:schemeClr val="accent1"/>
+          </a:effectRef>
+          <a:fontRef idx="minor">
+            <a:schemeClr val="lt1"/>
+          </a:fontRef>
+        </p:style>
+        <p:txBody>
+          <a:bodyPr rtlCol="0" anchor="ctr"/>
+          <a:lstStyle/>
+          <a:p>
+            <a:pPr algn="ctr"/>
+            <a:endParaRPr lang="zh-TW" altLang="en-US"/>
+          </a:p>
+        </p:txBody>
+      </p:sp>
+      <p:sp>
+        <p:nvSpPr>
+          <p:cNvPr id="27" name="文字方塊 26">
+            <a:extLst>
+              <a:ext uri="{FF2B5EF4-FFF2-40B4-BE49-F238E27FC236}">
+                <a16:creationId xmlns:a16="http://schemas.microsoft.com/office/drawing/2014/main" id="{BBB3A390-CC7D-4115-8E96-A283FA501B22}"/>
+              </a:ext>
+            </a:extLst>
+          </p:cNvPr>
+          <p:cNvSpPr txBox="1"/>
+          <p:nvPr/>
+        </p:nvSpPr>
+        <p:spPr>
+          <a:xfrm>
+            <a:off x="338525" y="1535360"/>
+            <a:ext cx="1447650" cy="461665"/>
+          </a:xfrm>
+          <a:prstGeom prst="rect">
+            <a:avLst/>
+          </a:prstGeom>
+          <a:noFill/>
+        </p:spPr>
+        <p:txBody>
+          <a:bodyPr wrap="square">
+            <a:spAutoFit/>
+          </a:bodyPr>
+          <a:lstStyle/>
+          <a:p>
+            <a:pPr algn="ctr"/>
+            <a:r>
+              <a:rPr lang="zh-TW" altLang="en-US" sz="2400" b="1" dirty="0">
+                <a:latin typeface="Times New Roman" panose="02020603050405020304" pitchFamily="18" charset="0"/>
+                <a:ea typeface="標楷體" panose="03000509000000000000" pitchFamily="65" charset="-120"/>
+                <a:cs typeface="Times New Roman" panose="02020603050405020304" pitchFamily="18" charset="0"/>
+              </a:rPr>
+              <a:t>首端</a:t>
+            </a:r>
+            <a:endParaRPr lang="zh-TW" altLang="en-US" sz="1400" b="1" dirty="0">
+              <a:latin typeface="Times New Roman" panose="02020603050405020304" pitchFamily="18" charset="0"/>
+              <a:ea typeface="標楷體" panose="03000509000000000000" pitchFamily="65" charset="-120"/>
+              <a:cs typeface="Times New Roman" panose="02020603050405020304" pitchFamily="18" charset="0"/>
+            </a:endParaRPr>
+          </a:p>
+        </p:txBody>
+      </p:sp>
+      <p:sp>
+        <p:nvSpPr>
+          <p:cNvPr id="34" name="文字方塊 33">
+            <a:extLst>
+              <a:ext uri="{FF2B5EF4-FFF2-40B4-BE49-F238E27FC236}">
+                <a16:creationId xmlns:a16="http://schemas.microsoft.com/office/drawing/2014/main" id="{872FFBA3-05BE-4048-A463-6FF0DD0D5FDF}"/>
+              </a:ext>
+            </a:extLst>
+          </p:cNvPr>
+          <p:cNvSpPr txBox="1"/>
+          <p:nvPr/>
+        </p:nvSpPr>
+        <p:spPr>
+          <a:xfrm>
+            <a:off x="11468175" y="125872"/>
+            <a:ext cx="1447650" cy="461665"/>
+          </a:xfrm>
+          <a:prstGeom prst="rect">
+            <a:avLst/>
+          </a:prstGeom>
+          <a:noFill/>
+        </p:spPr>
+        <p:txBody>
+          <a:bodyPr wrap="square">
+            <a:spAutoFit/>
+          </a:bodyPr>
+          <a:lstStyle/>
+          <a:p>
+            <a:pPr algn="ctr"/>
+            <a:r>
+              <a:rPr lang="zh-TW" altLang="en-US" sz="2400" b="1" dirty="0">
+                <a:latin typeface="Times New Roman" panose="02020603050405020304" pitchFamily="18" charset="0"/>
+                <a:ea typeface="標楷體" panose="03000509000000000000" pitchFamily="65" charset="-120"/>
+                <a:cs typeface="Times New Roman" panose="02020603050405020304" pitchFamily="18" charset="0"/>
+              </a:rPr>
+              <a:t>末端</a:t>
+            </a:r>
+            <a:endParaRPr lang="zh-TW" altLang="en-US" sz="1400" b="1" dirty="0">
+              <a:latin typeface="Times New Roman" panose="02020603050405020304" pitchFamily="18" charset="0"/>
+              <a:ea typeface="標楷體" panose="03000509000000000000" pitchFamily="65" charset="-120"/>
+              <a:cs typeface="Times New Roman" panose="02020603050405020304" pitchFamily="18" charset="0"/>
+            </a:endParaRPr>
+          </a:p>
+        </p:txBody>
+      </p:sp>
+      <p:sp>
+        <p:nvSpPr>
+          <p:cNvPr id="29" name="文字方塊 28">
+            <a:extLst>
+              <a:ext uri="{FF2B5EF4-FFF2-40B4-BE49-F238E27FC236}">
+                <a16:creationId xmlns:a16="http://schemas.microsoft.com/office/drawing/2014/main" id="{7FB22557-E9FA-4821-B912-B9635728C8D9}"/>
+              </a:ext>
+            </a:extLst>
+          </p:cNvPr>
+          <p:cNvSpPr txBox="1"/>
+          <p:nvPr/>
+        </p:nvSpPr>
+        <p:spPr>
+          <a:xfrm>
+            <a:off x="6021826" y="1750673"/>
+            <a:ext cx="1447650" cy="461665"/>
+          </a:xfrm>
+          <a:prstGeom prst="rect">
+            <a:avLst/>
+          </a:prstGeom>
+          <a:noFill/>
+        </p:spPr>
+        <p:txBody>
+          <a:bodyPr wrap="square">
+            <a:spAutoFit/>
+          </a:bodyPr>
+          <a:lstStyle/>
+          <a:p>
+            <a:pPr algn="ctr"/>
+            <a:r>
+              <a:rPr lang="zh-TW" altLang="en-US" sz="2400" b="1" i="0" dirty="0">
+                <a:effectLst/>
+                <a:latin typeface="標楷體" panose="03000509000000000000" pitchFamily="65" charset="-120"/>
+                <a:ea typeface="標楷體" panose="03000509000000000000" pitchFamily="65" charset="-120"/>
+                <a:cs typeface="Times New Roman" panose="02020603050405020304" pitchFamily="18" charset="0"/>
+              </a:rPr>
+              <a:t>最遠點</a:t>
+            </a:r>
+            <a:endParaRPr lang="zh-TW" altLang="en-US" sz="1400" b="1" dirty="0">
+              <a:latin typeface="標楷體" panose="03000509000000000000" pitchFamily="65" charset="-120"/>
+              <a:ea typeface="標楷體" panose="03000509000000000000" pitchFamily="65" charset="-120"/>
+              <a:cs typeface="Times New Roman" panose="02020603050405020304" pitchFamily="18" charset="0"/>
+            </a:endParaRPr>
+          </a:p>
+        </p:txBody>
+      </p:sp>
+      <p:sp>
+        <p:nvSpPr>
+          <p:cNvPr id="36" name="文字方塊 35">
+            <a:extLst>
+              <a:ext uri="{FF2B5EF4-FFF2-40B4-BE49-F238E27FC236}">
+                <a16:creationId xmlns:a16="http://schemas.microsoft.com/office/drawing/2014/main" id="{09210A00-F55A-45E4-ADC6-4C09F7F5853A}"/>
+              </a:ext>
+            </a:extLst>
+          </p:cNvPr>
+          <p:cNvSpPr txBox="1"/>
+          <p:nvPr/>
+        </p:nvSpPr>
+        <p:spPr>
+          <a:xfrm>
+            <a:off x="7637128" y="1480442"/>
+            <a:ext cx="1011006" cy="400110"/>
+          </a:xfrm>
+          <a:prstGeom prst="rect">
+            <a:avLst/>
+          </a:prstGeom>
+          <a:noFill/>
+        </p:spPr>
+        <p:txBody>
+          <a:bodyPr wrap="square">
+            <a:spAutoFit/>
+          </a:bodyPr>
+          <a:lstStyle/>
+          <a:p>
+            <a:pPr algn="ctr"/>
+            <a:r>
+              <a:rPr lang="zh-TW" altLang="en-US" sz="2000" b="1" i="0" dirty="0">
+                <a:solidFill>
+                  <a:srgbClr val="002060"/>
+                </a:solidFill>
+                <a:effectLst>
+                  <a:outerShdw blurRad="38100" dist="38100" dir="2700000" algn="tl">
+                    <a:srgbClr val="000000">
+                      <a:alpha val="43137"/>
+                    </a:srgbClr>
+                  </a:outerShdw>
+                </a:effectLst>
+                <a:latin typeface="標楷體" panose="03000509000000000000" pitchFamily="65" charset="-120"/>
+                <a:ea typeface="標楷體" panose="03000509000000000000" pitchFamily="65" charset="-120"/>
+                <a:cs typeface="Times New Roman" panose="02020603050405020304" pitchFamily="18" charset="0"/>
+              </a:rPr>
+              <a:t>保留</a:t>
+            </a:r>
+            <a:endParaRPr lang="zh-TW" altLang="en-US" sz="1200" b="1" dirty="0">
+              <a:solidFill>
+                <a:srgbClr val="002060"/>
+              </a:solidFill>
+              <a:effectLst>
+                <a:outerShdw blurRad="38100" dist="38100" dir="2700000" algn="tl">
+                  <a:srgbClr val="000000">
+                    <a:alpha val="43137"/>
+                  </a:srgbClr>
+                </a:outerShdw>
+              </a:effectLst>
+              <a:latin typeface="標楷體" panose="03000509000000000000" pitchFamily="65" charset="-120"/>
+              <a:ea typeface="標楷體" panose="03000509000000000000" pitchFamily="65" charset="-120"/>
+              <a:cs typeface="Times New Roman" panose="02020603050405020304" pitchFamily="18" charset="0"/>
+            </a:endParaRPr>
+          </a:p>
+        </p:txBody>
+      </p:sp>
+    </p:spTree>
+    <p:extLst>
+      <p:ext uri="{BB962C8B-B14F-4D97-AF65-F5344CB8AC3E}">
+        <p14:creationId xmlns:p14="http://schemas.microsoft.com/office/powerpoint/2010/main" val="451556370"/>
+      </p:ext>
+    </p:extLst>
+  </p:cSld>
+  <p:clrMapOvr>
+    <a:masterClrMapping/>
+  </p:clrMapOvr>
+</p:sld>
+</file>
+
+<file path=ppt/slides/slide24.xml><?xml version="1.0" encoding="utf-8"?>
+<p:sld xmlns:a="http://schemas.openxmlformats.org/drawingml/2006/main" xmlns:r="http://schemas.openxmlformats.org/officeDocument/2006/relationships" xmlns:p="http://schemas.openxmlformats.org/presentationml/2006/main">
+  <p:cSld>
+    <p:spTree>
+      <p:nvGrpSpPr>
+        <p:cNvPr id="1" name=""/>
+        <p:cNvGrpSpPr/>
+        <p:nvPr/>
+      </p:nvGrpSpPr>
+      <p:grpSpPr>
+        <a:xfrm>
+          <a:off x="0" y="0"/>
+          <a:ext cx="0" cy="0"/>
+          <a:chOff x="0" y="0"/>
+          <a:chExt cx="0" cy="0"/>
+        </a:xfrm>
+      </p:grpSpPr>
+      <p:sp>
+        <p:nvSpPr>
+          <p:cNvPr id="4" name="橢圓 3">
+            <a:extLst>
+              <a:ext uri="{FF2B5EF4-FFF2-40B4-BE49-F238E27FC236}">
+                <a16:creationId xmlns:a16="http://schemas.microsoft.com/office/drawing/2014/main" id="{DA869778-0817-4277-91F6-42A34D4CDBF5}"/>
+              </a:ext>
+            </a:extLst>
+          </p:cNvPr>
+          <p:cNvSpPr/>
+          <p:nvPr/>
+        </p:nvSpPr>
+        <p:spPr>
+          <a:xfrm>
+            <a:off x="998025" y="2084948"/>
+            <a:ext cx="162560" cy="162560"/>
+          </a:xfrm>
+          <a:prstGeom prst="ellipse">
+            <a:avLst/>
+          </a:prstGeom>
+          <a:solidFill>
+            <a:srgbClr val="FF0000"/>
+          </a:solidFill>
+          <a:ln>
+            <a:noFill/>
+          </a:ln>
+        </p:spPr>
+        <p:style>
+          <a:lnRef idx="2">
+            <a:schemeClr val="accent1">
+              <a:shade val="50000"/>
+            </a:schemeClr>
+          </a:lnRef>
+          <a:fillRef idx="1">
+            <a:schemeClr val="accent1"/>
+          </a:fillRef>
+          <a:effectRef idx="0">
+            <a:schemeClr val="accent1"/>
+          </a:effectRef>
+          <a:fontRef idx="minor">
+            <a:schemeClr val="lt1"/>
+          </a:fontRef>
+        </p:style>
+        <p:txBody>
+          <a:bodyPr rtlCol="0" anchor="ctr"/>
+          <a:lstStyle/>
+          <a:p>
+            <a:pPr algn="ctr"/>
+            <a:endParaRPr lang="zh-TW" altLang="en-US"/>
+          </a:p>
+        </p:txBody>
+      </p:sp>
+      <p:sp>
+        <p:nvSpPr>
+          <p:cNvPr id="7" name="橢圓 6">
+            <a:extLst>
+              <a:ext uri="{FF2B5EF4-FFF2-40B4-BE49-F238E27FC236}">
+                <a16:creationId xmlns:a16="http://schemas.microsoft.com/office/drawing/2014/main" id="{6BFC05B2-7D2F-4FBE-83E2-4016490FFA40}"/>
+              </a:ext>
+            </a:extLst>
+          </p:cNvPr>
+          <p:cNvSpPr/>
+          <p:nvPr/>
+        </p:nvSpPr>
+        <p:spPr>
+          <a:xfrm>
+            <a:off x="3817972" y="3777527"/>
+            <a:ext cx="162560" cy="162560"/>
+          </a:xfrm>
+          <a:prstGeom prst="ellipse">
+            <a:avLst/>
+          </a:prstGeom>
+          <a:solidFill>
+            <a:srgbClr val="FF0000"/>
+          </a:solidFill>
+          <a:ln>
+            <a:noFill/>
+          </a:ln>
+        </p:spPr>
+        <p:style>
+          <a:lnRef idx="2">
+            <a:schemeClr val="accent1">
+              <a:shade val="50000"/>
+            </a:schemeClr>
+          </a:lnRef>
+          <a:fillRef idx="1">
+            <a:schemeClr val="accent1"/>
+          </a:fillRef>
+          <a:effectRef idx="0">
+            <a:schemeClr val="accent1"/>
+          </a:effectRef>
+          <a:fontRef idx="minor">
+            <a:schemeClr val="lt1"/>
+          </a:fontRef>
+        </p:style>
+        <p:txBody>
+          <a:bodyPr rtlCol="0" anchor="ctr"/>
+          <a:lstStyle/>
+          <a:p>
+            <a:pPr algn="ctr"/>
+            <a:endParaRPr lang="zh-TW" altLang="en-US"/>
+          </a:p>
+        </p:txBody>
+      </p:sp>
+      <p:sp>
+        <p:nvSpPr>
+          <p:cNvPr id="8" name="橢圓 7">
+            <a:extLst>
+              <a:ext uri="{FF2B5EF4-FFF2-40B4-BE49-F238E27FC236}">
+                <a16:creationId xmlns:a16="http://schemas.microsoft.com/office/drawing/2014/main" id="{08B8DFB9-A3A0-487E-BE67-518BEAEE799E}"/>
+              </a:ext>
+            </a:extLst>
+          </p:cNvPr>
+          <p:cNvSpPr/>
+          <p:nvPr/>
+        </p:nvSpPr>
+        <p:spPr>
+          <a:xfrm>
+            <a:off x="5745198" y="3332414"/>
+            <a:ext cx="162560" cy="162560"/>
+          </a:xfrm>
+          <a:prstGeom prst="ellipse">
+            <a:avLst/>
+          </a:prstGeom>
+          <a:solidFill>
+            <a:schemeClr val="bg1">
+              <a:lumMod val="85000"/>
+            </a:schemeClr>
+          </a:solidFill>
+          <a:ln>
+            <a:noFill/>
+          </a:ln>
+        </p:spPr>
+        <p:style>
+          <a:lnRef idx="2">
+            <a:schemeClr val="accent1">
+              <a:shade val="50000"/>
+            </a:schemeClr>
+          </a:lnRef>
+          <a:fillRef idx="1">
+            <a:schemeClr val="accent1"/>
+          </a:fillRef>
+          <a:effectRef idx="0">
+            <a:schemeClr val="accent1"/>
+          </a:effectRef>
+          <a:fontRef idx="minor">
+            <a:schemeClr val="lt1"/>
+          </a:fontRef>
+        </p:style>
+        <p:txBody>
+          <a:bodyPr rtlCol="0" anchor="ctr"/>
+          <a:lstStyle/>
+          <a:p>
+            <a:pPr algn="ctr"/>
+            <a:endParaRPr lang="zh-TW" altLang="en-US"/>
+          </a:p>
+        </p:txBody>
+      </p:sp>
+      <p:sp>
+        <p:nvSpPr>
+          <p:cNvPr id="9" name="橢圓 8">
+            <a:extLst>
+              <a:ext uri="{FF2B5EF4-FFF2-40B4-BE49-F238E27FC236}">
+                <a16:creationId xmlns:a16="http://schemas.microsoft.com/office/drawing/2014/main" id="{D47F1CED-8281-475E-BEB7-E6828E11914C}"/>
+              </a:ext>
+            </a:extLst>
+          </p:cNvPr>
+          <p:cNvSpPr/>
+          <p:nvPr/>
+        </p:nvSpPr>
+        <p:spPr>
+          <a:xfrm>
+            <a:off x="7306916" y="2090418"/>
+            <a:ext cx="162560" cy="162560"/>
+          </a:xfrm>
+          <a:prstGeom prst="ellipse">
+            <a:avLst/>
+          </a:prstGeom>
+          <a:solidFill>
+            <a:srgbClr val="FF0000"/>
+          </a:solidFill>
+          <a:ln>
+            <a:noFill/>
+          </a:ln>
+        </p:spPr>
+        <p:style>
+          <a:lnRef idx="2">
+            <a:schemeClr val="accent1">
+              <a:shade val="50000"/>
+            </a:schemeClr>
+          </a:lnRef>
+          <a:fillRef idx="1">
+            <a:schemeClr val="accent1"/>
+          </a:fillRef>
+          <a:effectRef idx="0">
+            <a:schemeClr val="accent1"/>
+          </a:effectRef>
+          <a:fontRef idx="minor">
+            <a:schemeClr val="lt1"/>
+          </a:fontRef>
+        </p:style>
+        <p:txBody>
+          <a:bodyPr rtlCol="0" anchor="ctr"/>
+          <a:lstStyle/>
+          <a:p>
+            <a:pPr algn="ctr"/>
+            <a:endParaRPr lang="zh-TW" altLang="en-US"/>
+          </a:p>
+        </p:txBody>
+      </p:sp>
+      <p:cxnSp>
+        <p:nvCxnSpPr>
+          <p:cNvPr id="18" name="直線接點 17">
+            <a:extLst>
+              <a:ext uri="{FF2B5EF4-FFF2-40B4-BE49-F238E27FC236}">
+                <a16:creationId xmlns:a16="http://schemas.microsoft.com/office/drawing/2014/main" id="{E839F313-B193-40F8-B2F8-7D44A24775AF}"/>
+              </a:ext>
+            </a:extLst>
+          </p:cNvPr>
+          <p:cNvCxnSpPr>
+            <a:cxnSpLocks/>
+            <a:stCxn id="7" idx="6"/>
+            <a:endCxn id="8" idx="2"/>
+          </p:cNvCxnSpPr>
+          <p:nvPr/>
+        </p:nvCxnSpPr>
+        <p:spPr>
+          <a:xfrm flipV="1">
+            <a:off x="3980532" y="3413694"/>
+            <a:ext cx="1764666" cy="445113"/>
+          </a:xfrm>
+          <a:prstGeom prst="line">
+            <a:avLst/>
+          </a:prstGeom>
+          <a:ln w="19050">
+            <a:solidFill>
+              <a:schemeClr val="bg1">
+                <a:lumMod val="85000"/>
+              </a:schemeClr>
+            </a:solidFill>
+          </a:ln>
+        </p:spPr>
+        <p:style>
+          <a:lnRef idx="1">
+            <a:schemeClr val="accent1"/>
+          </a:lnRef>
+          <a:fillRef idx="0">
+            <a:schemeClr val="accent1"/>
+          </a:fillRef>
+          <a:effectRef idx="0">
+            <a:schemeClr val="accent1"/>
+          </a:effectRef>
+          <a:fontRef idx="minor">
+            <a:schemeClr val="tx1"/>
+          </a:fontRef>
+        </p:style>
+      </p:cxnSp>
+      <p:cxnSp>
+        <p:nvCxnSpPr>
+          <p:cNvPr id="21" name="直線接點 20">
+            <a:extLst>
+              <a:ext uri="{FF2B5EF4-FFF2-40B4-BE49-F238E27FC236}">
+                <a16:creationId xmlns:a16="http://schemas.microsoft.com/office/drawing/2014/main" id="{C56EB324-6413-4813-94DD-AD13BB938D87}"/>
+              </a:ext>
+            </a:extLst>
+          </p:cNvPr>
+          <p:cNvCxnSpPr>
+            <a:cxnSpLocks/>
+            <a:stCxn id="8" idx="7"/>
+            <a:endCxn id="9" idx="3"/>
+          </p:cNvCxnSpPr>
+          <p:nvPr/>
+        </p:nvCxnSpPr>
+        <p:spPr>
+          <a:xfrm flipV="1">
+            <a:off x="5883952" y="2229172"/>
+            <a:ext cx="1446770" cy="1127048"/>
+          </a:xfrm>
+          <a:prstGeom prst="line">
+            <a:avLst/>
+          </a:prstGeom>
+          <a:ln w="19050">
+            <a:solidFill>
+              <a:schemeClr val="bg1">
+                <a:lumMod val="85000"/>
+              </a:schemeClr>
+            </a:solidFill>
+          </a:ln>
+        </p:spPr>
+        <p:style>
+          <a:lnRef idx="1">
+            <a:schemeClr val="accent1"/>
+          </a:lnRef>
+          <a:fillRef idx="0">
+            <a:schemeClr val="accent1"/>
+          </a:fillRef>
+          <a:effectRef idx="0">
+            <a:schemeClr val="accent1"/>
+          </a:effectRef>
+          <a:fontRef idx="minor">
+            <a:schemeClr val="tx1"/>
+          </a:fontRef>
+        </p:style>
+      </p:cxnSp>
+      <p:cxnSp>
+        <p:nvCxnSpPr>
+          <p:cNvPr id="31" name="直線接點 30">
+            <a:extLst>
+              <a:ext uri="{FF2B5EF4-FFF2-40B4-BE49-F238E27FC236}">
+                <a16:creationId xmlns:a16="http://schemas.microsoft.com/office/drawing/2014/main" id="{C24A4E78-75A6-4DE3-913A-0A5F8DC35CC7}"/>
+              </a:ext>
+            </a:extLst>
+          </p:cNvPr>
+          <p:cNvCxnSpPr>
+            <a:cxnSpLocks/>
+            <a:stCxn id="37" idx="2"/>
+            <a:endCxn id="9" idx="6"/>
+          </p:cNvCxnSpPr>
+          <p:nvPr/>
+        </p:nvCxnSpPr>
+        <p:spPr>
+          <a:xfrm flipH="1" flipV="1">
+            <a:off x="7469476" y="2171698"/>
+            <a:ext cx="2243484" cy="816513"/>
+          </a:xfrm>
+          <a:prstGeom prst="line">
+            <a:avLst/>
+          </a:prstGeom>
+          <a:ln w="28575">
+            <a:solidFill>
+              <a:srgbClr val="FF0000"/>
+            </a:solidFill>
+          </a:ln>
+        </p:spPr>
+        <p:style>
+          <a:lnRef idx="1">
+            <a:schemeClr val="accent1"/>
+          </a:lnRef>
+          <a:fillRef idx="0">
+            <a:schemeClr val="accent1"/>
+          </a:fillRef>
+          <a:effectRef idx="0">
+            <a:schemeClr val="accent1"/>
+          </a:effectRef>
+          <a:fontRef idx="minor">
+            <a:schemeClr val="tx1"/>
+          </a:fontRef>
+        </p:style>
+      </p:cxnSp>
+      <p:cxnSp>
+        <p:nvCxnSpPr>
+          <p:cNvPr id="35" name="直線接點 34">
+            <a:extLst>
+              <a:ext uri="{FF2B5EF4-FFF2-40B4-BE49-F238E27FC236}">
+                <a16:creationId xmlns:a16="http://schemas.microsoft.com/office/drawing/2014/main" id="{55FF4FC9-065B-4F19-8E98-E25A9D577734}"/>
+              </a:ext>
+            </a:extLst>
+          </p:cNvPr>
+          <p:cNvCxnSpPr>
+            <a:cxnSpLocks/>
+            <a:stCxn id="37" idx="6"/>
+          </p:cNvCxnSpPr>
+          <p:nvPr/>
+        </p:nvCxnSpPr>
+        <p:spPr>
+          <a:xfrm flipV="1">
+            <a:off x="9875520" y="1410316"/>
+            <a:ext cx="1021831" cy="1577895"/>
+          </a:xfrm>
+          <a:prstGeom prst="line">
+            <a:avLst/>
+          </a:prstGeom>
+          <a:ln w="19050">
+            <a:solidFill>
+              <a:schemeClr val="tx1"/>
+            </a:solidFill>
+          </a:ln>
+        </p:spPr>
+        <p:style>
+          <a:lnRef idx="1">
+            <a:schemeClr val="accent1"/>
+          </a:lnRef>
+          <a:fillRef idx="0">
+            <a:schemeClr val="accent1"/>
+          </a:fillRef>
+          <a:effectRef idx="0">
+            <a:schemeClr val="accent1"/>
+          </a:effectRef>
+          <a:fontRef idx="minor">
+            <a:schemeClr val="tx1"/>
+          </a:fontRef>
+        </p:style>
+      </p:cxnSp>
+      <p:cxnSp>
+        <p:nvCxnSpPr>
+          <p:cNvPr id="3" name="直線接點 2">
+            <a:extLst>
+              <a:ext uri="{FF2B5EF4-FFF2-40B4-BE49-F238E27FC236}">
+                <a16:creationId xmlns:a16="http://schemas.microsoft.com/office/drawing/2014/main" id="{B7EF7A4F-00E7-4834-96DB-2EC549BE0D07}"/>
+              </a:ext>
+            </a:extLst>
+          </p:cNvPr>
+          <p:cNvCxnSpPr>
+            <a:cxnSpLocks/>
+            <a:stCxn id="9" idx="3"/>
+            <a:endCxn id="7" idx="6"/>
+          </p:cNvCxnSpPr>
+          <p:nvPr/>
+        </p:nvCxnSpPr>
+        <p:spPr>
+          <a:xfrm flipH="1">
+            <a:off x="3980532" y="2229172"/>
+            <a:ext cx="3350190" cy="1629635"/>
+          </a:xfrm>
+          <a:prstGeom prst="line">
+            <a:avLst/>
+          </a:prstGeom>
+          <a:ln w="28575">
+            <a:solidFill>
+              <a:srgbClr val="75AADB"/>
+            </a:solidFill>
+          </a:ln>
+        </p:spPr>
+        <p:style>
+          <a:lnRef idx="1">
+            <a:schemeClr val="accent1"/>
+          </a:lnRef>
+          <a:fillRef idx="0">
+            <a:schemeClr val="accent1"/>
+          </a:fillRef>
+          <a:effectRef idx="0">
+            <a:schemeClr val="accent1"/>
+          </a:effectRef>
+          <a:fontRef idx="minor">
+            <a:schemeClr val="tx1"/>
+          </a:fontRef>
+        </p:style>
+      </p:cxnSp>
+      <p:sp>
+        <p:nvSpPr>
+          <p:cNvPr id="22" name="文字方塊 21">
+            <a:extLst>
+              <a:ext uri="{FF2B5EF4-FFF2-40B4-BE49-F238E27FC236}">
+                <a16:creationId xmlns:a16="http://schemas.microsoft.com/office/drawing/2014/main" id="{5AE68189-21B9-4169-B7FC-2C97A56A28D5}"/>
+              </a:ext>
+            </a:extLst>
+          </p:cNvPr>
+          <p:cNvSpPr txBox="1"/>
+          <p:nvPr/>
+        </p:nvSpPr>
+        <p:spPr>
+          <a:xfrm>
+            <a:off x="5633295" y="2894555"/>
+            <a:ext cx="567784" cy="461665"/>
+          </a:xfrm>
+          <a:prstGeom prst="rect">
+            <a:avLst/>
+          </a:prstGeom>
+          <a:noFill/>
+        </p:spPr>
+        <p:txBody>
+          <a:bodyPr wrap="square">
+            <a:spAutoFit/>
+          </a:bodyPr>
+          <a:lstStyle>
+            <a:defPPr>
+              <a:defRPr lang="zh-TW"/>
+            </a:defPPr>
+            <a:lvl1pPr algn="ctr">
+              <a:defRPr sz="2400" b="1" i="0">
+                <a:effectLst/>
+                <a:latin typeface="Times New Roman" panose="02020603050405020304" pitchFamily="18" charset="0"/>
+                <a:cs typeface="Times New Roman" panose="02020603050405020304" pitchFamily="18" charset="0"/>
+              </a:defRPr>
+            </a:lvl1pPr>
+          </a:lstStyle>
+          <a:p>
+            <a:r>
+              <a:rPr lang="en-US" altLang="zh-TW" dirty="0"/>
+              <a:t>&lt; </a:t>
+            </a:r>
+            <a:r>
+              <a:rPr lang="el-GR" altLang="zh-TW" dirty="0"/>
+              <a:t>ε</a:t>
+            </a:r>
+            <a:endParaRPr lang="zh-TW" altLang="en-US" dirty="0"/>
+          </a:p>
+        </p:txBody>
+      </p:sp>
+      <p:sp>
+        <p:nvSpPr>
+          <p:cNvPr id="37" name="橢圓 36">
+            <a:extLst>
+              <a:ext uri="{FF2B5EF4-FFF2-40B4-BE49-F238E27FC236}">
+                <a16:creationId xmlns:a16="http://schemas.microsoft.com/office/drawing/2014/main" id="{ABD8121F-AAAE-44B1-82A5-6B363CD6B094}"/>
+              </a:ext>
+            </a:extLst>
+          </p:cNvPr>
+          <p:cNvSpPr/>
+          <p:nvPr/>
+        </p:nvSpPr>
+        <p:spPr>
+          <a:xfrm>
+            <a:off x="9712960" y="2906931"/>
+            <a:ext cx="162560" cy="162560"/>
+          </a:xfrm>
+          <a:prstGeom prst="ellipse">
+            <a:avLst/>
+          </a:prstGeom>
+          <a:solidFill>
+            <a:srgbClr val="FF0000"/>
+          </a:solidFill>
+          <a:ln>
+            <a:noFill/>
+          </a:ln>
+        </p:spPr>
+        <p:style>
+          <a:lnRef idx="2">
+            <a:schemeClr val="accent1">
+              <a:shade val="50000"/>
+            </a:schemeClr>
+          </a:lnRef>
+          <a:fillRef idx="1">
+            <a:schemeClr val="accent1"/>
+          </a:fillRef>
+          <a:effectRef idx="0">
+            <a:schemeClr val="accent1"/>
+          </a:effectRef>
+          <a:fontRef idx="minor">
+            <a:schemeClr val="lt1"/>
+          </a:fontRef>
+        </p:style>
+        <p:txBody>
+          <a:bodyPr rtlCol="0" anchor="ctr"/>
+          <a:lstStyle/>
+          <a:p>
+            <a:pPr algn="ctr"/>
+            <a:endParaRPr lang="zh-TW" altLang="en-US"/>
+          </a:p>
+        </p:txBody>
+      </p:sp>
+      <p:sp>
+        <p:nvSpPr>
+          <p:cNvPr id="28" name="橢圓 27">
+            <a:extLst>
+              <a:ext uri="{FF2B5EF4-FFF2-40B4-BE49-F238E27FC236}">
+                <a16:creationId xmlns:a16="http://schemas.microsoft.com/office/drawing/2014/main" id="{D09F291E-FF68-46A5-8BAF-AEBCD9087A8F}"/>
+              </a:ext>
+            </a:extLst>
+          </p:cNvPr>
+          <p:cNvSpPr/>
+          <p:nvPr/>
+        </p:nvSpPr>
+        <p:spPr>
+          <a:xfrm>
+            <a:off x="10873545" y="1271562"/>
+            <a:ext cx="162560" cy="162560"/>
+          </a:xfrm>
+          <a:prstGeom prst="ellipse">
+            <a:avLst/>
+          </a:prstGeom>
+          <a:solidFill>
+            <a:schemeClr val="tx1"/>
+          </a:solidFill>
+          <a:ln>
+            <a:noFill/>
+          </a:ln>
+        </p:spPr>
+        <p:style>
+          <a:lnRef idx="2">
+            <a:schemeClr val="accent1">
+              <a:shade val="50000"/>
+            </a:schemeClr>
+          </a:lnRef>
+          <a:fillRef idx="1">
+            <a:schemeClr val="accent1"/>
+          </a:fillRef>
+          <a:effectRef idx="0">
+            <a:schemeClr val="accent1"/>
+          </a:effectRef>
+          <a:fontRef idx="minor">
+            <a:schemeClr val="lt1"/>
+          </a:fontRef>
+        </p:style>
+        <p:txBody>
+          <a:bodyPr rtlCol="0" anchor="ctr"/>
+          <a:lstStyle/>
+          <a:p>
+            <a:pPr algn="ctr"/>
+            <a:endParaRPr lang="zh-TW" altLang="en-US">
+              <a:solidFill>
+                <a:srgbClr val="FF0000"/>
+              </a:solidFill>
+            </a:endParaRPr>
+          </a:p>
+        </p:txBody>
+      </p:sp>
+      <p:cxnSp>
+        <p:nvCxnSpPr>
+          <p:cNvPr id="30" name="直線接點 29">
+            <a:extLst>
+              <a:ext uri="{FF2B5EF4-FFF2-40B4-BE49-F238E27FC236}">
+                <a16:creationId xmlns:a16="http://schemas.microsoft.com/office/drawing/2014/main" id="{2C10F7BF-2A42-4310-80B6-760740550EAC}"/>
+              </a:ext>
+            </a:extLst>
+          </p:cNvPr>
+          <p:cNvCxnSpPr>
+            <a:cxnSpLocks/>
+            <a:stCxn id="28" idx="7"/>
+            <a:endCxn id="32" idx="2"/>
+          </p:cNvCxnSpPr>
+          <p:nvPr/>
+        </p:nvCxnSpPr>
+        <p:spPr>
+          <a:xfrm flipV="1">
+            <a:off x="11012299" y="726291"/>
+            <a:ext cx="1098421" cy="569077"/>
+          </a:xfrm>
+          <a:prstGeom prst="line">
+            <a:avLst/>
+          </a:prstGeom>
+          <a:ln w="19050">
+            <a:solidFill>
+              <a:schemeClr val="tx1"/>
+            </a:solidFill>
+          </a:ln>
+        </p:spPr>
+        <p:style>
+          <a:lnRef idx="1">
+            <a:schemeClr val="accent1"/>
+          </a:lnRef>
+          <a:fillRef idx="0">
+            <a:schemeClr val="accent1"/>
+          </a:fillRef>
+          <a:effectRef idx="0">
+            <a:schemeClr val="accent1"/>
+          </a:effectRef>
+          <a:fontRef idx="minor">
+            <a:schemeClr val="tx1"/>
+          </a:fontRef>
+        </p:style>
+      </p:cxnSp>
+      <p:sp>
+        <p:nvSpPr>
+          <p:cNvPr id="32" name="橢圓 31">
+            <a:extLst>
+              <a:ext uri="{FF2B5EF4-FFF2-40B4-BE49-F238E27FC236}">
+                <a16:creationId xmlns:a16="http://schemas.microsoft.com/office/drawing/2014/main" id="{F1CC9D62-DE2A-417A-A04F-D7190BE2230D}"/>
+              </a:ext>
+            </a:extLst>
+          </p:cNvPr>
+          <p:cNvSpPr/>
+          <p:nvPr/>
+        </p:nvSpPr>
+        <p:spPr>
+          <a:xfrm>
+            <a:off x="12110720" y="645011"/>
+            <a:ext cx="162560" cy="162560"/>
+          </a:xfrm>
+          <a:prstGeom prst="ellipse">
+            <a:avLst/>
+          </a:prstGeom>
+          <a:solidFill>
+            <a:srgbClr val="FF0000"/>
+          </a:solidFill>
+          <a:ln>
+            <a:noFill/>
+          </a:ln>
+        </p:spPr>
+        <p:style>
+          <a:lnRef idx="2">
+            <a:schemeClr val="accent1">
+              <a:shade val="50000"/>
+            </a:schemeClr>
+          </a:lnRef>
+          <a:fillRef idx="1">
+            <a:schemeClr val="accent1"/>
+          </a:fillRef>
+          <a:effectRef idx="0">
+            <a:schemeClr val="accent1"/>
+          </a:effectRef>
+          <a:fontRef idx="minor">
+            <a:schemeClr val="lt1"/>
+          </a:fontRef>
+        </p:style>
+        <p:txBody>
+          <a:bodyPr rtlCol="0" anchor="ctr"/>
+          <a:lstStyle/>
+          <a:p>
+            <a:pPr algn="ctr"/>
+            <a:endParaRPr lang="zh-TW" altLang="en-US"/>
+          </a:p>
+        </p:txBody>
+      </p:sp>
+      <p:cxnSp>
+        <p:nvCxnSpPr>
+          <p:cNvPr id="34" name="直線接點 33">
+            <a:extLst>
+              <a:ext uri="{FF2B5EF4-FFF2-40B4-BE49-F238E27FC236}">
+                <a16:creationId xmlns:a16="http://schemas.microsoft.com/office/drawing/2014/main" id="{F2EB7B47-A5C7-47E7-89A8-E5EB267A2B22}"/>
+              </a:ext>
+            </a:extLst>
+          </p:cNvPr>
+          <p:cNvCxnSpPr>
+            <a:cxnSpLocks/>
+            <a:stCxn id="8" idx="1"/>
+          </p:cNvCxnSpPr>
+          <p:nvPr/>
+        </p:nvCxnSpPr>
+        <p:spPr>
+          <a:xfrm flipH="1" flipV="1">
+            <a:off x="5623560" y="3078480"/>
+            <a:ext cx="145444" cy="277740"/>
+          </a:xfrm>
+          <a:prstGeom prst="line">
+            <a:avLst/>
+          </a:prstGeom>
+          <a:ln w="38100">
+            <a:solidFill>
+              <a:srgbClr val="75AADB"/>
+            </a:solidFill>
+            <a:prstDash val="sysDot"/>
+          </a:ln>
+        </p:spPr>
+        <p:style>
+          <a:lnRef idx="1">
+            <a:schemeClr val="accent1"/>
+          </a:lnRef>
+          <a:fillRef idx="0">
+            <a:schemeClr val="accent1"/>
+          </a:fillRef>
+          <a:effectRef idx="0">
+            <a:schemeClr val="accent1"/>
+          </a:effectRef>
+          <a:fontRef idx="minor">
+            <a:schemeClr val="tx1"/>
+          </a:fontRef>
+        </p:style>
+      </p:cxnSp>
+      <p:cxnSp>
+        <p:nvCxnSpPr>
+          <p:cNvPr id="39" name="直線接點 38">
+            <a:extLst>
+              <a:ext uri="{FF2B5EF4-FFF2-40B4-BE49-F238E27FC236}">
+                <a16:creationId xmlns:a16="http://schemas.microsoft.com/office/drawing/2014/main" id="{EECC2CBD-E4DC-42B4-AC7B-DAC10332CEEC}"/>
+              </a:ext>
+            </a:extLst>
+          </p:cNvPr>
+          <p:cNvCxnSpPr>
+            <a:cxnSpLocks/>
+          </p:cNvCxnSpPr>
+          <p:nvPr/>
+        </p:nvCxnSpPr>
+        <p:spPr>
+          <a:xfrm>
+            <a:off x="1160585" y="2166228"/>
+            <a:ext cx="2681193" cy="1635105"/>
+          </a:xfrm>
+          <a:prstGeom prst="line">
+            <a:avLst/>
+          </a:prstGeom>
+          <a:ln w="28575">
+            <a:solidFill>
+              <a:srgbClr val="FF0000"/>
+            </a:solidFill>
+          </a:ln>
+        </p:spPr>
+        <p:style>
+          <a:lnRef idx="1">
+            <a:schemeClr val="accent1"/>
+          </a:lnRef>
+          <a:fillRef idx="0">
+            <a:schemeClr val="accent1"/>
+          </a:fillRef>
+          <a:effectRef idx="0">
+            <a:schemeClr val="accent1"/>
+          </a:effectRef>
+          <a:fontRef idx="minor">
+            <a:schemeClr val="tx1"/>
+          </a:fontRef>
+        </p:style>
+      </p:cxnSp>
+      <p:sp>
+        <p:nvSpPr>
+          <p:cNvPr id="40" name="文字方塊 39">
+            <a:extLst>
+              <a:ext uri="{FF2B5EF4-FFF2-40B4-BE49-F238E27FC236}">
+                <a16:creationId xmlns:a16="http://schemas.microsoft.com/office/drawing/2014/main" id="{555901DA-8FE5-4969-8688-4F1273385B2A}"/>
+              </a:ext>
+            </a:extLst>
+          </p:cNvPr>
+          <p:cNvSpPr txBox="1"/>
+          <p:nvPr/>
+        </p:nvSpPr>
+        <p:spPr>
+          <a:xfrm>
+            <a:off x="408665" y="304161"/>
+            <a:ext cx="1928213" cy="584775"/>
+          </a:xfrm>
+          <a:prstGeom prst="rect">
+            <a:avLst/>
+          </a:prstGeom>
+          <a:noFill/>
+        </p:spPr>
+        <p:txBody>
+          <a:bodyPr wrap="square">
+            <a:spAutoFit/>
+          </a:bodyPr>
+          <a:lstStyle/>
+          <a:p>
+            <a:pPr algn="ctr"/>
+            <a:r>
+              <a:rPr lang="en-US" altLang="zh-TW" sz="3200" b="1" dirty="0">
+                <a:latin typeface="Times New Roman" panose="02020603050405020304" pitchFamily="18" charset="0"/>
+                <a:cs typeface="Times New Roman" panose="02020603050405020304" pitchFamily="18" charset="0"/>
+              </a:rPr>
+              <a:t>STEP 6</a:t>
+            </a:r>
+            <a:endParaRPr lang="zh-TW" altLang="en-US" sz="2000" b="1" dirty="0"/>
+          </a:p>
+        </p:txBody>
+      </p:sp>
+      <p:sp>
+        <p:nvSpPr>
+          <p:cNvPr id="42" name="矩形 41">
+            <a:extLst>
+              <a:ext uri="{FF2B5EF4-FFF2-40B4-BE49-F238E27FC236}">
+                <a16:creationId xmlns:a16="http://schemas.microsoft.com/office/drawing/2014/main" id="{A65E0752-9933-4C6C-8687-7D477076263C}"/>
+              </a:ext>
+            </a:extLst>
+          </p:cNvPr>
+          <p:cNvSpPr/>
+          <p:nvPr/>
+        </p:nvSpPr>
+        <p:spPr>
+          <a:xfrm>
+            <a:off x="0" y="1"/>
+            <a:ext cx="12915825" cy="4622800"/>
+          </a:xfrm>
+          <a:prstGeom prst="rect">
+            <a:avLst/>
+          </a:prstGeom>
+          <a:noFill/>
+          <a:ln>
+            <a:noFill/>
+          </a:ln>
+        </p:spPr>
+        <p:style>
+          <a:lnRef idx="2">
+            <a:schemeClr val="accent1">
+              <a:shade val="50000"/>
+            </a:schemeClr>
+          </a:lnRef>
+          <a:fillRef idx="1">
+            <a:schemeClr val="accent1"/>
+          </a:fillRef>
+          <a:effectRef idx="0">
+            <a:schemeClr val="accent1"/>
+          </a:effectRef>
+          <a:fontRef idx="minor">
+            <a:schemeClr val="lt1"/>
+          </a:fontRef>
+        </p:style>
+        <p:txBody>
+          <a:bodyPr rtlCol="0" anchor="ctr"/>
+          <a:lstStyle/>
+          <a:p>
+            <a:pPr algn="ctr"/>
+            <a:endParaRPr lang="zh-TW" altLang="en-US"/>
+          </a:p>
+        </p:txBody>
+      </p:sp>
+      <p:sp>
+        <p:nvSpPr>
+          <p:cNvPr id="25" name="文字方塊 24">
+            <a:extLst>
+              <a:ext uri="{FF2B5EF4-FFF2-40B4-BE49-F238E27FC236}">
+                <a16:creationId xmlns:a16="http://schemas.microsoft.com/office/drawing/2014/main" id="{6A6B1E21-CA00-4CC7-9A2F-DCBE95B24D82}"/>
+              </a:ext>
+            </a:extLst>
+          </p:cNvPr>
+          <p:cNvSpPr txBox="1"/>
+          <p:nvPr/>
+        </p:nvSpPr>
+        <p:spPr>
+          <a:xfrm>
+            <a:off x="338525" y="1535360"/>
+            <a:ext cx="1447650" cy="461665"/>
+          </a:xfrm>
+          <a:prstGeom prst="rect">
+            <a:avLst/>
+          </a:prstGeom>
+          <a:noFill/>
+        </p:spPr>
+        <p:txBody>
+          <a:bodyPr wrap="square">
+            <a:spAutoFit/>
+          </a:bodyPr>
+          <a:lstStyle/>
+          <a:p>
+            <a:pPr algn="ctr"/>
+            <a:r>
+              <a:rPr lang="zh-TW" altLang="en-US" sz="2400" b="1" dirty="0">
+                <a:latin typeface="Times New Roman" panose="02020603050405020304" pitchFamily="18" charset="0"/>
+                <a:ea typeface="標楷體" panose="03000509000000000000" pitchFamily="65" charset="-120"/>
+                <a:cs typeface="Times New Roman" panose="02020603050405020304" pitchFamily="18" charset="0"/>
+              </a:rPr>
+              <a:t>首端</a:t>
+            </a:r>
+            <a:endParaRPr lang="zh-TW" altLang="en-US" sz="1400" b="1" dirty="0">
+              <a:latin typeface="Times New Roman" panose="02020603050405020304" pitchFamily="18" charset="0"/>
+              <a:ea typeface="標楷體" panose="03000509000000000000" pitchFamily="65" charset="-120"/>
+              <a:cs typeface="Times New Roman" panose="02020603050405020304" pitchFamily="18" charset="0"/>
+            </a:endParaRPr>
+          </a:p>
+        </p:txBody>
+      </p:sp>
+      <p:sp>
+        <p:nvSpPr>
+          <p:cNvPr id="26" name="文字方塊 25">
+            <a:extLst>
+              <a:ext uri="{FF2B5EF4-FFF2-40B4-BE49-F238E27FC236}">
+                <a16:creationId xmlns:a16="http://schemas.microsoft.com/office/drawing/2014/main" id="{C3082F81-9988-4596-842E-9B68962ED8A1}"/>
+              </a:ext>
+            </a:extLst>
+          </p:cNvPr>
+          <p:cNvSpPr txBox="1"/>
+          <p:nvPr/>
+        </p:nvSpPr>
+        <p:spPr>
+          <a:xfrm>
+            <a:off x="11468175" y="125872"/>
+            <a:ext cx="1447650" cy="461665"/>
+          </a:xfrm>
+          <a:prstGeom prst="rect">
+            <a:avLst/>
+          </a:prstGeom>
+          <a:noFill/>
+        </p:spPr>
+        <p:txBody>
+          <a:bodyPr wrap="square">
+            <a:spAutoFit/>
+          </a:bodyPr>
+          <a:lstStyle/>
+          <a:p>
+            <a:pPr algn="ctr"/>
+            <a:r>
+              <a:rPr lang="zh-TW" altLang="en-US" sz="2400" b="1" dirty="0">
+                <a:latin typeface="Times New Roman" panose="02020603050405020304" pitchFamily="18" charset="0"/>
+                <a:ea typeface="標楷體" panose="03000509000000000000" pitchFamily="65" charset="-120"/>
+                <a:cs typeface="Times New Roman" panose="02020603050405020304" pitchFamily="18" charset="0"/>
+              </a:rPr>
+              <a:t>末端</a:t>
+            </a:r>
+            <a:endParaRPr lang="zh-TW" altLang="en-US" sz="1400" b="1" dirty="0">
+              <a:latin typeface="Times New Roman" panose="02020603050405020304" pitchFamily="18" charset="0"/>
+              <a:ea typeface="標楷體" panose="03000509000000000000" pitchFamily="65" charset="-120"/>
+              <a:cs typeface="Times New Roman" panose="02020603050405020304" pitchFamily="18" charset="0"/>
+            </a:endParaRPr>
+          </a:p>
+        </p:txBody>
+      </p:sp>
+      <p:sp>
+        <p:nvSpPr>
+          <p:cNvPr id="27" name="文字方塊 26">
+            <a:extLst>
+              <a:ext uri="{FF2B5EF4-FFF2-40B4-BE49-F238E27FC236}">
+                <a16:creationId xmlns:a16="http://schemas.microsoft.com/office/drawing/2014/main" id="{42C39763-DEEA-4AAF-86EA-40366419198F}"/>
+              </a:ext>
+            </a:extLst>
+          </p:cNvPr>
+          <p:cNvSpPr txBox="1"/>
+          <p:nvPr/>
+        </p:nvSpPr>
+        <p:spPr>
+          <a:xfrm>
+            <a:off x="5059567" y="3495080"/>
+            <a:ext cx="1192119" cy="400110"/>
+          </a:xfrm>
+          <a:prstGeom prst="rect">
+            <a:avLst/>
+          </a:prstGeom>
+          <a:noFill/>
+        </p:spPr>
+        <p:txBody>
+          <a:bodyPr wrap="square">
+            <a:spAutoFit/>
+          </a:bodyPr>
+          <a:lstStyle/>
+          <a:p>
+            <a:pPr algn="ctr"/>
+            <a:r>
+              <a:rPr lang="zh-TW" altLang="en-US" sz="2000" b="1" i="0" dirty="0">
+                <a:solidFill>
+                  <a:srgbClr val="7F7F7F"/>
+                </a:solidFill>
+                <a:effectLst/>
+                <a:latin typeface="標楷體" panose="03000509000000000000" pitchFamily="65" charset="-120"/>
+                <a:ea typeface="標楷體" panose="03000509000000000000" pitchFamily="65" charset="-120"/>
+                <a:cs typeface="Times New Roman" panose="02020603050405020304" pitchFamily="18" charset="0"/>
+              </a:rPr>
+              <a:t>移除</a:t>
+            </a:r>
+            <a:endParaRPr lang="zh-TW" altLang="en-US" sz="1200" b="1" dirty="0">
+              <a:solidFill>
+                <a:srgbClr val="7F7F7F"/>
+              </a:solidFill>
+              <a:latin typeface="標楷體" panose="03000509000000000000" pitchFamily="65" charset="-120"/>
+              <a:ea typeface="標楷體" panose="03000509000000000000" pitchFamily="65" charset="-120"/>
+              <a:cs typeface="Times New Roman" panose="02020603050405020304" pitchFamily="18" charset="0"/>
+            </a:endParaRPr>
+          </a:p>
+        </p:txBody>
+      </p:sp>
+      <p:sp>
+        <p:nvSpPr>
+          <p:cNvPr id="29" name="文字方塊 28">
+            <a:extLst>
+              <a:ext uri="{FF2B5EF4-FFF2-40B4-BE49-F238E27FC236}">
+                <a16:creationId xmlns:a16="http://schemas.microsoft.com/office/drawing/2014/main" id="{5D5D58BE-8F92-4686-8517-B5F0A762C79D}"/>
+              </a:ext>
+            </a:extLst>
+          </p:cNvPr>
+          <p:cNvSpPr txBox="1"/>
+          <p:nvPr/>
+        </p:nvSpPr>
+        <p:spPr>
+          <a:xfrm>
+            <a:off x="5775340" y="3315862"/>
+            <a:ext cx="1447650" cy="461665"/>
+          </a:xfrm>
+          <a:prstGeom prst="rect">
+            <a:avLst/>
+          </a:prstGeom>
+          <a:noFill/>
+        </p:spPr>
+        <p:txBody>
+          <a:bodyPr wrap="square">
+            <a:spAutoFit/>
+          </a:bodyPr>
+          <a:lstStyle/>
+          <a:p>
+            <a:pPr algn="ctr"/>
+            <a:r>
+              <a:rPr lang="zh-TW" altLang="en-US" sz="2400" b="1" i="0" dirty="0">
+                <a:effectLst/>
+                <a:latin typeface="標楷體" panose="03000509000000000000" pitchFamily="65" charset="-120"/>
+                <a:ea typeface="標楷體" panose="03000509000000000000" pitchFamily="65" charset="-120"/>
+                <a:cs typeface="Times New Roman" panose="02020603050405020304" pitchFamily="18" charset="0"/>
+              </a:rPr>
+              <a:t>最遠點</a:t>
+            </a:r>
+            <a:endParaRPr lang="zh-TW" altLang="en-US" sz="1400" b="1" dirty="0">
+              <a:latin typeface="標楷體" panose="03000509000000000000" pitchFamily="65" charset="-120"/>
+              <a:ea typeface="標楷體" panose="03000509000000000000" pitchFamily="65" charset="-120"/>
+              <a:cs typeface="Times New Roman" panose="02020603050405020304" pitchFamily="18" charset="0"/>
+            </a:endParaRPr>
+          </a:p>
+        </p:txBody>
+      </p:sp>
+    </p:spTree>
+    <p:extLst>
+      <p:ext uri="{BB962C8B-B14F-4D97-AF65-F5344CB8AC3E}">
+        <p14:creationId xmlns:p14="http://schemas.microsoft.com/office/powerpoint/2010/main" val="2108920305"/>
+      </p:ext>
+    </p:extLst>
+  </p:cSld>
+  <p:clrMapOvr>
+    <a:masterClrMapping/>
+  </p:clrMapOvr>
+</p:sld>
+</file>
+
+<file path=ppt/slides/slide25.xml><?xml version="1.0" encoding="utf-8"?>
+<p:sld xmlns:a="http://schemas.openxmlformats.org/drawingml/2006/main" xmlns:r="http://schemas.openxmlformats.org/officeDocument/2006/relationships" xmlns:p="http://schemas.openxmlformats.org/presentationml/2006/main">
+  <p:cSld>
+    <p:spTree>
+      <p:nvGrpSpPr>
+        <p:cNvPr id="1" name=""/>
+        <p:cNvGrpSpPr/>
+        <p:nvPr/>
+      </p:nvGrpSpPr>
+      <p:grpSpPr>
+        <a:xfrm>
+          <a:off x="0" y="0"/>
+          <a:ext cx="0" cy="0"/>
+          <a:chOff x="0" y="0"/>
+          <a:chExt cx="0" cy="0"/>
+        </a:xfrm>
+      </p:grpSpPr>
+      <p:sp>
+        <p:nvSpPr>
+          <p:cNvPr id="4" name="橢圓 3">
+            <a:extLst>
+              <a:ext uri="{FF2B5EF4-FFF2-40B4-BE49-F238E27FC236}">
+                <a16:creationId xmlns:a16="http://schemas.microsoft.com/office/drawing/2014/main" id="{DA869778-0817-4277-91F6-42A34D4CDBF5}"/>
+              </a:ext>
+            </a:extLst>
+          </p:cNvPr>
+          <p:cNvSpPr/>
+          <p:nvPr/>
+        </p:nvSpPr>
+        <p:spPr>
+          <a:xfrm>
+            <a:off x="998025" y="2084948"/>
+            <a:ext cx="162560" cy="162560"/>
+          </a:xfrm>
+          <a:prstGeom prst="ellipse">
+            <a:avLst/>
+          </a:prstGeom>
+          <a:solidFill>
+            <a:srgbClr val="FF0000"/>
+          </a:solidFill>
+          <a:ln>
+            <a:noFill/>
+          </a:ln>
+        </p:spPr>
+        <p:style>
+          <a:lnRef idx="2">
+            <a:schemeClr val="accent1">
+              <a:shade val="50000"/>
+            </a:schemeClr>
+          </a:lnRef>
+          <a:fillRef idx="1">
+            <a:schemeClr val="accent1"/>
+          </a:fillRef>
+          <a:effectRef idx="0">
+            <a:schemeClr val="accent1"/>
+          </a:effectRef>
+          <a:fontRef idx="minor">
+            <a:schemeClr val="lt1"/>
+          </a:fontRef>
+        </p:style>
+        <p:txBody>
+          <a:bodyPr rtlCol="0" anchor="ctr"/>
+          <a:lstStyle/>
+          <a:p>
+            <a:pPr algn="ctr"/>
+            <a:endParaRPr lang="zh-TW" altLang="en-US"/>
+          </a:p>
+        </p:txBody>
+      </p:sp>
+      <p:sp>
+        <p:nvSpPr>
+          <p:cNvPr id="7" name="橢圓 6">
+            <a:extLst>
+              <a:ext uri="{FF2B5EF4-FFF2-40B4-BE49-F238E27FC236}">
+                <a16:creationId xmlns:a16="http://schemas.microsoft.com/office/drawing/2014/main" id="{6BFC05B2-7D2F-4FBE-83E2-4016490FFA40}"/>
+              </a:ext>
+            </a:extLst>
+          </p:cNvPr>
+          <p:cNvSpPr/>
+          <p:nvPr/>
+        </p:nvSpPr>
+        <p:spPr>
+          <a:xfrm>
+            <a:off x="3817972" y="3777527"/>
+            <a:ext cx="162560" cy="162560"/>
+          </a:xfrm>
+          <a:prstGeom prst="ellipse">
+            <a:avLst/>
+          </a:prstGeom>
+          <a:solidFill>
+            <a:srgbClr val="FF0000"/>
+          </a:solidFill>
+          <a:ln>
+            <a:noFill/>
+          </a:ln>
+        </p:spPr>
+        <p:style>
+          <a:lnRef idx="2">
+            <a:schemeClr val="accent1">
+              <a:shade val="50000"/>
+            </a:schemeClr>
+          </a:lnRef>
+          <a:fillRef idx="1">
+            <a:schemeClr val="accent1"/>
+          </a:fillRef>
+          <a:effectRef idx="0">
+            <a:schemeClr val="accent1"/>
+          </a:effectRef>
+          <a:fontRef idx="minor">
+            <a:schemeClr val="lt1"/>
+          </a:fontRef>
+        </p:style>
+        <p:txBody>
+          <a:bodyPr rtlCol="0" anchor="ctr"/>
+          <a:lstStyle/>
+          <a:p>
+            <a:pPr algn="ctr"/>
+            <a:endParaRPr lang="zh-TW" altLang="en-US"/>
+          </a:p>
+        </p:txBody>
+      </p:sp>
+      <p:sp>
+        <p:nvSpPr>
+          <p:cNvPr id="9" name="橢圓 8">
+            <a:extLst>
+              <a:ext uri="{FF2B5EF4-FFF2-40B4-BE49-F238E27FC236}">
+                <a16:creationId xmlns:a16="http://schemas.microsoft.com/office/drawing/2014/main" id="{D47F1CED-8281-475E-BEB7-E6828E11914C}"/>
+              </a:ext>
+            </a:extLst>
+          </p:cNvPr>
+          <p:cNvSpPr/>
+          <p:nvPr/>
+        </p:nvSpPr>
+        <p:spPr>
+          <a:xfrm>
+            <a:off x="7306916" y="2090418"/>
+            <a:ext cx="162560" cy="162560"/>
+          </a:xfrm>
+          <a:prstGeom prst="ellipse">
+            <a:avLst/>
+          </a:prstGeom>
+          <a:solidFill>
+            <a:srgbClr val="FF0000"/>
+          </a:solidFill>
+          <a:ln>
+            <a:noFill/>
+          </a:ln>
+        </p:spPr>
+        <p:style>
+          <a:lnRef idx="2">
+            <a:schemeClr val="accent1">
+              <a:shade val="50000"/>
+            </a:schemeClr>
+          </a:lnRef>
+          <a:fillRef idx="1">
+            <a:schemeClr val="accent1"/>
+          </a:fillRef>
+          <a:effectRef idx="0">
+            <a:schemeClr val="accent1"/>
+          </a:effectRef>
+          <a:fontRef idx="minor">
+            <a:schemeClr val="lt1"/>
+          </a:fontRef>
+        </p:style>
+        <p:txBody>
+          <a:bodyPr rtlCol="0" anchor="ctr"/>
+          <a:lstStyle/>
+          <a:p>
+            <a:pPr algn="ctr"/>
+            <a:endParaRPr lang="zh-TW" altLang="en-US"/>
+          </a:p>
+        </p:txBody>
+      </p:sp>
+      <p:cxnSp>
+        <p:nvCxnSpPr>
+          <p:cNvPr id="31" name="直線接點 30">
+            <a:extLst>
+              <a:ext uri="{FF2B5EF4-FFF2-40B4-BE49-F238E27FC236}">
+                <a16:creationId xmlns:a16="http://schemas.microsoft.com/office/drawing/2014/main" id="{C24A4E78-75A6-4DE3-913A-0A5F8DC35CC7}"/>
+              </a:ext>
+            </a:extLst>
+          </p:cNvPr>
+          <p:cNvCxnSpPr>
+            <a:cxnSpLocks/>
+            <a:stCxn id="37" idx="2"/>
+            <a:endCxn id="9" idx="6"/>
+          </p:cNvCxnSpPr>
+          <p:nvPr/>
+        </p:nvCxnSpPr>
+        <p:spPr>
+          <a:xfrm flipH="1" flipV="1">
+            <a:off x="7469476" y="2171698"/>
+            <a:ext cx="2243484" cy="816513"/>
+          </a:xfrm>
+          <a:prstGeom prst="line">
+            <a:avLst/>
+          </a:prstGeom>
+          <a:ln w="19050">
+            <a:solidFill>
+              <a:srgbClr val="FF0000"/>
+            </a:solidFill>
+          </a:ln>
+        </p:spPr>
+        <p:style>
+          <a:lnRef idx="1">
+            <a:schemeClr val="accent1"/>
+          </a:lnRef>
+          <a:fillRef idx="0">
+            <a:schemeClr val="accent1"/>
+          </a:fillRef>
+          <a:effectRef idx="0">
+            <a:schemeClr val="accent1"/>
+          </a:effectRef>
+          <a:fontRef idx="minor">
+            <a:schemeClr val="tx1"/>
+          </a:fontRef>
+        </p:style>
+      </p:cxnSp>
+      <p:cxnSp>
+        <p:nvCxnSpPr>
+          <p:cNvPr id="35" name="直線接點 34">
+            <a:extLst>
+              <a:ext uri="{FF2B5EF4-FFF2-40B4-BE49-F238E27FC236}">
+                <a16:creationId xmlns:a16="http://schemas.microsoft.com/office/drawing/2014/main" id="{55FF4FC9-065B-4F19-8E98-E25A9D577734}"/>
+              </a:ext>
+            </a:extLst>
+          </p:cNvPr>
+          <p:cNvCxnSpPr>
+            <a:cxnSpLocks/>
+            <a:stCxn id="37" idx="6"/>
+          </p:cNvCxnSpPr>
+          <p:nvPr/>
+        </p:nvCxnSpPr>
+        <p:spPr>
+          <a:xfrm flipV="1">
+            <a:off x="9875520" y="1410316"/>
+            <a:ext cx="1021831" cy="1577895"/>
+          </a:xfrm>
+          <a:prstGeom prst="line">
+            <a:avLst/>
+          </a:prstGeom>
+          <a:ln w="19050">
+            <a:solidFill>
+              <a:schemeClr val="bg1">
+                <a:lumMod val="85000"/>
+              </a:schemeClr>
+            </a:solidFill>
+          </a:ln>
+        </p:spPr>
+        <p:style>
+          <a:lnRef idx="1">
+            <a:schemeClr val="accent1"/>
+          </a:lnRef>
+          <a:fillRef idx="0">
+            <a:schemeClr val="accent1"/>
+          </a:fillRef>
+          <a:effectRef idx="0">
+            <a:schemeClr val="accent1"/>
+          </a:effectRef>
+          <a:fontRef idx="minor">
+            <a:schemeClr val="tx1"/>
+          </a:fontRef>
+        </p:style>
+      </p:cxnSp>
+      <p:cxnSp>
+        <p:nvCxnSpPr>
+          <p:cNvPr id="3" name="直線接點 2">
+            <a:extLst>
+              <a:ext uri="{FF2B5EF4-FFF2-40B4-BE49-F238E27FC236}">
+                <a16:creationId xmlns:a16="http://schemas.microsoft.com/office/drawing/2014/main" id="{B7EF7A4F-00E7-4834-96DB-2EC549BE0D07}"/>
+              </a:ext>
+            </a:extLst>
+          </p:cNvPr>
+          <p:cNvCxnSpPr>
+            <a:cxnSpLocks/>
+            <a:stCxn id="9" idx="3"/>
+            <a:endCxn id="7" idx="6"/>
+          </p:cNvCxnSpPr>
+          <p:nvPr/>
+        </p:nvCxnSpPr>
+        <p:spPr>
+          <a:xfrm flipH="1">
+            <a:off x="3980532" y="2229172"/>
+            <a:ext cx="3350190" cy="1629635"/>
+          </a:xfrm>
+          <a:prstGeom prst="line">
+            <a:avLst/>
+          </a:prstGeom>
+          <a:ln w="28575">
+            <a:solidFill>
+              <a:srgbClr val="FF0000"/>
+            </a:solidFill>
+          </a:ln>
+        </p:spPr>
+        <p:style>
+          <a:lnRef idx="1">
+            <a:schemeClr val="accent1"/>
+          </a:lnRef>
+          <a:fillRef idx="0">
+            <a:schemeClr val="accent1"/>
+          </a:fillRef>
+          <a:effectRef idx="0">
+            <a:schemeClr val="accent1"/>
+          </a:effectRef>
+          <a:fontRef idx="minor">
+            <a:schemeClr val="tx1"/>
+          </a:fontRef>
+        </p:style>
+      </p:cxnSp>
+      <p:sp>
+        <p:nvSpPr>
+          <p:cNvPr id="37" name="橢圓 36">
+            <a:extLst>
+              <a:ext uri="{FF2B5EF4-FFF2-40B4-BE49-F238E27FC236}">
+                <a16:creationId xmlns:a16="http://schemas.microsoft.com/office/drawing/2014/main" id="{ABD8121F-AAAE-44B1-82A5-6B363CD6B094}"/>
+              </a:ext>
+            </a:extLst>
+          </p:cNvPr>
+          <p:cNvSpPr/>
+          <p:nvPr/>
+        </p:nvSpPr>
+        <p:spPr>
+          <a:xfrm>
+            <a:off x="9712960" y="2906931"/>
+            <a:ext cx="162560" cy="162560"/>
+          </a:xfrm>
+          <a:prstGeom prst="ellipse">
+            <a:avLst/>
+          </a:prstGeom>
+          <a:solidFill>
+            <a:srgbClr val="FF0000"/>
+          </a:solidFill>
+          <a:ln>
+            <a:noFill/>
+          </a:ln>
+        </p:spPr>
+        <p:style>
+          <a:lnRef idx="2">
+            <a:schemeClr val="accent1">
+              <a:shade val="50000"/>
+            </a:schemeClr>
+          </a:lnRef>
+          <a:fillRef idx="1">
+            <a:schemeClr val="accent1"/>
+          </a:fillRef>
+          <a:effectRef idx="0">
+            <a:schemeClr val="accent1"/>
+          </a:effectRef>
+          <a:fontRef idx="minor">
+            <a:schemeClr val="lt1"/>
+          </a:fontRef>
+        </p:style>
+        <p:txBody>
+          <a:bodyPr rtlCol="0" anchor="ctr"/>
+          <a:lstStyle/>
+          <a:p>
+            <a:pPr algn="ctr"/>
+            <a:endParaRPr lang="zh-TW" altLang="en-US"/>
+          </a:p>
+        </p:txBody>
+      </p:sp>
+      <p:sp>
+        <p:nvSpPr>
+          <p:cNvPr id="28" name="橢圓 27">
+            <a:extLst>
+              <a:ext uri="{FF2B5EF4-FFF2-40B4-BE49-F238E27FC236}">
+                <a16:creationId xmlns:a16="http://schemas.microsoft.com/office/drawing/2014/main" id="{D09F291E-FF68-46A5-8BAF-AEBCD9087A8F}"/>
+              </a:ext>
+            </a:extLst>
+          </p:cNvPr>
+          <p:cNvSpPr/>
+          <p:nvPr/>
+        </p:nvSpPr>
+        <p:spPr>
+          <a:xfrm>
+            <a:off x="10873545" y="1271562"/>
+            <a:ext cx="162560" cy="162560"/>
+          </a:xfrm>
+          <a:prstGeom prst="ellipse">
+            <a:avLst/>
+          </a:prstGeom>
+          <a:solidFill>
+            <a:schemeClr val="bg1">
+              <a:lumMod val="85000"/>
+            </a:schemeClr>
+          </a:solidFill>
+          <a:ln>
+            <a:noFill/>
+          </a:ln>
+        </p:spPr>
+        <p:style>
+          <a:lnRef idx="2">
+            <a:schemeClr val="accent1">
+              <a:shade val="50000"/>
+            </a:schemeClr>
+          </a:lnRef>
+          <a:fillRef idx="1">
+            <a:schemeClr val="accent1"/>
+          </a:fillRef>
+          <a:effectRef idx="0">
+            <a:schemeClr val="accent1"/>
+          </a:effectRef>
+          <a:fontRef idx="minor">
+            <a:schemeClr val="lt1"/>
+          </a:fontRef>
+        </p:style>
+        <p:txBody>
+          <a:bodyPr rtlCol="0" anchor="ctr"/>
+          <a:lstStyle/>
+          <a:p>
+            <a:pPr algn="ctr"/>
+            <a:endParaRPr lang="zh-TW" altLang="en-US">
+              <a:solidFill>
+                <a:srgbClr val="FF0000"/>
+              </a:solidFill>
+            </a:endParaRPr>
+          </a:p>
+        </p:txBody>
+      </p:sp>
+      <p:cxnSp>
+        <p:nvCxnSpPr>
+          <p:cNvPr id="30" name="直線接點 29">
+            <a:extLst>
+              <a:ext uri="{FF2B5EF4-FFF2-40B4-BE49-F238E27FC236}">
+                <a16:creationId xmlns:a16="http://schemas.microsoft.com/office/drawing/2014/main" id="{2C10F7BF-2A42-4310-80B6-760740550EAC}"/>
+              </a:ext>
+            </a:extLst>
+          </p:cNvPr>
+          <p:cNvCxnSpPr>
+            <a:cxnSpLocks/>
+            <a:stCxn id="28" idx="7"/>
+            <a:endCxn id="32" idx="2"/>
+          </p:cNvCxnSpPr>
+          <p:nvPr/>
+        </p:nvCxnSpPr>
+        <p:spPr>
+          <a:xfrm flipV="1">
+            <a:off x="11012299" y="726291"/>
+            <a:ext cx="1098421" cy="569077"/>
+          </a:xfrm>
+          <a:prstGeom prst="line">
+            <a:avLst/>
+          </a:prstGeom>
+          <a:ln w="19050">
+            <a:solidFill>
+              <a:schemeClr val="bg1">
+                <a:lumMod val="85000"/>
+              </a:schemeClr>
+            </a:solidFill>
+          </a:ln>
+        </p:spPr>
+        <p:style>
+          <a:lnRef idx="1">
+            <a:schemeClr val="accent1"/>
+          </a:lnRef>
+          <a:fillRef idx="0">
+            <a:schemeClr val="accent1"/>
+          </a:fillRef>
+          <a:effectRef idx="0">
+            <a:schemeClr val="accent1"/>
+          </a:effectRef>
+          <a:fontRef idx="minor">
+            <a:schemeClr val="tx1"/>
+          </a:fontRef>
+        </p:style>
+      </p:cxnSp>
+      <p:sp>
+        <p:nvSpPr>
+          <p:cNvPr id="32" name="橢圓 31">
+            <a:extLst>
+              <a:ext uri="{FF2B5EF4-FFF2-40B4-BE49-F238E27FC236}">
+                <a16:creationId xmlns:a16="http://schemas.microsoft.com/office/drawing/2014/main" id="{F1CC9D62-DE2A-417A-A04F-D7190BE2230D}"/>
+              </a:ext>
+            </a:extLst>
+          </p:cNvPr>
+          <p:cNvSpPr/>
+          <p:nvPr/>
+        </p:nvSpPr>
+        <p:spPr>
+          <a:xfrm>
+            <a:off x="12110720" y="645011"/>
+            <a:ext cx="162560" cy="162560"/>
+          </a:xfrm>
+          <a:prstGeom prst="ellipse">
+            <a:avLst/>
+          </a:prstGeom>
+          <a:solidFill>
+            <a:srgbClr val="FF0000"/>
+          </a:solidFill>
+          <a:ln>
+            <a:noFill/>
+          </a:ln>
+        </p:spPr>
+        <p:style>
+          <a:lnRef idx="2">
+            <a:schemeClr val="accent1">
+              <a:shade val="50000"/>
+            </a:schemeClr>
+          </a:lnRef>
+          <a:fillRef idx="1">
+            <a:schemeClr val="accent1"/>
+          </a:fillRef>
+          <a:effectRef idx="0">
+            <a:schemeClr val="accent1"/>
+          </a:effectRef>
+          <a:fontRef idx="minor">
+            <a:schemeClr val="lt1"/>
+          </a:fontRef>
+        </p:style>
+        <p:txBody>
+          <a:bodyPr rtlCol="0" anchor="ctr"/>
+          <a:lstStyle/>
+          <a:p>
+            <a:pPr algn="ctr"/>
+            <a:endParaRPr lang="zh-TW" altLang="en-US"/>
+          </a:p>
+        </p:txBody>
+      </p:sp>
+      <p:cxnSp>
+        <p:nvCxnSpPr>
+          <p:cNvPr id="39" name="直線接點 38">
+            <a:extLst>
+              <a:ext uri="{FF2B5EF4-FFF2-40B4-BE49-F238E27FC236}">
+                <a16:creationId xmlns:a16="http://schemas.microsoft.com/office/drawing/2014/main" id="{EECC2CBD-E4DC-42B4-AC7B-DAC10332CEEC}"/>
+              </a:ext>
+            </a:extLst>
+          </p:cNvPr>
+          <p:cNvCxnSpPr>
+            <a:cxnSpLocks/>
+          </p:cNvCxnSpPr>
+          <p:nvPr/>
+        </p:nvCxnSpPr>
+        <p:spPr>
+          <a:xfrm>
+            <a:off x="1160585" y="2166228"/>
+            <a:ext cx="2681193" cy="1635105"/>
+          </a:xfrm>
+          <a:prstGeom prst="line">
+            <a:avLst/>
+          </a:prstGeom>
+          <a:ln w="28575">
+            <a:solidFill>
+              <a:srgbClr val="FF0000"/>
+            </a:solidFill>
+          </a:ln>
+        </p:spPr>
+        <p:style>
+          <a:lnRef idx="1">
+            <a:schemeClr val="accent1"/>
+          </a:lnRef>
+          <a:fillRef idx="0">
+            <a:schemeClr val="accent1"/>
+          </a:fillRef>
+          <a:effectRef idx="0">
+            <a:schemeClr val="accent1"/>
+          </a:effectRef>
+          <a:fontRef idx="minor">
+            <a:schemeClr val="tx1"/>
+          </a:fontRef>
+        </p:style>
+      </p:cxnSp>
+      <p:cxnSp>
+        <p:nvCxnSpPr>
+          <p:cNvPr id="19" name="直線接點 18">
+            <a:extLst>
+              <a:ext uri="{FF2B5EF4-FFF2-40B4-BE49-F238E27FC236}">
+                <a16:creationId xmlns:a16="http://schemas.microsoft.com/office/drawing/2014/main" id="{20BA8F0C-AADA-41F0-8D82-E5C469215771}"/>
+              </a:ext>
+            </a:extLst>
+          </p:cNvPr>
+          <p:cNvCxnSpPr>
+            <a:cxnSpLocks/>
+            <a:stCxn id="32" idx="3"/>
+          </p:cNvCxnSpPr>
+          <p:nvPr/>
+        </p:nvCxnSpPr>
+        <p:spPr>
+          <a:xfrm flipH="1">
+            <a:off x="9875520" y="783765"/>
+            <a:ext cx="2259006" cy="2204446"/>
+          </a:xfrm>
+          <a:prstGeom prst="line">
+            <a:avLst/>
+          </a:prstGeom>
+          <a:ln w="28575">
+            <a:solidFill>
+              <a:srgbClr val="75AADB"/>
+            </a:solidFill>
+          </a:ln>
+        </p:spPr>
+        <p:style>
+          <a:lnRef idx="1">
+            <a:schemeClr val="accent1"/>
+          </a:lnRef>
+          <a:fillRef idx="0">
+            <a:schemeClr val="accent1"/>
+          </a:fillRef>
+          <a:effectRef idx="0">
+            <a:schemeClr val="accent1"/>
+          </a:effectRef>
+          <a:fontRef idx="minor">
+            <a:schemeClr val="tx1"/>
+          </a:fontRef>
+        </p:style>
+      </p:cxnSp>
+      <p:cxnSp>
+        <p:nvCxnSpPr>
+          <p:cNvPr id="22" name="直線接點 21">
+            <a:extLst>
+              <a:ext uri="{FF2B5EF4-FFF2-40B4-BE49-F238E27FC236}">
+                <a16:creationId xmlns:a16="http://schemas.microsoft.com/office/drawing/2014/main" id="{4B929929-E395-453B-85B9-53FC99FAC055}"/>
+              </a:ext>
+            </a:extLst>
+          </p:cNvPr>
+          <p:cNvCxnSpPr>
+            <a:cxnSpLocks/>
+            <a:endCxn id="28" idx="5"/>
+          </p:cNvCxnSpPr>
+          <p:nvPr/>
+        </p:nvCxnSpPr>
+        <p:spPr>
+          <a:xfrm flipH="1" flipV="1">
+            <a:off x="11012299" y="1410316"/>
+            <a:ext cx="173861" cy="212967"/>
+          </a:xfrm>
+          <a:prstGeom prst="line">
+            <a:avLst/>
+          </a:prstGeom>
+          <a:ln w="38100">
+            <a:solidFill>
+              <a:srgbClr val="75AADB"/>
+            </a:solidFill>
+            <a:prstDash val="sysDot"/>
+          </a:ln>
+        </p:spPr>
+        <p:style>
+          <a:lnRef idx="1">
+            <a:schemeClr val="accent1"/>
+          </a:lnRef>
+          <a:fillRef idx="0">
+            <a:schemeClr val="accent1"/>
+          </a:fillRef>
+          <a:effectRef idx="0">
+            <a:schemeClr val="accent1"/>
+          </a:effectRef>
+          <a:fontRef idx="minor">
+            <a:schemeClr val="tx1"/>
+          </a:fontRef>
+        </p:style>
+      </p:cxnSp>
+      <p:sp>
+        <p:nvSpPr>
+          <p:cNvPr id="26" name="文字方塊 25">
+            <a:extLst>
+              <a:ext uri="{FF2B5EF4-FFF2-40B4-BE49-F238E27FC236}">
+                <a16:creationId xmlns:a16="http://schemas.microsoft.com/office/drawing/2014/main" id="{C27BA5DA-E613-4D9F-BF71-753DF49FE8FE}"/>
+              </a:ext>
+            </a:extLst>
+          </p:cNvPr>
+          <p:cNvSpPr txBox="1"/>
+          <p:nvPr/>
+        </p:nvSpPr>
+        <p:spPr>
+          <a:xfrm>
+            <a:off x="11023893" y="1202320"/>
+            <a:ext cx="567784" cy="461665"/>
+          </a:xfrm>
+          <a:prstGeom prst="rect">
+            <a:avLst/>
+          </a:prstGeom>
+          <a:noFill/>
+        </p:spPr>
+        <p:txBody>
+          <a:bodyPr wrap="square">
+            <a:spAutoFit/>
+          </a:bodyPr>
+          <a:lstStyle>
+            <a:defPPr>
+              <a:defRPr lang="zh-TW"/>
+            </a:defPPr>
+            <a:lvl1pPr algn="ctr">
+              <a:defRPr sz="2400" b="1" i="0">
+                <a:effectLst/>
+                <a:latin typeface="Times New Roman" panose="02020603050405020304" pitchFamily="18" charset="0"/>
+                <a:cs typeface="Times New Roman" panose="02020603050405020304" pitchFamily="18" charset="0"/>
+              </a:defRPr>
+            </a:lvl1pPr>
+          </a:lstStyle>
+          <a:p>
+            <a:r>
+              <a:rPr lang="en-US" altLang="zh-TW" dirty="0"/>
+              <a:t>&lt; </a:t>
+            </a:r>
+            <a:r>
+              <a:rPr lang="el-GR" altLang="zh-TW" dirty="0"/>
+              <a:t>ε</a:t>
+            </a:r>
+            <a:endParaRPr lang="zh-TW" altLang="en-US" dirty="0"/>
+          </a:p>
+        </p:txBody>
+      </p:sp>
+      <p:sp>
+        <p:nvSpPr>
+          <p:cNvPr id="33" name="文字方塊 32">
+            <a:extLst>
+              <a:ext uri="{FF2B5EF4-FFF2-40B4-BE49-F238E27FC236}">
+                <a16:creationId xmlns:a16="http://schemas.microsoft.com/office/drawing/2014/main" id="{5B5262E9-31AE-4170-8831-B47E1EABA3E4}"/>
+              </a:ext>
+            </a:extLst>
+          </p:cNvPr>
+          <p:cNvSpPr txBox="1"/>
+          <p:nvPr/>
+        </p:nvSpPr>
+        <p:spPr>
+          <a:xfrm>
+            <a:off x="408665" y="304161"/>
+            <a:ext cx="1928213" cy="584775"/>
+          </a:xfrm>
+          <a:prstGeom prst="rect">
+            <a:avLst/>
+          </a:prstGeom>
+          <a:noFill/>
+        </p:spPr>
+        <p:txBody>
+          <a:bodyPr wrap="square">
+            <a:spAutoFit/>
+          </a:bodyPr>
+          <a:lstStyle/>
+          <a:p>
+            <a:pPr algn="ctr"/>
+            <a:r>
+              <a:rPr lang="en-US" altLang="zh-TW" sz="3200" b="1" dirty="0">
+                <a:latin typeface="Times New Roman" panose="02020603050405020304" pitchFamily="18" charset="0"/>
+                <a:cs typeface="Times New Roman" panose="02020603050405020304" pitchFamily="18" charset="0"/>
+              </a:rPr>
+              <a:t>STEP 7</a:t>
+            </a:r>
+            <a:endParaRPr lang="zh-TW" altLang="en-US" sz="2000" b="1" dirty="0"/>
+          </a:p>
+        </p:txBody>
+      </p:sp>
+      <p:sp>
+        <p:nvSpPr>
+          <p:cNvPr id="34" name="矩形 33">
+            <a:extLst>
+              <a:ext uri="{FF2B5EF4-FFF2-40B4-BE49-F238E27FC236}">
+                <a16:creationId xmlns:a16="http://schemas.microsoft.com/office/drawing/2014/main" id="{045F7DB7-2AB4-4E90-86D1-5AA594EFCC61}"/>
+              </a:ext>
+            </a:extLst>
+          </p:cNvPr>
+          <p:cNvSpPr/>
+          <p:nvPr/>
+        </p:nvSpPr>
+        <p:spPr>
+          <a:xfrm>
+            <a:off x="0" y="1"/>
+            <a:ext cx="12915825" cy="4622800"/>
+          </a:xfrm>
+          <a:prstGeom prst="rect">
+            <a:avLst/>
+          </a:prstGeom>
+          <a:noFill/>
+          <a:ln>
+            <a:noFill/>
+          </a:ln>
+        </p:spPr>
+        <p:style>
+          <a:lnRef idx="2">
+            <a:schemeClr val="accent1">
+              <a:shade val="50000"/>
+            </a:schemeClr>
+          </a:lnRef>
+          <a:fillRef idx="1">
+            <a:schemeClr val="accent1"/>
+          </a:fillRef>
+          <a:effectRef idx="0">
+            <a:schemeClr val="accent1"/>
+          </a:effectRef>
+          <a:fontRef idx="minor">
+            <a:schemeClr val="lt1"/>
+          </a:fontRef>
+        </p:style>
+        <p:txBody>
+          <a:bodyPr rtlCol="0" anchor="ctr"/>
+          <a:lstStyle/>
+          <a:p>
+            <a:pPr algn="ctr"/>
+            <a:endParaRPr lang="zh-TW" altLang="en-US"/>
+          </a:p>
+        </p:txBody>
+      </p:sp>
+      <p:sp>
+        <p:nvSpPr>
+          <p:cNvPr id="25" name="文字方塊 24">
+            <a:extLst>
+              <a:ext uri="{FF2B5EF4-FFF2-40B4-BE49-F238E27FC236}">
+                <a16:creationId xmlns:a16="http://schemas.microsoft.com/office/drawing/2014/main" id="{3F744B04-6745-4587-8A11-7221400460E0}"/>
+              </a:ext>
+            </a:extLst>
+          </p:cNvPr>
+          <p:cNvSpPr txBox="1"/>
+          <p:nvPr/>
+        </p:nvSpPr>
+        <p:spPr>
+          <a:xfrm>
+            <a:off x="338525" y="1535360"/>
+            <a:ext cx="1447650" cy="461665"/>
+          </a:xfrm>
+          <a:prstGeom prst="rect">
+            <a:avLst/>
+          </a:prstGeom>
+          <a:noFill/>
+        </p:spPr>
+        <p:txBody>
+          <a:bodyPr wrap="square">
+            <a:spAutoFit/>
+          </a:bodyPr>
+          <a:lstStyle/>
+          <a:p>
+            <a:pPr algn="ctr"/>
+            <a:r>
+              <a:rPr lang="zh-TW" altLang="en-US" sz="2400" b="1" dirty="0">
+                <a:latin typeface="Times New Roman" panose="02020603050405020304" pitchFamily="18" charset="0"/>
+                <a:ea typeface="標楷體" panose="03000509000000000000" pitchFamily="65" charset="-120"/>
+                <a:cs typeface="Times New Roman" panose="02020603050405020304" pitchFamily="18" charset="0"/>
+              </a:rPr>
+              <a:t>首端</a:t>
+            </a:r>
+            <a:endParaRPr lang="zh-TW" altLang="en-US" sz="1400" b="1" dirty="0">
+              <a:latin typeface="Times New Roman" panose="02020603050405020304" pitchFamily="18" charset="0"/>
+              <a:ea typeface="標楷體" panose="03000509000000000000" pitchFamily="65" charset="-120"/>
+              <a:cs typeface="Times New Roman" panose="02020603050405020304" pitchFamily="18" charset="0"/>
+            </a:endParaRPr>
+          </a:p>
+        </p:txBody>
+      </p:sp>
+      <p:sp>
+        <p:nvSpPr>
+          <p:cNvPr id="36" name="文字方塊 35">
+            <a:extLst>
+              <a:ext uri="{FF2B5EF4-FFF2-40B4-BE49-F238E27FC236}">
+                <a16:creationId xmlns:a16="http://schemas.microsoft.com/office/drawing/2014/main" id="{3FC7AB58-0644-43CC-81BC-FA76B90B7F5F}"/>
+              </a:ext>
+            </a:extLst>
+          </p:cNvPr>
+          <p:cNvSpPr txBox="1"/>
+          <p:nvPr/>
+        </p:nvSpPr>
+        <p:spPr>
+          <a:xfrm>
+            <a:off x="11468175" y="125872"/>
+            <a:ext cx="1447650" cy="461665"/>
+          </a:xfrm>
+          <a:prstGeom prst="rect">
+            <a:avLst/>
+          </a:prstGeom>
+          <a:noFill/>
+        </p:spPr>
+        <p:txBody>
+          <a:bodyPr wrap="square">
+            <a:spAutoFit/>
+          </a:bodyPr>
+          <a:lstStyle/>
+          <a:p>
+            <a:pPr algn="ctr"/>
+            <a:r>
+              <a:rPr lang="zh-TW" altLang="en-US" sz="2400" b="1" dirty="0">
+                <a:latin typeface="Times New Roman" panose="02020603050405020304" pitchFamily="18" charset="0"/>
+                <a:ea typeface="標楷體" panose="03000509000000000000" pitchFamily="65" charset="-120"/>
+                <a:cs typeface="Times New Roman" panose="02020603050405020304" pitchFamily="18" charset="0"/>
+              </a:rPr>
+              <a:t>末端</a:t>
+            </a:r>
+            <a:endParaRPr lang="zh-TW" altLang="en-US" sz="1400" b="1" dirty="0">
+              <a:latin typeface="Times New Roman" panose="02020603050405020304" pitchFamily="18" charset="0"/>
+              <a:ea typeface="標楷體" panose="03000509000000000000" pitchFamily="65" charset="-120"/>
+              <a:cs typeface="Times New Roman" panose="02020603050405020304" pitchFamily="18" charset="0"/>
+            </a:endParaRPr>
+          </a:p>
+        </p:txBody>
+      </p:sp>
+      <p:sp>
+        <p:nvSpPr>
+          <p:cNvPr id="23" name="文字方塊 22">
+            <a:extLst>
+              <a:ext uri="{FF2B5EF4-FFF2-40B4-BE49-F238E27FC236}">
+                <a16:creationId xmlns:a16="http://schemas.microsoft.com/office/drawing/2014/main" id="{0063D92C-DBDA-42BA-BC77-48D788D4DCC6}"/>
+              </a:ext>
+            </a:extLst>
+          </p:cNvPr>
+          <p:cNvSpPr txBox="1"/>
+          <p:nvPr/>
+        </p:nvSpPr>
+        <p:spPr>
+          <a:xfrm>
+            <a:off x="10260804" y="786969"/>
+            <a:ext cx="1192119" cy="400110"/>
+          </a:xfrm>
+          <a:prstGeom prst="rect">
+            <a:avLst/>
+          </a:prstGeom>
+          <a:noFill/>
+        </p:spPr>
+        <p:txBody>
+          <a:bodyPr wrap="square">
+            <a:spAutoFit/>
+          </a:bodyPr>
+          <a:lstStyle/>
+          <a:p>
+            <a:pPr algn="ctr"/>
+            <a:r>
+              <a:rPr lang="zh-TW" altLang="en-US" sz="2000" b="1" i="0" dirty="0">
+                <a:solidFill>
+                  <a:srgbClr val="7F7F7F"/>
+                </a:solidFill>
+                <a:effectLst/>
+                <a:latin typeface="標楷體" panose="03000509000000000000" pitchFamily="65" charset="-120"/>
+                <a:ea typeface="標楷體" panose="03000509000000000000" pitchFamily="65" charset="-120"/>
+                <a:cs typeface="Times New Roman" panose="02020603050405020304" pitchFamily="18" charset="0"/>
+              </a:rPr>
+              <a:t>移除</a:t>
+            </a:r>
+            <a:endParaRPr lang="zh-TW" altLang="en-US" sz="1200" b="1" dirty="0">
+              <a:solidFill>
+                <a:srgbClr val="7F7F7F"/>
+              </a:solidFill>
+              <a:latin typeface="標楷體" panose="03000509000000000000" pitchFamily="65" charset="-120"/>
+              <a:ea typeface="標楷體" panose="03000509000000000000" pitchFamily="65" charset="-120"/>
+              <a:cs typeface="Times New Roman" panose="02020603050405020304" pitchFamily="18" charset="0"/>
+            </a:endParaRPr>
+          </a:p>
+        </p:txBody>
+      </p:sp>
+      <p:sp>
+        <p:nvSpPr>
+          <p:cNvPr id="29" name="文字方塊 28">
+            <a:extLst>
+              <a:ext uri="{FF2B5EF4-FFF2-40B4-BE49-F238E27FC236}">
+                <a16:creationId xmlns:a16="http://schemas.microsoft.com/office/drawing/2014/main" id="{B04BF8C6-523A-4793-9BAF-8CE51775D915}"/>
+              </a:ext>
+            </a:extLst>
+          </p:cNvPr>
+          <p:cNvSpPr txBox="1"/>
+          <p:nvPr/>
+        </p:nvSpPr>
+        <p:spPr>
+          <a:xfrm>
+            <a:off x="9584258" y="1122009"/>
+            <a:ext cx="1447650" cy="461665"/>
+          </a:xfrm>
+          <a:prstGeom prst="rect">
+            <a:avLst/>
+          </a:prstGeom>
+          <a:noFill/>
+        </p:spPr>
+        <p:txBody>
+          <a:bodyPr wrap="square">
+            <a:spAutoFit/>
+          </a:bodyPr>
+          <a:lstStyle/>
+          <a:p>
+            <a:pPr algn="ctr"/>
+            <a:r>
+              <a:rPr lang="zh-TW" altLang="en-US" sz="2400" b="1" i="0" dirty="0">
+                <a:effectLst/>
+                <a:latin typeface="標楷體" panose="03000509000000000000" pitchFamily="65" charset="-120"/>
+                <a:ea typeface="標楷體" panose="03000509000000000000" pitchFamily="65" charset="-120"/>
+                <a:cs typeface="Times New Roman" panose="02020603050405020304" pitchFamily="18" charset="0"/>
+              </a:rPr>
+              <a:t>最遠點</a:t>
+            </a:r>
+            <a:endParaRPr lang="zh-TW" altLang="en-US" sz="1400" b="1" dirty="0">
+              <a:latin typeface="標楷體" panose="03000509000000000000" pitchFamily="65" charset="-120"/>
+              <a:ea typeface="標楷體" panose="03000509000000000000" pitchFamily="65" charset="-120"/>
+              <a:cs typeface="Times New Roman" panose="02020603050405020304" pitchFamily="18" charset="0"/>
+            </a:endParaRPr>
+          </a:p>
+        </p:txBody>
+      </p:sp>
+    </p:spTree>
+    <p:extLst>
+      <p:ext uri="{BB962C8B-B14F-4D97-AF65-F5344CB8AC3E}">
+        <p14:creationId xmlns:p14="http://schemas.microsoft.com/office/powerpoint/2010/main" val="3679438022"/>
+      </p:ext>
+    </p:extLst>
+  </p:cSld>
+  <p:clrMapOvr>
+    <a:masterClrMapping/>
+  </p:clrMapOvr>
+</p:sld>
+</file>
+
+<file path=ppt/slides/slide26.xml><?xml version="1.0" encoding="utf-8"?>
+<p:sld xmlns:a="http://schemas.openxmlformats.org/drawingml/2006/main" xmlns:r="http://schemas.openxmlformats.org/officeDocument/2006/relationships" xmlns:p="http://schemas.openxmlformats.org/presentationml/2006/main">
+  <p:cSld>
+    <p:spTree>
+      <p:nvGrpSpPr>
+        <p:cNvPr id="1" name=""/>
+        <p:cNvGrpSpPr/>
+        <p:nvPr/>
+      </p:nvGrpSpPr>
+      <p:grpSpPr>
+        <a:xfrm>
+          <a:off x="0" y="0"/>
+          <a:ext cx="0" cy="0"/>
+          <a:chOff x="0" y="0"/>
+          <a:chExt cx="0" cy="0"/>
+        </a:xfrm>
+      </p:grpSpPr>
+      <p:sp>
+        <p:nvSpPr>
+          <p:cNvPr id="4" name="橢圓 3">
+            <a:extLst>
+              <a:ext uri="{FF2B5EF4-FFF2-40B4-BE49-F238E27FC236}">
+                <a16:creationId xmlns:a16="http://schemas.microsoft.com/office/drawing/2014/main" id="{DA869778-0817-4277-91F6-42A34D4CDBF5}"/>
+              </a:ext>
+            </a:extLst>
+          </p:cNvPr>
+          <p:cNvSpPr/>
+          <p:nvPr/>
+        </p:nvSpPr>
+        <p:spPr>
+          <a:xfrm>
+            <a:off x="998025" y="2084948"/>
+            <a:ext cx="162560" cy="162560"/>
+          </a:xfrm>
+          <a:prstGeom prst="ellipse">
+            <a:avLst/>
+          </a:prstGeom>
+          <a:solidFill>
+            <a:srgbClr val="FF0000"/>
+          </a:solidFill>
+          <a:ln>
+            <a:noFill/>
+          </a:ln>
+        </p:spPr>
+        <p:style>
+          <a:lnRef idx="2">
+            <a:schemeClr val="accent1">
+              <a:shade val="50000"/>
+            </a:schemeClr>
+          </a:lnRef>
+          <a:fillRef idx="1">
+            <a:schemeClr val="accent1"/>
+          </a:fillRef>
+          <a:effectRef idx="0">
+            <a:schemeClr val="accent1"/>
+          </a:effectRef>
+          <a:fontRef idx="minor">
+            <a:schemeClr val="lt1"/>
+          </a:fontRef>
+        </p:style>
+        <p:txBody>
+          <a:bodyPr rtlCol="0" anchor="ctr"/>
+          <a:lstStyle/>
+          <a:p>
+            <a:pPr algn="ctr"/>
+            <a:endParaRPr lang="zh-TW" altLang="en-US"/>
+          </a:p>
+        </p:txBody>
+      </p:sp>
+      <p:sp>
+        <p:nvSpPr>
+          <p:cNvPr id="7" name="橢圓 6">
+            <a:extLst>
+              <a:ext uri="{FF2B5EF4-FFF2-40B4-BE49-F238E27FC236}">
+                <a16:creationId xmlns:a16="http://schemas.microsoft.com/office/drawing/2014/main" id="{6BFC05B2-7D2F-4FBE-83E2-4016490FFA40}"/>
+              </a:ext>
+            </a:extLst>
+          </p:cNvPr>
+          <p:cNvSpPr/>
+          <p:nvPr/>
+        </p:nvSpPr>
+        <p:spPr>
+          <a:xfrm>
+            <a:off x="3817972" y="3777527"/>
+            <a:ext cx="162560" cy="162560"/>
+          </a:xfrm>
+          <a:prstGeom prst="ellipse">
+            <a:avLst/>
+          </a:prstGeom>
+          <a:solidFill>
+            <a:srgbClr val="FF0000"/>
+          </a:solidFill>
+          <a:ln>
+            <a:noFill/>
+          </a:ln>
+        </p:spPr>
+        <p:style>
+          <a:lnRef idx="2">
+            <a:schemeClr val="accent1">
+              <a:shade val="50000"/>
+            </a:schemeClr>
+          </a:lnRef>
+          <a:fillRef idx="1">
+            <a:schemeClr val="accent1"/>
+          </a:fillRef>
+          <a:effectRef idx="0">
+            <a:schemeClr val="accent1"/>
+          </a:effectRef>
+          <a:fontRef idx="minor">
+            <a:schemeClr val="lt1"/>
+          </a:fontRef>
+        </p:style>
+        <p:txBody>
+          <a:bodyPr rtlCol="0" anchor="ctr"/>
+          <a:lstStyle/>
+          <a:p>
+            <a:pPr algn="ctr"/>
+            <a:endParaRPr lang="zh-TW" altLang="en-US"/>
+          </a:p>
+        </p:txBody>
+      </p:sp>
+      <p:sp>
+        <p:nvSpPr>
+          <p:cNvPr id="9" name="橢圓 8">
+            <a:extLst>
+              <a:ext uri="{FF2B5EF4-FFF2-40B4-BE49-F238E27FC236}">
+                <a16:creationId xmlns:a16="http://schemas.microsoft.com/office/drawing/2014/main" id="{D47F1CED-8281-475E-BEB7-E6828E11914C}"/>
+              </a:ext>
+            </a:extLst>
+          </p:cNvPr>
+          <p:cNvSpPr/>
+          <p:nvPr/>
+        </p:nvSpPr>
+        <p:spPr>
+          <a:xfrm>
+            <a:off x="7306916" y="2090418"/>
+            <a:ext cx="162560" cy="162560"/>
+          </a:xfrm>
+          <a:prstGeom prst="ellipse">
+            <a:avLst/>
+          </a:prstGeom>
+          <a:solidFill>
+            <a:srgbClr val="FF0000"/>
+          </a:solidFill>
+          <a:ln>
+            <a:noFill/>
+          </a:ln>
+        </p:spPr>
+        <p:style>
+          <a:lnRef idx="2">
+            <a:schemeClr val="accent1">
+              <a:shade val="50000"/>
+            </a:schemeClr>
+          </a:lnRef>
+          <a:fillRef idx="1">
+            <a:schemeClr val="accent1"/>
+          </a:fillRef>
+          <a:effectRef idx="0">
+            <a:schemeClr val="accent1"/>
+          </a:effectRef>
+          <a:fontRef idx="minor">
+            <a:schemeClr val="lt1"/>
+          </a:fontRef>
+        </p:style>
+        <p:txBody>
+          <a:bodyPr rtlCol="0" anchor="ctr"/>
+          <a:lstStyle/>
+          <a:p>
+            <a:pPr algn="ctr"/>
+            <a:endParaRPr lang="zh-TW" altLang="en-US"/>
+          </a:p>
+        </p:txBody>
+      </p:sp>
+      <p:cxnSp>
+        <p:nvCxnSpPr>
+          <p:cNvPr id="31" name="直線接點 30">
+            <a:extLst>
+              <a:ext uri="{FF2B5EF4-FFF2-40B4-BE49-F238E27FC236}">
+                <a16:creationId xmlns:a16="http://schemas.microsoft.com/office/drawing/2014/main" id="{C24A4E78-75A6-4DE3-913A-0A5F8DC35CC7}"/>
+              </a:ext>
+            </a:extLst>
+          </p:cNvPr>
+          <p:cNvCxnSpPr>
+            <a:cxnSpLocks/>
+            <a:stCxn id="37" idx="2"/>
+            <a:endCxn id="9" idx="6"/>
+          </p:cNvCxnSpPr>
+          <p:nvPr/>
+        </p:nvCxnSpPr>
+        <p:spPr>
+          <a:xfrm flipH="1" flipV="1">
+            <a:off x="7469476" y="2171698"/>
+            <a:ext cx="2243484" cy="816513"/>
+          </a:xfrm>
+          <a:prstGeom prst="line">
+            <a:avLst/>
+          </a:prstGeom>
+          <a:ln w="19050">
+            <a:solidFill>
+              <a:srgbClr val="FF0000"/>
+            </a:solidFill>
+          </a:ln>
+        </p:spPr>
+        <p:style>
+          <a:lnRef idx="1">
+            <a:schemeClr val="accent1"/>
+          </a:lnRef>
+          <a:fillRef idx="0">
+            <a:schemeClr val="accent1"/>
+          </a:fillRef>
+          <a:effectRef idx="0">
+            <a:schemeClr val="accent1"/>
+          </a:effectRef>
+          <a:fontRef idx="minor">
+            <a:schemeClr val="tx1"/>
+          </a:fontRef>
+        </p:style>
+      </p:cxnSp>
+      <p:cxnSp>
+        <p:nvCxnSpPr>
+          <p:cNvPr id="3" name="直線接點 2">
+            <a:extLst>
+              <a:ext uri="{FF2B5EF4-FFF2-40B4-BE49-F238E27FC236}">
+                <a16:creationId xmlns:a16="http://schemas.microsoft.com/office/drawing/2014/main" id="{B7EF7A4F-00E7-4834-96DB-2EC549BE0D07}"/>
+              </a:ext>
+            </a:extLst>
+          </p:cNvPr>
+          <p:cNvCxnSpPr>
+            <a:cxnSpLocks/>
+            <a:stCxn id="9" idx="3"/>
+            <a:endCxn id="7" idx="6"/>
+          </p:cNvCxnSpPr>
+          <p:nvPr/>
+        </p:nvCxnSpPr>
+        <p:spPr>
+          <a:xfrm flipH="1">
+            <a:off x="3980532" y="2229172"/>
+            <a:ext cx="3350190" cy="1629635"/>
+          </a:xfrm>
+          <a:prstGeom prst="line">
+            <a:avLst/>
+          </a:prstGeom>
+          <a:ln w="28575">
+            <a:solidFill>
+              <a:srgbClr val="FF0000"/>
+            </a:solidFill>
+          </a:ln>
+        </p:spPr>
+        <p:style>
+          <a:lnRef idx="1">
+            <a:schemeClr val="accent1"/>
+          </a:lnRef>
+          <a:fillRef idx="0">
+            <a:schemeClr val="accent1"/>
+          </a:fillRef>
+          <a:effectRef idx="0">
+            <a:schemeClr val="accent1"/>
+          </a:effectRef>
+          <a:fontRef idx="minor">
+            <a:schemeClr val="tx1"/>
+          </a:fontRef>
+        </p:style>
+      </p:cxnSp>
+      <p:sp>
+        <p:nvSpPr>
+          <p:cNvPr id="37" name="橢圓 36">
+            <a:extLst>
+              <a:ext uri="{FF2B5EF4-FFF2-40B4-BE49-F238E27FC236}">
+                <a16:creationId xmlns:a16="http://schemas.microsoft.com/office/drawing/2014/main" id="{ABD8121F-AAAE-44B1-82A5-6B363CD6B094}"/>
+              </a:ext>
+            </a:extLst>
+          </p:cNvPr>
+          <p:cNvSpPr/>
+          <p:nvPr/>
+        </p:nvSpPr>
+        <p:spPr>
+          <a:xfrm>
+            <a:off x="9712960" y="2906931"/>
+            <a:ext cx="162560" cy="162560"/>
+          </a:xfrm>
+          <a:prstGeom prst="ellipse">
+            <a:avLst/>
+          </a:prstGeom>
+          <a:solidFill>
+            <a:srgbClr val="FF0000"/>
+          </a:solidFill>
+          <a:ln>
+            <a:noFill/>
+          </a:ln>
+        </p:spPr>
+        <p:style>
+          <a:lnRef idx="2">
+            <a:schemeClr val="accent1">
+              <a:shade val="50000"/>
+            </a:schemeClr>
+          </a:lnRef>
+          <a:fillRef idx="1">
+            <a:schemeClr val="accent1"/>
+          </a:fillRef>
+          <a:effectRef idx="0">
+            <a:schemeClr val="accent1"/>
+          </a:effectRef>
+          <a:fontRef idx="minor">
+            <a:schemeClr val="lt1"/>
+          </a:fontRef>
+        </p:style>
+        <p:txBody>
+          <a:bodyPr rtlCol="0" anchor="ctr"/>
+          <a:lstStyle/>
+          <a:p>
+            <a:pPr algn="ctr"/>
+            <a:endParaRPr lang="zh-TW" altLang="en-US"/>
+          </a:p>
+        </p:txBody>
+      </p:sp>
+      <p:sp>
+        <p:nvSpPr>
+          <p:cNvPr id="32" name="橢圓 31">
+            <a:extLst>
+              <a:ext uri="{FF2B5EF4-FFF2-40B4-BE49-F238E27FC236}">
+                <a16:creationId xmlns:a16="http://schemas.microsoft.com/office/drawing/2014/main" id="{F1CC9D62-DE2A-417A-A04F-D7190BE2230D}"/>
+              </a:ext>
+            </a:extLst>
+          </p:cNvPr>
+          <p:cNvSpPr/>
+          <p:nvPr/>
+        </p:nvSpPr>
+        <p:spPr>
+          <a:xfrm>
+            <a:off x="12110720" y="645011"/>
+            <a:ext cx="162560" cy="162560"/>
+          </a:xfrm>
+          <a:prstGeom prst="ellipse">
+            <a:avLst/>
+          </a:prstGeom>
+          <a:solidFill>
+            <a:srgbClr val="FF0000"/>
+          </a:solidFill>
+          <a:ln>
+            <a:noFill/>
+          </a:ln>
+        </p:spPr>
+        <p:style>
+          <a:lnRef idx="2">
+            <a:schemeClr val="accent1">
+              <a:shade val="50000"/>
+            </a:schemeClr>
+          </a:lnRef>
+          <a:fillRef idx="1">
+            <a:schemeClr val="accent1"/>
+          </a:fillRef>
+          <a:effectRef idx="0">
+            <a:schemeClr val="accent1"/>
+          </a:effectRef>
+          <a:fontRef idx="minor">
+            <a:schemeClr val="lt1"/>
+          </a:fontRef>
+        </p:style>
+        <p:txBody>
+          <a:bodyPr rtlCol="0" anchor="ctr"/>
+          <a:lstStyle/>
+          <a:p>
+            <a:pPr algn="ctr"/>
+            <a:endParaRPr lang="zh-TW" altLang="en-US"/>
+          </a:p>
+        </p:txBody>
+      </p:sp>
+      <p:cxnSp>
+        <p:nvCxnSpPr>
+          <p:cNvPr id="39" name="直線接點 38">
+            <a:extLst>
+              <a:ext uri="{FF2B5EF4-FFF2-40B4-BE49-F238E27FC236}">
+                <a16:creationId xmlns:a16="http://schemas.microsoft.com/office/drawing/2014/main" id="{EECC2CBD-E4DC-42B4-AC7B-DAC10332CEEC}"/>
+              </a:ext>
+            </a:extLst>
+          </p:cNvPr>
+          <p:cNvCxnSpPr>
+            <a:cxnSpLocks/>
+          </p:cNvCxnSpPr>
+          <p:nvPr/>
+        </p:nvCxnSpPr>
+        <p:spPr>
+          <a:xfrm>
+            <a:off x="1160585" y="2166228"/>
+            <a:ext cx="2681193" cy="1635105"/>
+          </a:xfrm>
+          <a:prstGeom prst="line">
+            <a:avLst/>
+          </a:prstGeom>
+          <a:ln w="28575">
+            <a:solidFill>
+              <a:srgbClr val="FF0000"/>
+            </a:solidFill>
+          </a:ln>
+        </p:spPr>
+        <p:style>
+          <a:lnRef idx="1">
+            <a:schemeClr val="accent1"/>
+          </a:lnRef>
+          <a:fillRef idx="0">
+            <a:schemeClr val="accent1"/>
+          </a:fillRef>
+          <a:effectRef idx="0">
+            <a:schemeClr val="accent1"/>
+          </a:effectRef>
+          <a:fontRef idx="minor">
+            <a:schemeClr val="tx1"/>
+          </a:fontRef>
+        </p:style>
+      </p:cxnSp>
+      <p:cxnSp>
+        <p:nvCxnSpPr>
+          <p:cNvPr id="19" name="直線接點 18">
+            <a:extLst>
+              <a:ext uri="{FF2B5EF4-FFF2-40B4-BE49-F238E27FC236}">
+                <a16:creationId xmlns:a16="http://schemas.microsoft.com/office/drawing/2014/main" id="{20BA8F0C-AADA-41F0-8D82-E5C469215771}"/>
+              </a:ext>
+            </a:extLst>
+          </p:cNvPr>
+          <p:cNvCxnSpPr>
+            <a:cxnSpLocks/>
+            <a:stCxn id="32" idx="3"/>
+          </p:cNvCxnSpPr>
+          <p:nvPr/>
+        </p:nvCxnSpPr>
+        <p:spPr>
+          <a:xfrm flipH="1">
+            <a:off x="9875520" y="783765"/>
+            <a:ext cx="2259006" cy="2204446"/>
+          </a:xfrm>
+          <a:prstGeom prst="line">
+            <a:avLst/>
+          </a:prstGeom>
+          <a:ln w="28575">
+            <a:solidFill>
+              <a:srgbClr val="FF0000"/>
+            </a:solidFill>
+          </a:ln>
+        </p:spPr>
+        <p:style>
+          <a:lnRef idx="1">
+            <a:schemeClr val="accent1"/>
+          </a:lnRef>
+          <a:fillRef idx="0">
+            <a:schemeClr val="accent1"/>
+          </a:fillRef>
+          <a:effectRef idx="0">
+            <a:schemeClr val="accent1"/>
+          </a:effectRef>
+          <a:fontRef idx="minor">
+            <a:schemeClr val="tx1"/>
+          </a:fontRef>
+        </p:style>
+      </p:cxnSp>
+      <p:sp>
+        <p:nvSpPr>
+          <p:cNvPr id="50" name="文字方塊 49">
+            <a:extLst>
+              <a:ext uri="{FF2B5EF4-FFF2-40B4-BE49-F238E27FC236}">
+                <a16:creationId xmlns:a16="http://schemas.microsoft.com/office/drawing/2014/main" id="{E2C18CF2-0331-4C47-9720-3D8856E0BBCA}"/>
+              </a:ext>
+            </a:extLst>
+          </p:cNvPr>
+          <p:cNvSpPr txBox="1"/>
+          <p:nvPr/>
+        </p:nvSpPr>
+        <p:spPr>
+          <a:xfrm>
+            <a:off x="408665" y="304161"/>
+            <a:ext cx="1928213" cy="584775"/>
+          </a:xfrm>
+          <a:prstGeom prst="rect">
+            <a:avLst/>
+          </a:prstGeom>
+          <a:noFill/>
+        </p:spPr>
+        <p:txBody>
+          <a:bodyPr wrap="square">
+            <a:spAutoFit/>
+          </a:bodyPr>
+          <a:lstStyle/>
+          <a:p>
+            <a:pPr algn="ctr"/>
+            <a:r>
+              <a:rPr lang="en-US" altLang="zh-TW" sz="3200" b="1" dirty="0">
+                <a:latin typeface="Times New Roman" panose="02020603050405020304" pitchFamily="18" charset="0"/>
+                <a:cs typeface="Times New Roman" panose="02020603050405020304" pitchFamily="18" charset="0"/>
+              </a:rPr>
+              <a:t>STEP 8</a:t>
+            </a:r>
+            <a:endParaRPr lang="zh-TW" altLang="en-US" sz="2000" b="1" dirty="0"/>
+          </a:p>
+        </p:txBody>
+      </p:sp>
+      <p:sp>
+        <p:nvSpPr>
+          <p:cNvPr id="51" name="矩形 50">
+            <a:extLst>
+              <a:ext uri="{FF2B5EF4-FFF2-40B4-BE49-F238E27FC236}">
+                <a16:creationId xmlns:a16="http://schemas.microsoft.com/office/drawing/2014/main" id="{A506CA2A-79B3-4DE6-A679-70C31F15D20B}"/>
+              </a:ext>
+            </a:extLst>
+          </p:cNvPr>
+          <p:cNvSpPr/>
+          <p:nvPr/>
+        </p:nvSpPr>
+        <p:spPr>
+          <a:xfrm>
+            <a:off x="0" y="1"/>
+            <a:ext cx="12915825" cy="4622800"/>
+          </a:xfrm>
+          <a:prstGeom prst="rect">
+            <a:avLst/>
+          </a:prstGeom>
+          <a:noFill/>
+          <a:ln>
+            <a:noFill/>
+          </a:ln>
+        </p:spPr>
+        <p:style>
+          <a:lnRef idx="2">
+            <a:schemeClr val="accent1">
+              <a:shade val="50000"/>
+            </a:schemeClr>
+          </a:lnRef>
+          <a:fillRef idx="1">
+            <a:schemeClr val="accent1"/>
+          </a:fillRef>
+          <a:effectRef idx="0">
+            <a:schemeClr val="accent1"/>
+          </a:effectRef>
+          <a:fontRef idx="minor">
+            <a:schemeClr val="lt1"/>
+          </a:fontRef>
+        </p:style>
+        <p:txBody>
+          <a:bodyPr rtlCol="0" anchor="ctr"/>
+          <a:lstStyle/>
+          <a:p>
+            <a:pPr algn="ctr"/>
+            <a:endParaRPr lang="zh-TW" altLang="en-US"/>
+          </a:p>
+        </p:txBody>
+      </p:sp>
+      <p:sp>
+        <p:nvSpPr>
+          <p:cNvPr id="15" name="文字方塊 14">
+            <a:extLst>
+              <a:ext uri="{FF2B5EF4-FFF2-40B4-BE49-F238E27FC236}">
+                <a16:creationId xmlns:a16="http://schemas.microsoft.com/office/drawing/2014/main" id="{94C089E1-6B9E-4BF9-94D6-27BB67E544E7}"/>
+              </a:ext>
+            </a:extLst>
+          </p:cNvPr>
+          <p:cNvSpPr txBox="1"/>
+          <p:nvPr/>
+        </p:nvSpPr>
+        <p:spPr>
+          <a:xfrm>
+            <a:off x="338525" y="1535360"/>
+            <a:ext cx="1447650" cy="461665"/>
+          </a:xfrm>
+          <a:prstGeom prst="rect">
+            <a:avLst/>
+          </a:prstGeom>
+          <a:noFill/>
+        </p:spPr>
+        <p:txBody>
+          <a:bodyPr wrap="square">
+            <a:spAutoFit/>
+          </a:bodyPr>
+          <a:lstStyle/>
+          <a:p>
+            <a:pPr algn="ctr"/>
+            <a:r>
+              <a:rPr lang="zh-TW" altLang="en-US" sz="2400" b="1" dirty="0">
+                <a:latin typeface="Times New Roman" panose="02020603050405020304" pitchFamily="18" charset="0"/>
+                <a:ea typeface="標楷體" panose="03000509000000000000" pitchFamily="65" charset="-120"/>
+                <a:cs typeface="Times New Roman" panose="02020603050405020304" pitchFamily="18" charset="0"/>
+              </a:rPr>
+              <a:t>首端</a:t>
+            </a:r>
+            <a:endParaRPr lang="zh-TW" altLang="en-US" sz="1400" b="1" dirty="0">
+              <a:latin typeface="Times New Roman" panose="02020603050405020304" pitchFamily="18" charset="0"/>
+              <a:ea typeface="標楷體" panose="03000509000000000000" pitchFamily="65" charset="-120"/>
+              <a:cs typeface="Times New Roman" panose="02020603050405020304" pitchFamily="18" charset="0"/>
+            </a:endParaRPr>
+          </a:p>
+        </p:txBody>
+      </p:sp>
+      <p:sp>
+        <p:nvSpPr>
+          <p:cNvPr id="16" name="文字方塊 15">
+            <a:extLst>
+              <a:ext uri="{FF2B5EF4-FFF2-40B4-BE49-F238E27FC236}">
+                <a16:creationId xmlns:a16="http://schemas.microsoft.com/office/drawing/2014/main" id="{5F97C705-97FE-4496-9471-3D06A8AAD882}"/>
+              </a:ext>
+            </a:extLst>
+          </p:cNvPr>
+          <p:cNvSpPr txBox="1"/>
+          <p:nvPr/>
+        </p:nvSpPr>
+        <p:spPr>
+          <a:xfrm>
+            <a:off x="11468175" y="125872"/>
+            <a:ext cx="1447650" cy="461665"/>
+          </a:xfrm>
+          <a:prstGeom prst="rect">
+            <a:avLst/>
+          </a:prstGeom>
+          <a:noFill/>
+        </p:spPr>
+        <p:txBody>
+          <a:bodyPr wrap="square">
+            <a:spAutoFit/>
+          </a:bodyPr>
+          <a:lstStyle/>
+          <a:p>
+            <a:pPr algn="ctr"/>
+            <a:r>
+              <a:rPr lang="zh-TW" altLang="en-US" sz="2400" b="1" dirty="0">
+                <a:latin typeface="Times New Roman" panose="02020603050405020304" pitchFamily="18" charset="0"/>
+                <a:ea typeface="標楷體" panose="03000509000000000000" pitchFamily="65" charset="-120"/>
+                <a:cs typeface="Times New Roman" panose="02020603050405020304" pitchFamily="18" charset="0"/>
+              </a:rPr>
+              <a:t>末端</a:t>
+            </a:r>
+            <a:endParaRPr lang="zh-TW" altLang="en-US" sz="1400" b="1" dirty="0">
+              <a:latin typeface="Times New Roman" panose="02020603050405020304" pitchFamily="18" charset="0"/>
+              <a:ea typeface="標楷體" panose="03000509000000000000" pitchFamily="65" charset="-120"/>
+              <a:cs typeface="Times New Roman" panose="02020603050405020304" pitchFamily="18" charset="0"/>
+            </a:endParaRPr>
+          </a:p>
+        </p:txBody>
+      </p:sp>
+    </p:spTree>
+    <p:extLst>
+      <p:ext uri="{BB962C8B-B14F-4D97-AF65-F5344CB8AC3E}">
+        <p14:creationId xmlns:p14="http://schemas.microsoft.com/office/powerpoint/2010/main" val="1969679394"/>
+      </p:ext>
+    </p:extLst>
+  </p:cSld>
+  <p:clrMapOvr>
+    <a:masterClrMapping/>
+  </p:clrMapOvr>
+</p:sld>
+</file>
+
+<file path=ppt/slides/slide27.xml><?xml version="1.0" encoding="utf-8"?>
+<p:sld xmlns:a="http://schemas.openxmlformats.org/drawingml/2006/main" xmlns:r="http://schemas.openxmlformats.org/officeDocument/2006/relationships" xmlns:p="http://schemas.openxmlformats.org/presentationml/2006/main">
+  <p:cSld>
+    <p:spTree>
+      <p:nvGrpSpPr>
+        <p:cNvPr id="1" name=""/>
+        <p:cNvGrpSpPr/>
+        <p:nvPr/>
+      </p:nvGrpSpPr>
+      <p:grpSpPr>
+        <a:xfrm>
+          <a:off x="0" y="0"/>
+          <a:ext cx="0" cy="0"/>
+          <a:chOff x="0" y="0"/>
+          <a:chExt cx="0" cy="0"/>
+        </a:xfrm>
+      </p:grpSpPr>
+      <p:pic>
+        <p:nvPicPr>
+          <p:cNvPr id="4" name="圖片 3">
+            <a:extLst>
+              <a:ext uri="{FF2B5EF4-FFF2-40B4-BE49-F238E27FC236}">
+                <a16:creationId xmlns:a16="http://schemas.microsoft.com/office/drawing/2014/main" id="{77A9DAE9-CD8B-4974-AA6A-81DC9E44B1FD}"/>
+              </a:ext>
+            </a:extLst>
+          </p:cNvPr>
+          <p:cNvPicPr>
+            <a:picLocks noChangeAspect="1"/>
+          </p:cNvPicPr>
+          <p:nvPr/>
+        </p:nvPicPr>
+        <p:blipFill>
+          <a:blip r:embed="rId2"/>
+          <a:stretch>
+            <a:fillRect/>
+          </a:stretch>
+        </p:blipFill>
+        <p:spPr>
+          <a:xfrm>
+            <a:off x="0" y="-572205"/>
+            <a:ext cx="6295291" cy="1931613"/>
+          </a:xfrm>
+          <a:prstGeom prst="rect">
+            <a:avLst/>
+          </a:prstGeom>
+        </p:spPr>
+      </p:pic>
+      <p:pic>
+        <p:nvPicPr>
+          <p:cNvPr id="5" name="圖片 4">
+            <a:extLst>
+              <a:ext uri="{FF2B5EF4-FFF2-40B4-BE49-F238E27FC236}">
+                <a16:creationId xmlns:a16="http://schemas.microsoft.com/office/drawing/2014/main" id="{D7757879-196F-44C1-AEBB-BCAB45B1A632}"/>
+              </a:ext>
+            </a:extLst>
+          </p:cNvPr>
+          <p:cNvPicPr>
+            <a:picLocks noChangeAspect="1"/>
+          </p:cNvPicPr>
+          <p:nvPr/>
+        </p:nvPicPr>
+        <p:blipFill>
+          <a:blip r:embed="rId3"/>
+          <a:stretch>
+            <a:fillRect/>
+          </a:stretch>
+        </p:blipFill>
+        <p:spPr>
+          <a:xfrm>
+            <a:off x="6096000" y="-607374"/>
+            <a:ext cx="6448228" cy="2306634"/>
+          </a:xfrm>
+          <a:prstGeom prst="rect">
+            <a:avLst/>
+          </a:prstGeom>
+        </p:spPr>
+      </p:pic>
+      <p:pic>
+        <p:nvPicPr>
+          <p:cNvPr id="6" name="圖片 5">
+            <a:extLst>
+              <a:ext uri="{FF2B5EF4-FFF2-40B4-BE49-F238E27FC236}">
+                <a16:creationId xmlns:a16="http://schemas.microsoft.com/office/drawing/2014/main" id="{6845C8F9-F4B9-4203-8F74-915A1E1206F0}"/>
+              </a:ext>
+            </a:extLst>
+          </p:cNvPr>
+          <p:cNvPicPr>
+            <a:picLocks noChangeAspect="1"/>
+          </p:cNvPicPr>
+          <p:nvPr/>
+        </p:nvPicPr>
+        <p:blipFill>
+          <a:blip r:embed="rId4"/>
+          <a:stretch>
+            <a:fillRect/>
+          </a:stretch>
+        </p:blipFill>
+        <p:spPr>
+          <a:xfrm>
+            <a:off x="-168296" y="1699260"/>
+            <a:ext cx="6459368" cy="2310619"/>
+          </a:xfrm>
+          <a:prstGeom prst="rect">
+            <a:avLst/>
+          </a:prstGeom>
+        </p:spPr>
+      </p:pic>
+      <p:pic>
+        <p:nvPicPr>
+          <p:cNvPr id="7" name="圖片 6">
+            <a:extLst>
+              <a:ext uri="{FF2B5EF4-FFF2-40B4-BE49-F238E27FC236}">
+                <a16:creationId xmlns:a16="http://schemas.microsoft.com/office/drawing/2014/main" id="{41C2346A-9364-410E-813F-CB9A13EC4ADA}"/>
+              </a:ext>
+            </a:extLst>
+          </p:cNvPr>
+          <p:cNvPicPr>
+            <a:picLocks noChangeAspect="1"/>
+          </p:cNvPicPr>
+          <p:nvPr/>
+        </p:nvPicPr>
+        <p:blipFill>
+          <a:blip r:embed="rId5"/>
+          <a:stretch>
+            <a:fillRect/>
+          </a:stretch>
+        </p:blipFill>
+        <p:spPr>
+          <a:xfrm>
+            <a:off x="6110322" y="1708368"/>
+            <a:ext cx="6433906" cy="2301511"/>
+          </a:xfrm>
+          <a:prstGeom prst="rect">
+            <a:avLst/>
+          </a:prstGeom>
+        </p:spPr>
+      </p:pic>
+      <p:pic>
+        <p:nvPicPr>
+          <p:cNvPr id="8" name="圖片 7">
+            <a:extLst>
+              <a:ext uri="{FF2B5EF4-FFF2-40B4-BE49-F238E27FC236}">
+                <a16:creationId xmlns:a16="http://schemas.microsoft.com/office/drawing/2014/main" id="{67798B32-DE46-4CFC-BA21-F01548A8399F}"/>
+              </a:ext>
+            </a:extLst>
+          </p:cNvPr>
+          <p:cNvPicPr>
+            <a:picLocks noChangeAspect="1"/>
+          </p:cNvPicPr>
+          <p:nvPr/>
+        </p:nvPicPr>
+        <p:blipFill>
+          <a:blip r:embed="rId6"/>
+          <a:stretch>
+            <a:fillRect/>
+          </a:stretch>
+        </p:blipFill>
+        <p:spPr>
+          <a:xfrm>
+            <a:off x="-196769" y="4018987"/>
+            <a:ext cx="6493397" cy="2322791"/>
+          </a:xfrm>
+          <a:prstGeom prst="rect">
+            <a:avLst/>
+          </a:prstGeom>
+        </p:spPr>
+      </p:pic>
+      <p:pic>
+        <p:nvPicPr>
+          <p:cNvPr id="9" name="圖片 8">
+            <a:extLst>
+              <a:ext uri="{FF2B5EF4-FFF2-40B4-BE49-F238E27FC236}">
+                <a16:creationId xmlns:a16="http://schemas.microsoft.com/office/drawing/2014/main" id="{51EEB920-62BF-4EF4-A607-80E87659C24D}"/>
+              </a:ext>
+            </a:extLst>
+          </p:cNvPr>
+          <p:cNvPicPr>
+            <a:picLocks noChangeAspect="1"/>
+          </p:cNvPicPr>
+          <p:nvPr/>
+        </p:nvPicPr>
+        <p:blipFill>
+          <a:blip r:embed="rId7"/>
+          <a:stretch>
+            <a:fillRect/>
+          </a:stretch>
+        </p:blipFill>
+        <p:spPr>
+          <a:xfrm>
+            <a:off x="6183627" y="4054452"/>
+            <a:ext cx="6444351" cy="2305247"/>
+          </a:xfrm>
+          <a:prstGeom prst="rect">
+            <a:avLst/>
+          </a:prstGeom>
+        </p:spPr>
+      </p:pic>
+      <p:pic>
+        <p:nvPicPr>
+          <p:cNvPr id="10" name="圖片 9">
+            <a:extLst>
+              <a:ext uri="{FF2B5EF4-FFF2-40B4-BE49-F238E27FC236}">
+                <a16:creationId xmlns:a16="http://schemas.microsoft.com/office/drawing/2014/main" id="{DBF01342-D899-4CC0-B8F0-DA32EBA598FD}"/>
+              </a:ext>
+            </a:extLst>
+          </p:cNvPr>
+          <p:cNvPicPr>
+            <a:picLocks noChangeAspect="1"/>
+          </p:cNvPicPr>
+          <p:nvPr/>
+        </p:nvPicPr>
+        <p:blipFill>
+          <a:blip r:embed="rId8"/>
+          <a:stretch>
+            <a:fillRect/>
+          </a:stretch>
+        </p:blipFill>
+        <p:spPr>
+          <a:xfrm>
+            <a:off x="-181453" y="6404272"/>
+            <a:ext cx="6493394" cy="2322791"/>
+          </a:xfrm>
+          <a:prstGeom prst="rect">
+            <a:avLst/>
+          </a:prstGeom>
+        </p:spPr>
+      </p:pic>
+      <p:pic>
+        <p:nvPicPr>
+          <p:cNvPr id="11" name="圖片 10">
+            <a:extLst>
+              <a:ext uri="{FF2B5EF4-FFF2-40B4-BE49-F238E27FC236}">
+                <a16:creationId xmlns:a16="http://schemas.microsoft.com/office/drawing/2014/main" id="{AE4110A7-21A3-475B-BBEC-E61B9CF511B8}"/>
+              </a:ext>
+            </a:extLst>
+          </p:cNvPr>
+          <p:cNvPicPr>
+            <a:picLocks noChangeAspect="1"/>
+          </p:cNvPicPr>
+          <p:nvPr/>
+        </p:nvPicPr>
+        <p:blipFill>
+          <a:blip r:embed="rId9"/>
+          <a:stretch>
+            <a:fillRect/>
+          </a:stretch>
+        </p:blipFill>
+        <p:spPr>
+          <a:xfrm>
+            <a:off x="6123489" y="6398824"/>
+            <a:ext cx="6564626" cy="2348272"/>
+          </a:xfrm>
+          <a:prstGeom prst="rect">
+            <a:avLst/>
+          </a:prstGeom>
+        </p:spPr>
+      </p:pic>
+    </p:spTree>
+    <p:extLst>
+      <p:ext uri="{BB962C8B-B14F-4D97-AF65-F5344CB8AC3E}">
+        <p14:creationId xmlns:p14="http://schemas.microsoft.com/office/powerpoint/2010/main" val="1664359241"/>
       </p:ext>
     </p:extLst>
   </p:cSld>

--- a/graph/gif/Simplification.pptx
+++ b/graph/gif/Simplification.pptx
@@ -285,7 +285,7 @@
           <a:p>
             <a:fld id="{FCFD1492-5DC3-43D9-82A2-562279B5AC58}" type="datetimeFigureOut">
               <a:rPr lang="zh-TW" altLang="en-US" smtClean="0"/>
-              <a:t>2022/1/22</a:t>
+              <a:t>2022/10/16</a:t>
             </a:fld>
             <a:endParaRPr lang="zh-TW" altLang="en-US"/>
           </a:p>
@@ -483,7 +483,7 @@
           <a:p>
             <a:fld id="{FCFD1492-5DC3-43D9-82A2-562279B5AC58}" type="datetimeFigureOut">
               <a:rPr lang="zh-TW" altLang="en-US" smtClean="0"/>
-              <a:t>2022/1/22</a:t>
+              <a:t>2022/10/16</a:t>
             </a:fld>
             <a:endParaRPr lang="zh-TW" altLang="en-US"/>
           </a:p>
@@ -691,7 +691,7 @@
           <a:p>
             <a:fld id="{FCFD1492-5DC3-43D9-82A2-562279B5AC58}" type="datetimeFigureOut">
               <a:rPr lang="zh-TW" altLang="en-US" smtClean="0"/>
-              <a:t>2022/1/22</a:t>
+              <a:t>2022/10/16</a:t>
             </a:fld>
             <a:endParaRPr lang="zh-TW" altLang="en-US"/>
           </a:p>
@@ -889,7 +889,7 @@
           <a:p>
             <a:fld id="{FCFD1492-5DC3-43D9-82A2-562279B5AC58}" type="datetimeFigureOut">
               <a:rPr lang="zh-TW" altLang="en-US" smtClean="0"/>
-              <a:t>2022/1/22</a:t>
+              <a:t>2022/10/16</a:t>
             </a:fld>
             <a:endParaRPr lang="zh-TW" altLang="en-US"/>
           </a:p>
@@ -1164,7 +1164,7 @@
           <a:p>
             <a:fld id="{FCFD1492-5DC3-43D9-82A2-562279B5AC58}" type="datetimeFigureOut">
               <a:rPr lang="zh-TW" altLang="en-US" smtClean="0"/>
-              <a:t>2022/1/22</a:t>
+              <a:t>2022/10/16</a:t>
             </a:fld>
             <a:endParaRPr lang="zh-TW" altLang="en-US"/>
           </a:p>
@@ -1429,7 +1429,7 @@
           <a:p>
             <a:fld id="{FCFD1492-5DC3-43D9-82A2-562279B5AC58}" type="datetimeFigureOut">
               <a:rPr lang="zh-TW" altLang="en-US" smtClean="0"/>
-              <a:t>2022/1/22</a:t>
+              <a:t>2022/10/16</a:t>
             </a:fld>
             <a:endParaRPr lang="zh-TW" altLang="en-US"/>
           </a:p>
@@ -1841,7 +1841,7 @@
           <a:p>
             <a:fld id="{FCFD1492-5DC3-43D9-82A2-562279B5AC58}" type="datetimeFigureOut">
               <a:rPr lang="zh-TW" altLang="en-US" smtClean="0"/>
-              <a:t>2022/1/22</a:t>
+              <a:t>2022/10/16</a:t>
             </a:fld>
             <a:endParaRPr lang="zh-TW" altLang="en-US"/>
           </a:p>
@@ -1982,7 +1982,7 @@
           <a:p>
             <a:fld id="{FCFD1492-5DC3-43D9-82A2-562279B5AC58}" type="datetimeFigureOut">
               <a:rPr lang="zh-TW" altLang="en-US" smtClean="0"/>
-              <a:t>2022/1/22</a:t>
+              <a:t>2022/10/16</a:t>
             </a:fld>
             <a:endParaRPr lang="zh-TW" altLang="en-US"/>
           </a:p>
@@ -2095,7 +2095,7 @@
           <a:p>
             <a:fld id="{FCFD1492-5DC3-43D9-82A2-562279B5AC58}" type="datetimeFigureOut">
               <a:rPr lang="zh-TW" altLang="en-US" smtClean="0"/>
-              <a:t>2022/1/22</a:t>
+              <a:t>2022/10/16</a:t>
             </a:fld>
             <a:endParaRPr lang="zh-TW" altLang="en-US"/>
           </a:p>
@@ -2406,7 +2406,7 @@
           <a:p>
             <a:fld id="{FCFD1492-5DC3-43D9-82A2-562279B5AC58}" type="datetimeFigureOut">
               <a:rPr lang="zh-TW" altLang="en-US" smtClean="0"/>
-              <a:t>2022/1/22</a:t>
+              <a:t>2022/10/16</a:t>
             </a:fld>
             <a:endParaRPr lang="zh-TW" altLang="en-US"/>
           </a:p>
@@ -2694,7 +2694,7 @@
           <a:p>
             <a:fld id="{FCFD1492-5DC3-43D9-82A2-562279B5AC58}" type="datetimeFigureOut">
               <a:rPr lang="zh-TW" altLang="en-US" smtClean="0"/>
-              <a:t>2022/1/22</a:t>
+              <a:t>2022/10/16</a:t>
             </a:fld>
             <a:endParaRPr lang="zh-TW" altLang="en-US"/>
           </a:p>
@@ -2935,7 +2935,7 @@
           <a:p>
             <a:fld id="{FCFD1492-5DC3-43D9-82A2-562279B5AC58}" type="datetimeFigureOut">
               <a:rPr lang="zh-TW" altLang="en-US" smtClean="0"/>
-              <a:t>2022/1/22</a:t>
+              <a:t>2022/10/16</a:t>
             </a:fld>
             <a:endParaRPr lang="zh-TW" altLang="en-US"/>
           </a:p>
@@ -7784,6 +7784,58 @@
       </p:grpSpPr>
       <p:sp>
         <p:nvSpPr>
+          <p:cNvPr id="64" name="矩形 63">
+            <a:extLst>
+              <a:ext uri="{FF2B5EF4-FFF2-40B4-BE49-F238E27FC236}">
+                <a16:creationId xmlns:a16="http://schemas.microsoft.com/office/drawing/2014/main" id="{4172BA73-E4CD-4F31-A01D-EA0C1B30E295}"/>
+              </a:ext>
+            </a:extLst>
+          </p:cNvPr>
+          <p:cNvSpPr/>
+          <p:nvPr/>
+        </p:nvSpPr>
+        <p:spPr>
+          <a:xfrm>
+            <a:off x="0" y="1"/>
+            <a:ext cx="12915825" cy="4622800"/>
+          </a:xfrm>
+          <a:prstGeom prst="rect">
+            <a:avLst/>
+          </a:prstGeom>
+          <a:solidFill>
+            <a:schemeClr val="bg1"/>
+          </a:solidFill>
+          <a:ln>
+            <a:noFill/>
+          </a:ln>
+        </p:spPr>
+        <p:style>
+          <a:lnRef idx="2">
+            <a:schemeClr val="accent1">
+              <a:shade val="50000"/>
+            </a:schemeClr>
+          </a:lnRef>
+          <a:fillRef idx="1">
+            <a:schemeClr val="accent1"/>
+          </a:fillRef>
+          <a:effectRef idx="0">
+            <a:schemeClr val="accent1"/>
+          </a:effectRef>
+          <a:fontRef idx="minor">
+            <a:schemeClr val="lt1"/>
+          </a:fontRef>
+        </p:style>
+        <p:txBody>
+          <a:bodyPr rtlCol="0" anchor="ctr"/>
+          <a:lstStyle/>
+          <a:p>
+            <a:pPr algn="ctr"/>
+            <a:endParaRPr lang="zh-TW" altLang="en-US"/>
+          </a:p>
+        </p:txBody>
+      </p:sp>
+      <p:sp>
+        <p:nvSpPr>
           <p:cNvPr id="4" name="橢圓 3">
             <a:extLst>
               <a:ext uri="{FF2B5EF4-FFF2-40B4-BE49-F238E27FC236}">
@@ -8603,56 +8655,6 @@
               <a:t>STEP 1</a:t>
             </a:r>
             <a:endParaRPr lang="zh-TW" altLang="en-US" sz="2000" b="1" dirty="0"/>
-          </a:p>
-        </p:txBody>
-      </p:sp>
-      <p:sp>
-        <p:nvSpPr>
-          <p:cNvPr id="64" name="矩形 63">
-            <a:extLst>
-              <a:ext uri="{FF2B5EF4-FFF2-40B4-BE49-F238E27FC236}">
-                <a16:creationId xmlns:a16="http://schemas.microsoft.com/office/drawing/2014/main" id="{4172BA73-E4CD-4F31-A01D-EA0C1B30E295}"/>
-              </a:ext>
-            </a:extLst>
-          </p:cNvPr>
-          <p:cNvSpPr/>
-          <p:nvPr/>
-        </p:nvSpPr>
-        <p:spPr>
-          <a:xfrm>
-            <a:off x="0" y="1"/>
-            <a:ext cx="12915825" cy="4622800"/>
-          </a:xfrm>
-          <a:prstGeom prst="rect">
-            <a:avLst/>
-          </a:prstGeom>
-          <a:noFill/>
-          <a:ln>
-            <a:noFill/>
-          </a:ln>
-        </p:spPr>
-        <p:style>
-          <a:lnRef idx="2">
-            <a:schemeClr val="accent1">
-              <a:shade val="50000"/>
-            </a:schemeClr>
-          </a:lnRef>
-          <a:fillRef idx="1">
-            <a:schemeClr val="accent1"/>
-          </a:fillRef>
-          <a:effectRef idx="0">
-            <a:schemeClr val="accent1"/>
-          </a:effectRef>
-          <a:fontRef idx="minor">
-            <a:schemeClr val="lt1"/>
-          </a:fontRef>
-        </p:style>
-        <p:txBody>
-          <a:bodyPr rtlCol="0" anchor="ctr"/>
-          <a:lstStyle/>
-          <a:p>
-            <a:pPr algn="ctr"/>
-            <a:endParaRPr lang="zh-TW" altLang="en-US"/>
           </a:p>
         </p:txBody>
       </p:sp>
@@ -9956,6 +9958,58 @@
           <a:chExt cx="0" cy="0"/>
         </a:xfrm>
       </p:grpSpPr>
+      <p:sp>
+        <p:nvSpPr>
+          <p:cNvPr id="58" name="矩形 57">
+            <a:extLst>
+              <a:ext uri="{FF2B5EF4-FFF2-40B4-BE49-F238E27FC236}">
+                <a16:creationId xmlns:a16="http://schemas.microsoft.com/office/drawing/2014/main" id="{7E68C381-8F21-47AD-B6D4-45E82B3754D0}"/>
+              </a:ext>
+            </a:extLst>
+          </p:cNvPr>
+          <p:cNvSpPr/>
+          <p:nvPr/>
+        </p:nvSpPr>
+        <p:spPr>
+          <a:xfrm>
+            <a:off x="0" y="1"/>
+            <a:ext cx="12915825" cy="4622800"/>
+          </a:xfrm>
+          <a:prstGeom prst="rect">
+            <a:avLst/>
+          </a:prstGeom>
+          <a:solidFill>
+            <a:schemeClr val="bg1"/>
+          </a:solidFill>
+          <a:ln>
+            <a:noFill/>
+          </a:ln>
+        </p:spPr>
+        <p:style>
+          <a:lnRef idx="2">
+            <a:schemeClr val="accent1">
+              <a:shade val="50000"/>
+            </a:schemeClr>
+          </a:lnRef>
+          <a:fillRef idx="1">
+            <a:schemeClr val="accent1"/>
+          </a:fillRef>
+          <a:effectRef idx="0">
+            <a:schemeClr val="accent1"/>
+          </a:effectRef>
+          <a:fontRef idx="minor">
+            <a:schemeClr val="lt1"/>
+          </a:fontRef>
+        </p:style>
+        <p:txBody>
+          <a:bodyPr rtlCol="0" anchor="ctr"/>
+          <a:lstStyle/>
+          <a:p>
+            <a:pPr algn="ctr"/>
+            <a:endParaRPr lang="zh-TW" altLang="en-US"/>
+          </a:p>
+        </p:txBody>
+      </p:sp>
       <p:sp>
         <p:nvSpPr>
           <p:cNvPr id="4" name="橢圓 3">
@@ -11032,56 +11086,6 @@
       </p:sp>
       <p:sp>
         <p:nvSpPr>
-          <p:cNvPr id="58" name="矩形 57">
-            <a:extLst>
-              <a:ext uri="{FF2B5EF4-FFF2-40B4-BE49-F238E27FC236}">
-                <a16:creationId xmlns:a16="http://schemas.microsoft.com/office/drawing/2014/main" id="{7E68C381-8F21-47AD-B6D4-45E82B3754D0}"/>
-              </a:ext>
-            </a:extLst>
-          </p:cNvPr>
-          <p:cNvSpPr/>
-          <p:nvPr/>
-        </p:nvSpPr>
-        <p:spPr>
-          <a:xfrm>
-            <a:off x="0" y="1"/>
-            <a:ext cx="12915825" cy="4622800"/>
-          </a:xfrm>
-          <a:prstGeom prst="rect">
-            <a:avLst/>
-          </a:prstGeom>
-          <a:noFill/>
-          <a:ln>
-            <a:noFill/>
-          </a:ln>
-        </p:spPr>
-        <p:style>
-          <a:lnRef idx="2">
-            <a:schemeClr val="accent1">
-              <a:shade val="50000"/>
-            </a:schemeClr>
-          </a:lnRef>
-          <a:fillRef idx="1">
-            <a:schemeClr val="accent1"/>
-          </a:fillRef>
-          <a:effectRef idx="0">
-            <a:schemeClr val="accent1"/>
-          </a:effectRef>
-          <a:fontRef idx="minor">
-            <a:schemeClr val="lt1"/>
-          </a:fontRef>
-        </p:style>
-        <p:txBody>
-          <a:bodyPr rtlCol="0" anchor="ctr"/>
-          <a:lstStyle/>
-          <a:p>
-            <a:pPr algn="ctr"/>
-            <a:endParaRPr lang="zh-TW" altLang="en-US"/>
-          </a:p>
-        </p:txBody>
-      </p:sp>
-      <p:sp>
-        <p:nvSpPr>
           <p:cNvPr id="27" name="文字方塊 26">
             <a:extLst>
               <a:ext uri="{FF2B5EF4-FFF2-40B4-BE49-F238E27FC236}">
@@ -11202,6 +11206,58 @@
       </p:grpSpPr>
       <p:sp>
         <p:nvSpPr>
+          <p:cNvPr id="51" name="矩形 50">
+            <a:extLst>
+              <a:ext uri="{FF2B5EF4-FFF2-40B4-BE49-F238E27FC236}">
+                <a16:creationId xmlns:a16="http://schemas.microsoft.com/office/drawing/2014/main" id="{9692B724-4CB2-4D7A-9970-33122E8E9960}"/>
+              </a:ext>
+            </a:extLst>
+          </p:cNvPr>
+          <p:cNvSpPr/>
+          <p:nvPr/>
+        </p:nvSpPr>
+        <p:spPr>
+          <a:xfrm>
+            <a:off x="0" y="1"/>
+            <a:ext cx="12915825" cy="4622800"/>
+          </a:xfrm>
+          <a:prstGeom prst="rect">
+            <a:avLst/>
+          </a:prstGeom>
+          <a:solidFill>
+            <a:schemeClr val="bg1"/>
+          </a:solidFill>
+          <a:ln>
+            <a:noFill/>
+          </a:ln>
+        </p:spPr>
+        <p:style>
+          <a:lnRef idx="2">
+            <a:schemeClr val="accent1">
+              <a:shade val="50000"/>
+            </a:schemeClr>
+          </a:lnRef>
+          <a:fillRef idx="1">
+            <a:schemeClr val="accent1"/>
+          </a:fillRef>
+          <a:effectRef idx="0">
+            <a:schemeClr val="accent1"/>
+          </a:effectRef>
+          <a:fontRef idx="minor">
+            <a:schemeClr val="lt1"/>
+          </a:fontRef>
+        </p:style>
+        <p:txBody>
+          <a:bodyPr rtlCol="0" anchor="ctr"/>
+          <a:lstStyle/>
+          <a:p>
+            <a:pPr algn="ctr"/>
+            <a:endParaRPr lang="zh-TW" altLang="en-US"/>
+          </a:p>
+        </p:txBody>
+      </p:sp>
+      <p:sp>
+        <p:nvSpPr>
           <p:cNvPr id="4" name="橢圓 3">
             <a:extLst>
               <a:ext uri="{FF2B5EF4-FFF2-40B4-BE49-F238E27FC236}">
@@ -12221,56 +12277,6 @@
               <a:t>STEP 3</a:t>
             </a:r>
             <a:endParaRPr lang="zh-TW" altLang="en-US" sz="2000" b="1" dirty="0"/>
-          </a:p>
-        </p:txBody>
-      </p:sp>
-      <p:sp>
-        <p:nvSpPr>
-          <p:cNvPr id="51" name="矩形 50">
-            <a:extLst>
-              <a:ext uri="{FF2B5EF4-FFF2-40B4-BE49-F238E27FC236}">
-                <a16:creationId xmlns:a16="http://schemas.microsoft.com/office/drawing/2014/main" id="{9692B724-4CB2-4D7A-9970-33122E8E9960}"/>
-              </a:ext>
-            </a:extLst>
-          </p:cNvPr>
-          <p:cNvSpPr/>
-          <p:nvPr/>
-        </p:nvSpPr>
-        <p:spPr>
-          <a:xfrm>
-            <a:off x="0" y="1"/>
-            <a:ext cx="12915825" cy="4622800"/>
-          </a:xfrm>
-          <a:prstGeom prst="rect">
-            <a:avLst/>
-          </a:prstGeom>
-          <a:noFill/>
-          <a:ln>
-            <a:noFill/>
-          </a:ln>
-        </p:spPr>
-        <p:style>
-          <a:lnRef idx="2">
-            <a:schemeClr val="accent1">
-              <a:shade val="50000"/>
-            </a:schemeClr>
-          </a:lnRef>
-          <a:fillRef idx="1">
-            <a:schemeClr val="accent1"/>
-          </a:fillRef>
-          <a:effectRef idx="0">
-            <a:schemeClr val="accent1"/>
-          </a:effectRef>
-          <a:fontRef idx="minor">
-            <a:schemeClr val="lt1"/>
-          </a:fontRef>
-        </p:style>
-        <p:txBody>
-          <a:bodyPr rtlCol="0" anchor="ctr"/>
-          <a:lstStyle/>
-          <a:p>
-            <a:pPr algn="ctr"/>
-            <a:endParaRPr lang="zh-TW" altLang="en-US"/>
           </a:p>
         </p:txBody>
       </p:sp>
@@ -12442,6 +12448,58 @@
       </p:grpSpPr>
       <p:sp>
         <p:nvSpPr>
+          <p:cNvPr id="56" name="矩形 55">
+            <a:extLst>
+              <a:ext uri="{FF2B5EF4-FFF2-40B4-BE49-F238E27FC236}">
+                <a16:creationId xmlns:a16="http://schemas.microsoft.com/office/drawing/2014/main" id="{7023865E-D59D-4006-8B39-AE00A028DF17}"/>
+              </a:ext>
+            </a:extLst>
+          </p:cNvPr>
+          <p:cNvSpPr/>
+          <p:nvPr/>
+        </p:nvSpPr>
+        <p:spPr>
+          <a:xfrm>
+            <a:off x="21990" y="0"/>
+            <a:ext cx="12915825" cy="4622800"/>
+          </a:xfrm>
+          <a:prstGeom prst="rect">
+            <a:avLst/>
+          </a:prstGeom>
+          <a:solidFill>
+            <a:schemeClr val="bg1"/>
+          </a:solidFill>
+          <a:ln>
+            <a:noFill/>
+          </a:ln>
+        </p:spPr>
+        <p:style>
+          <a:lnRef idx="2">
+            <a:schemeClr val="accent1">
+              <a:shade val="50000"/>
+            </a:schemeClr>
+          </a:lnRef>
+          <a:fillRef idx="1">
+            <a:schemeClr val="accent1"/>
+          </a:fillRef>
+          <a:effectRef idx="0">
+            <a:schemeClr val="accent1"/>
+          </a:effectRef>
+          <a:fontRef idx="minor">
+            <a:schemeClr val="lt1"/>
+          </a:fontRef>
+        </p:style>
+        <p:txBody>
+          <a:bodyPr rtlCol="0" anchor="ctr"/>
+          <a:lstStyle/>
+          <a:p>
+            <a:pPr algn="ctr"/>
+            <a:endParaRPr lang="zh-TW" altLang="en-US"/>
+          </a:p>
+        </p:txBody>
+      </p:sp>
+      <p:sp>
+        <p:nvSpPr>
           <p:cNvPr id="4" name="橢圓 3">
             <a:extLst>
               <a:ext uri="{FF2B5EF4-FFF2-40B4-BE49-F238E27FC236}">
@@ -13302,56 +13360,6 @@
               <a:t>STEP 4</a:t>
             </a:r>
             <a:endParaRPr lang="zh-TW" altLang="en-US" sz="2000" b="1" dirty="0"/>
-          </a:p>
-        </p:txBody>
-      </p:sp>
-      <p:sp>
-        <p:nvSpPr>
-          <p:cNvPr id="56" name="矩形 55">
-            <a:extLst>
-              <a:ext uri="{FF2B5EF4-FFF2-40B4-BE49-F238E27FC236}">
-                <a16:creationId xmlns:a16="http://schemas.microsoft.com/office/drawing/2014/main" id="{7023865E-D59D-4006-8B39-AE00A028DF17}"/>
-              </a:ext>
-            </a:extLst>
-          </p:cNvPr>
-          <p:cNvSpPr/>
-          <p:nvPr/>
-        </p:nvSpPr>
-        <p:spPr>
-          <a:xfrm>
-            <a:off x="0" y="1"/>
-            <a:ext cx="12915825" cy="4622800"/>
-          </a:xfrm>
-          <a:prstGeom prst="rect">
-            <a:avLst/>
-          </a:prstGeom>
-          <a:noFill/>
-          <a:ln>
-            <a:noFill/>
-          </a:ln>
-        </p:spPr>
-        <p:style>
-          <a:lnRef idx="2">
-            <a:schemeClr val="accent1">
-              <a:shade val="50000"/>
-            </a:schemeClr>
-          </a:lnRef>
-          <a:fillRef idx="1">
-            <a:schemeClr val="accent1"/>
-          </a:fillRef>
-          <a:effectRef idx="0">
-            <a:schemeClr val="accent1"/>
-          </a:effectRef>
-          <a:fontRef idx="minor">
-            <a:schemeClr val="lt1"/>
-          </a:fontRef>
-        </p:style>
-        <p:txBody>
-          <a:bodyPr rtlCol="0" anchor="ctr"/>
-          <a:lstStyle/>
-          <a:p>
-            <a:pPr algn="ctr"/>
-            <a:endParaRPr lang="zh-TW" altLang="en-US"/>
           </a:p>
         </p:txBody>
       </p:sp>
@@ -13588,6 +13596,58 @@
       </p:grpSpPr>
       <p:sp>
         <p:nvSpPr>
+          <p:cNvPr id="43" name="矩形 42">
+            <a:extLst>
+              <a:ext uri="{FF2B5EF4-FFF2-40B4-BE49-F238E27FC236}">
+                <a16:creationId xmlns:a16="http://schemas.microsoft.com/office/drawing/2014/main" id="{6C17FEF5-7740-40F7-A56D-162809CBA7A0}"/>
+              </a:ext>
+            </a:extLst>
+          </p:cNvPr>
+          <p:cNvSpPr/>
+          <p:nvPr/>
+        </p:nvSpPr>
+        <p:spPr>
+          <a:xfrm>
+            <a:off x="0" y="1"/>
+            <a:ext cx="12915825" cy="4622800"/>
+          </a:xfrm>
+          <a:prstGeom prst="rect">
+            <a:avLst/>
+          </a:prstGeom>
+          <a:solidFill>
+            <a:schemeClr val="bg1"/>
+          </a:solidFill>
+          <a:ln>
+            <a:noFill/>
+          </a:ln>
+        </p:spPr>
+        <p:style>
+          <a:lnRef idx="2">
+            <a:schemeClr val="accent1">
+              <a:shade val="50000"/>
+            </a:schemeClr>
+          </a:lnRef>
+          <a:fillRef idx="1">
+            <a:schemeClr val="accent1"/>
+          </a:fillRef>
+          <a:effectRef idx="0">
+            <a:schemeClr val="accent1"/>
+          </a:effectRef>
+          <a:fontRef idx="minor">
+            <a:schemeClr val="lt1"/>
+          </a:fontRef>
+        </p:style>
+        <p:txBody>
+          <a:bodyPr rtlCol="0" anchor="ctr"/>
+          <a:lstStyle/>
+          <a:p>
+            <a:pPr algn="ctr"/>
+            <a:endParaRPr lang="zh-TW" altLang="en-US"/>
+          </a:p>
+        </p:txBody>
+      </p:sp>
+      <p:sp>
+        <p:nvSpPr>
           <p:cNvPr id="4" name="橢圓 3">
             <a:extLst>
               <a:ext uri="{FF2B5EF4-FFF2-40B4-BE49-F238E27FC236}">
@@ -14448,56 +14508,6 @@
               <a:t>STEP 5</a:t>
             </a:r>
             <a:endParaRPr lang="zh-TW" altLang="en-US" sz="2000" b="1" dirty="0"/>
-          </a:p>
-        </p:txBody>
-      </p:sp>
-      <p:sp>
-        <p:nvSpPr>
-          <p:cNvPr id="43" name="矩形 42">
-            <a:extLst>
-              <a:ext uri="{FF2B5EF4-FFF2-40B4-BE49-F238E27FC236}">
-                <a16:creationId xmlns:a16="http://schemas.microsoft.com/office/drawing/2014/main" id="{6C17FEF5-7740-40F7-A56D-162809CBA7A0}"/>
-              </a:ext>
-            </a:extLst>
-          </p:cNvPr>
-          <p:cNvSpPr/>
-          <p:nvPr/>
-        </p:nvSpPr>
-        <p:spPr>
-          <a:xfrm>
-            <a:off x="0" y="1"/>
-            <a:ext cx="12915825" cy="4622800"/>
-          </a:xfrm>
-          <a:prstGeom prst="rect">
-            <a:avLst/>
-          </a:prstGeom>
-          <a:noFill/>
-          <a:ln>
-            <a:noFill/>
-          </a:ln>
-        </p:spPr>
-        <p:style>
-          <a:lnRef idx="2">
-            <a:schemeClr val="accent1">
-              <a:shade val="50000"/>
-            </a:schemeClr>
-          </a:lnRef>
-          <a:fillRef idx="1">
-            <a:schemeClr val="accent1"/>
-          </a:fillRef>
-          <a:effectRef idx="0">
-            <a:schemeClr val="accent1"/>
-          </a:effectRef>
-          <a:fontRef idx="minor">
-            <a:schemeClr val="lt1"/>
-          </a:fontRef>
-        </p:style>
-        <p:txBody>
-          <a:bodyPr rtlCol="0" anchor="ctr"/>
-          <a:lstStyle/>
-          <a:p>
-            <a:pPr algn="ctr"/>
-            <a:endParaRPr lang="zh-TW" altLang="en-US"/>
           </a:p>
         </p:txBody>
       </p:sp>
@@ -14734,6 +14744,58 @@
       </p:grpSpPr>
       <p:sp>
         <p:nvSpPr>
+          <p:cNvPr id="42" name="矩形 41">
+            <a:extLst>
+              <a:ext uri="{FF2B5EF4-FFF2-40B4-BE49-F238E27FC236}">
+                <a16:creationId xmlns:a16="http://schemas.microsoft.com/office/drawing/2014/main" id="{A65E0752-9933-4C6C-8687-7D477076263C}"/>
+              </a:ext>
+            </a:extLst>
+          </p:cNvPr>
+          <p:cNvSpPr/>
+          <p:nvPr/>
+        </p:nvSpPr>
+        <p:spPr>
+          <a:xfrm>
+            <a:off x="0" y="1"/>
+            <a:ext cx="12915825" cy="4622800"/>
+          </a:xfrm>
+          <a:prstGeom prst="rect">
+            <a:avLst/>
+          </a:prstGeom>
+          <a:solidFill>
+            <a:schemeClr val="bg1"/>
+          </a:solidFill>
+          <a:ln>
+            <a:noFill/>
+          </a:ln>
+        </p:spPr>
+        <p:style>
+          <a:lnRef idx="2">
+            <a:schemeClr val="accent1">
+              <a:shade val="50000"/>
+            </a:schemeClr>
+          </a:lnRef>
+          <a:fillRef idx="1">
+            <a:schemeClr val="accent1"/>
+          </a:fillRef>
+          <a:effectRef idx="0">
+            <a:schemeClr val="accent1"/>
+          </a:effectRef>
+          <a:fontRef idx="minor">
+            <a:schemeClr val="lt1"/>
+          </a:fontRef>
+        </p:style>
+        <p:txBody>
+          <a:bodyPr rtlCol="0" anchor="ctr"/>
+          <a:lstStyle/>
+          <a:p>
+            <a:pPr algn="ctr"/>
+            <a:endParaRPr lang="zh-TW" altLang="en-US"/>
+          </a:p>
+        </p:txBody>
+      </p:sp>
+      <p:sp>
+        <p:nvSpPr>
           <p:cNvPr id="4" name="橢圓 3">
             <a:extLst>
               <a:ext uri="{FF2B5EF4-FFF2-40B4-BE49-F238E27FC236}">
@@ -15551,56 +15613,6 @@
               <a:t>STEP 6</a:t>
             </a:r>
             <a:endParaRPr lang="zh-TW" altLang="en-US" sz="2000" b="1" dirty="0"/>
-          </a:p>
-        </p:txBody>
-      </p:sp>
-      <p:sp>
-        <p:nvSpPr>
-          <p:cNvPr id="42" name="矩形 41">
-            <a:extLst>
-              <a:ext uri="{FF2B5EF4-FFF2-40B4-BE49-F238E27FC236}">
-                <a16:creationId xmlns:a16="http://schemas.microsoft.com/office/drawing/2014/main" id="{A65E0752-9933-4C6C-8687-7D477076263C}"/>
-              </a:ext>
-            </a:extLst>
-          </p:cNvPr>
-          <p:cNvSpPr/>
-          <p:nvPr/>
-        </p:nvSpPr>
-        <p:spPr>
-          <a:xfrm>
-            <a:off x="0" y="1"/>
-            <a:ext cx="12915825" cy="4622800"/>
-          </a:xfrm>
-          <a:prstGeom prst="rect">
-            <a:avLst/>
-          </a:prstGeom>
-          <a:noFill/>
-          <a:ln>
-            <a:noFill/>
-          </a:ln>
-        </p:spPr>
-        <p:style>
-          <a:lnRef idx="2">
-            <a:schemeClr val="accent1">
-              <a:shade val="50000"/>
-            </a:schemeClr>
-          </a:lnRef>
-          <a:fillRef idx="1">
-            <a:schemeClr val="accent1"/>
-          </a:fillRef>
-          <a:effectRef idx="0">
-            <a:schemeClr val="accent1"/>
-          </a:effectRef>
-          <a:fontRef idx="minor">
-            <a:schemeClr val="lt1"/>
-          </a:fontRef>
-        </p:style>
-        <p:txBody>
-          <a:bodyPr rtlCol="0" anchor="ctr"/>
-          <a:lstStyle/>
-          <a:p>
-            <a:pPr algn="ctr"/>
-            <a:endParaRPr lang="zh-TW" altLang="en-US"/>
           </a:p>
         </p:txBody>
       </p:sp>
@@ -15824,6 +15836,58 @@
       </p:grpSpPr>
       <p:sp>
         <p:nvSpPr>
+          <p:cNvPr id="34" name="矩形 33">
+            <a:extLst>
+              <a:ext uri="{FF2B5EF4-FFF2-40B4-BE49-F238E27FC236}">
+                <a16:creationId xmlns:a16="http://schemas.microsoft.com/office/drawing/2014/main" id="{045F7DB7-2AB4-4E90-86D1-5AA594EFCC61}"/>
+              </a:ext>
+            </a:extLst>
+          </p:cNvPr>
+          <p:cNvSpPr/>
+          <p:nvPr/>
+        </p:nvSpPr>
+        <p:spPr>
+          <a:xfrm>
+            <a:off x="0" y="1"/>
+            <a:ext cx="12915825" cy="4622800"/>
+          </a:xfrm>
+          <a:prstGeom prst="rect">
+            <a:avLst/>
+          </a:prstGeom>
+          <a:solidFill>
+            <a:schemeClr val="bg1"/>
+          </a:solidFill>
+          <a:ln>
+            <a:noFill/>
+          </a:ln>
+        </p:spPr>
+        <p:style>
+          <a:lnRef idx="2">
+            <a:schemeClr val="accent1">
+              <a:shade val="50000"/>
+            </a:schemeClr>
+          </a:lnRef>
+          <a:fillRef idx="1">
+            <a:schemeClr val="accent1"/>
+          </a:fillRef>
+          <a:effectRef idx="0">
+            <a:schemeClr val="accent1"/>
+          </a:effectRef>
+          <a:fontRef idx="minor">
+            <a:schemeClr val="lt1"/>
+          </a:fontRef>
+        </p:style>
+        <p:txBody>
+          <a:bodyPr rtlCol="0" anchor="ctr"/>
+          <a:lstStyle/>
+          <a:p>
+            <a:pPr algn="ctr"/>
+            <a:endParaRPr lang="zh-TW" altLang="en-US"/>
+          </a:p>
+        </p:txBody>
+      </p:sp>
+      <p:sp>
+        <p:nvSpPr>
           <p:cNvPr id="4" name="橢圓 3">
             <a:extLst>
               <a:ext uri="{FF2B5EF4-FFF2-40B4-BE49-F238E27FC236}">
@@ -16543,56 +16607,6 @@
               <a:t>STEP 7</a:t>
             </a:r>
             <a:endParaRPr lang="zh-TW" altLang="en-US" sz="2000" b="1" dirty="0"/>
-          </a:p>
-        </p:txBody>
-      </p:sp>
-      <p:sp>
-        <p:nvSpPr>
-          <p:cNvPr id="34" name="矩形 33">
-            <a:extLst>
-              <a:ext uri="{FF2B5EF4-FFF2-40B4-BE49-F238E27FC236}">
-                <a16:creationId xmlns:a16="http://schemas.microsoft.com/office/drawing/2014/main" id="{045F7DB7-2AB4-4E90-86D1-5AA594EFCC61}"/>
-              </a:ext>
-            </a:extLst>
-          </p:cNvPr>
-          <p:cNvSpPr/>
-          <p:nvPr/>
-        </p:nvSpPr>
-        <p:spPr>
-          <a:xfrm>
-            <a:off x="0" y="1"/>
-            <a:ext cx="12915825" cy="4622800"/>
-          </a:xfrm>
-          <a:prstGeom prst="rect">
-            <a:avLst/>
-          </a:prstGeom>
-          <a:noFill/>
-          <a:ln>
-            <a:noFill/>
-          </a:ln>
-        </p:spPr>
-        <p:style>
-          <a:lnRef idx="2">
-            <a:schemeClr val="accent1">
-              <a:shade val="50000"/>
-            </a:schemeClr>
-          </a:lnRef>
-          <a:fillRef idx="1">
-            <a:schemeClr val="accent1"/>
-          </a:fillRef>
-          <a:effectRef idx="0">
-            <a:schemeClr val="accent1"/>
-          </a:effectRef>
-          <a:fontRef idx="minor">
-            <a:schemeClr val="lt1"/>
-          </a:fontRef>
-        </p:style>
-        <p:txBody>
-          <a:bodyPr rtlCol="0" anchor="ctr"/>
-          <a:lstStyle/>
-          <a:p>
-            <a:pPr algn="ctr"/>
-            <a:endParaRPr lang="zh-TW" altLang="en-US"/>
           </a:p>
         </p:txBody>
       </p:sp>
@@ -16816,6 +16830,58 @@
       </p:grpSpPr>
       <p:sp>
         <p:nvSpPr>
+          <p:cNvPr id="51" name="矩形 50">
+            <a:extLst>
+              <a:ext uri="{FF2B5EF4-FFF2-40B4-BE49-F238E27FC236}">
+                <a16:creationId xmlns:a16="http://schemas.microsoft.com/office/drawing/2014/main" id="{A506CA2A-79B3-4DE6-A679-70C31F15D20B}"/>
+              </a:ext>
+            </a:extLst>
+          </p:cNvPr>
+          <p:cNvSpPr/>
+          <p:nvPr/>
+        </p:nvSpPr>
+        <p:spPr>
+          <a:xfrm>
+            <a:off x="0" y="1"/>
+            <a:ext cx="12915825" cy="4622800"/>
+          </a:xfrm>
+          <a:prstGeom prst="rect">
+            <a:avLst/>
+          </a:prstGeom>
+          <a:solidFill>
+            <a:schemeClr val="bg1"/>
+          </a:solidFill>
+          <a:ln>
+            <a:noFill/>
+          </a:ln>
+        </p:spPr>
+        <p:style>
+          <a:lnRef idx="2">
+            <a:schemeClr val="accent1">
+              <a:shade val="50000"/>
+            </a:schemeClr>
+          </a:lnRef>
+          <a:fillRef idx="1">
+            <a:schemeClr val="accent1"/>
+          </a:fillRef>
+          <a:effectRef idx="0">
+            <a:schemeClr val="accent1"/>
+          </a:effectRef>
+          <a:fontRef idx="minor">
+            <a:schemeClr val="lt1"/>
+          </a:fontRef>
+        </p:style>
+        <p:txBody>
+          <a:bodyPr rtlCol="0" anchor="ctr"/>
+          <a:lstStyle/>
+          <a:p>
+            <a:pPr algn="ctr"/>
+            <a:endParaRPr lang="zh-TW" altLang="en-US"/>
+          </a:p>
+        </p:txBody>
+      </p:sp>
+      <p:sp>
+        <p:nvSpPr>
           <p:cNvPr id="4" name="橢圓 3">
             <a:extLst>
               <a:ext uri="{FF2B5EF4-FFF2-40B4-BE49-F238E27FC236}">
@@ -17288,56 +17354,6 @@
               <a:t>STEP 8</a:t>
             </a:r>
             <a:endParaRPr lang="zh-TW" altLang="en-US" sz="2000" b="1" dirty="0"/>
-          </a:p>
-        </p:txBody>
-      </p:sp>
-      <p:sp>
-        <p:nvSpPr>
-          <p:cNvPr id="51" name="矩形 50">
-            <a:extLst>
-              <a:ext uri="{FF2B5EF4-FFF2-40B4-BE49-F238E27FC236}">
-                <a16:creationId xmlns:a16="http://schemas.microsoft.com/office/drawing/2014/main" id="{A506CA2A-79B3-4DE6-A679-70C31F15D20B}"/>
-              </a:ext>
-            </a:extLst>
-          </p:cNvPr>
-          <p:cNvSpPr/>
-          <p:nvPr/>
-        </p:nvSpPr>
-        <p:spPr>
-          <a:xfrm>
-            <a:off x="0" y="1"/>
-            <a:ext cx="12915825" cy="4622800"/>
-          </a:xfrm>
-          <a:prstGeom prst="rect">
-            <a:avLst/>
-          </a:prstGeom>
-          <a:noFill/>
-          <a:ln>
-            <a:noFill/>
-          </a:ln>
-        </p:spPr>
-        <p:style>
-          <a:lnRef idx="2">
-            <a:schemeClr val="accent1">
-              <a:shade val="50000"/>
-            </a:schemeClr>
-          </a:lnRef>
-          <a:fillRef idx="1">
-            <a:schemeClr val="accent1"/>
-          </a:fillRef>
-          <a:effectRef idx="0">
-            <a:schemeClr val="accent1"/>
-          </a:effectRef>
-          <a:fontRef idx="minor">
-            <a:schemeClr val="lt1"/>
-          </a:fontRef>
-        </p:style>
-        <p:txBody>
-          <a:bodyPr rtlCol="0" anchor="ctr"/>
-          <a:lstStyle/>
-          <a:p>
-            <a:pPr algn="ctr"/>
-            <a:endParaRPr lang="zh-TW" altLang="en-US"/>
           </a:p>
         </p:txBody>
       </p:sp>
